--- a/Capstone_2_slidedeck.pptx
+++ b/Capstone_2_slidedeck.pptx
@@ -2,7 +2,7 @@
 <file path=ppt/presentation.xml><?xml version="1.0" encoding="utf-8"?>
 <p:presentation xmlns:a="http://schemas.openxmlformats.org/drawingml/2006/main" xmlns:r="http://schemas.openxmlformats.org/officeDocument/2006/relationships" xmlns:p="http://schemas.openxmlformats.org/presentationml/2006/main" saveSubsetFonts="1" autoCompressPictures="0">
   <p:sldMasterIdLst>
-    <p:sldMasterId id="2147483648" r:id="rId1"/>
+    <p:sldMasterId id="2147483660" r:id="rId1"/>
   </p:sldMasterIdLst>
   <p:notesMasterIdLst>
     <p:notesMasterId r:id="rId14"/>
@@ -2271,11 +2271,7 @@
           <a:pPr rtl="0"/>
           <a:r>
             <a:rPr lang="en-US" dirty="0" smtClean="0"/>
-            <a:t>Regression tree ensemble </a:t>
-          </a:r>
-          <a:r>
-            <a:rPr lang="en-US" dirty="0" smtClean="0"/>
-            <a:t>methods</a:t>
+            <a:t>Regression tree ensemble methods</a:t>
           </a:r>
           <a:endParaRPr lang="en-US" dirty="0"/>
         </a:p>
@@ -2664,25 +2660,25 @@
     </dgm:pt>
   </dgm:ptLst>
   <dgm:cxnLst>
+    <dgm:cxn modelId="{756C6364-6FD1-8D42-882C-68CD15E628D3}" srcId="{F71B52A1-47BF-E140-B4E1-44FCBEA688E7}" destId="{1EC54D19-FD68-6447-955D-E0B1A3773135}" srcOrd="0" destOrd="0" parTransId="{9E4AE1C9-C75C-6247-B0C6-BE432F4B146E}" sibTransId="{782C5615-EDC5-3F45-BA19-91969F0E3641}"/>
+    <dgm:cxn modelId="{DD70C7AB-0A52-7846-B4AB-14629CA374B1}" type="presOf" srcId="{B2665D56-A322-584F-9710-1C91FE831579}" destId="{BF5C07C1-3403-5F42-AB19-AA780A8F4671}" srcOrd="0" destOrd="0" presId="urn:microsoft.com/office/officeart/2005/8/layout/list1"/>
+    <dgm:cxn modelId="{56B98BBC-02C1-3E41-B39E-6B822158C52F}" type="presOf" srcId="{114A3EE4-4784-484D-9AA4-9FF1D971F3A1}" destId="{1F8477FB-FF33-104C-9E8D-639C5CB621F5}" srcOrd="0" destOrd="2" presId="urn:microsoft.com/office/officeart/2005/8/layout/list1"/>
+    <dgm:cxn modelId="{259A0930-7DE6-5849-96BE-D8A406A1EE87}" type="presOf" srcId="{EC2CC42E-7758-8546-9F72-8B02D1F62C4E}" destId="{1F8477FB-FF33-104C-9E8D-639C5CB621F5}" srcOrd="0" destOrd="0" presId="urn:microsoft.com/office/officeart/2005/8/layout/list1"/>
+    <dgm:cxn modelId="{FA2D58F0-32B4-3244-A348-B3B9A82F67CA}" type="presOf" srcId="{4E350AE5-CDDD-2F4D-8F4D-9048A7CCD941}" destId="{ACA6F004-D157-2949-9E8A-8D2CE29197D7}" srcOrd="0" destOrd="0" presId="urn:microsoft.com/office/officeart/2005/8/layout/list1"/>
+    <dgm:cxn modelId="{C5740561-1CEB-5345-BE4D-947AE45D31A5}" type="presOf" srcId="{323435B9-7DE8-6546-9874-8C9B5AB50603}" destId="{1F8477FB-FF33-104C-9E8D-639C5CB621F5}" srcOrd="0" destOrd="1" presId="urn:microsoft.com/office/officeart/2005/8/layout/list1"/>
+    <dgm:cxn modelId="{F04AC762-EC59-A84B-A3B2-D3297AB53D22}" srcId="{B2665D56-A322-584F-9710-1C91FE831579}" destId="{4E350AE5-CDDD-2F4D-8F4D-9048A7CCD941}" srcOrd="0" destOrd="0" parTransId="{E3D378F2-EF1E-DD46-83B8-9BE9B9D645CE}" sibTransId="{A2019A87-B913-8648-BA34-3B7B49D6AE26}"/>
+    <dgm:cxn modelId="{65AFB387-320A-3E44-9593-7B981A403676}" type="presOf" srcId="{B2EBB787-913F-1A42-AAB8-0D032305EB72}" destId="{5983A9B5-B592-7744-B67B-4205EC23C8F3}" srcOrd="0" destOrd="0" presId="urn:microsoft.com/office/officeart/2005/8/layout/list1"/>
+    <dgm:cxn modelId="{2CF6092C-F3CB-0840-BF3B-F5363AB12747}" type="presOf" srcId="{1EC54D19-FD68-6447-955D-E0B1A3773135}" destId="{601B1B02-4EA8-CF44-B5B7-67298AA40CD7}" srcOrd="0" destOrd="0" presId="urn:microsoft.com/office/officeart/2005/8/layout/list1"/>
+    <dgm:cxn modelId="{197B05F8-C61E-E149-86D7-5714E4247527}" type="presOf" srcId="{F71B52A1-47BF-E140-B4E1-44FCBEA688E7}" destId="{D0CE6D66-E8C3-414F-B6A5-74B4BB0BD0BC}" srcOrd="1" destOrd="0" presId="urn:microsoft.com/office/officeart/2005/8/layout/list1"/>
+    <dgm:cxn modelId="{2EEA985E-9619-7140-A2F9-2547E9FA8D4C}" srcId="{B2665D56-A322-584F-9710-1C91FE831579}" destId="{CA7A7636-503F-224C-87FB-CD825A1D3713}" srcOrd="1" destOrd="0" parTransId="{7FA4A103-EC90-614F-AED8-ED2350B38756}" sibTransId="{F2A262B4-D971-DD4E-9E76-CE8452549D75}"/>
+    <dgm:cxn modelId="{CDB6FBB6-09F7-5749-8C0D-B2EA5D30776F}" srcId="{CA7A7636-503F-224C-87FB-CD825A1D3713}" destId="{323435B9-7DE8-6546-9874-8C9B5AB50603}" srcOrd="1" destOrd="0" parTransId="{61F840A2-FA7C-7B41-8A7C-BF2FABC82194}" sibTransId="{00634D10-7D9B-A545-8DE0-5EB9CC907D46}"/>
     <dgm:cxn modelId="{D78144C3-5E1B-DE45-984C-5D7B7A0E7166}" srcId="{CA7A7636-503F-224C-87FB-CD825A1D3713}" destId="{EC2CC42E-7758-8546-9F72-8B02D1F62C4E}" srcOrd="0" destOrd="0" parTransId="{BE705D74-0FA4-2B46-96D7-89B91C1FBA00}" sibTransId="{66F661D9-EC04-2B42-9D84-166D3524F1EA}"/>
     <dgm:cxn modelId="{10CDB64D-9D20-6E48-8037-98201A92425D}" srcId="{B2665D56-A322-584F-9710-1C91FE831579}" destId="{F71B52A1-47BF-E140-B4E1-44FCBEA688E7}" srcOrd="2" destOrd="0" parTransId="{E368DAD8-F6B0-6A4F-B030-836CC3107015}" sibTransId="{74862774-1CA4-F343-8D59-490D2F8EEFDE}"/>
-    <dgm:cxn modelId="{F04AC762-EC59-A84B-A3B2-D3297AB53D22}" srcId="{B2665D56-A322-584F-9710-1C91FE831579}" destId="{4E350AE5-CDDD-2F4D-8F4D-9048A7CCD941}" srcOrd="0" destOrd="0" parTransId="{E3D378F2-EF1E-DD46-83B8-9BE9B9D645CE}" sibTransId="{A2019A87-B913-8648-BA34-3B7B49D6AE26}"/>
     <dgm:cxn modelId="{536A9B8C-0DAA-E246-A506-ED0F2BC7196A}" type="presOf" srcId="{CA7A7636-503F-224C-87FB-CD825A1D3713}" destId="{D3AF7519-B018-684A-9CA1-DECD459E7B8B}" srcOrd="0" destOrd="0" presId="urn:microsoft.com/office/officeart/2005/8/layout/list1"/>
-    <dgm:cxn modelId="{197B05F8-C61E-E149-86D7-5714E4247527}" type="presOf" srcId="{F71B52A1-47BF-E140-B4E1-44FCBEA688E7}" destId="{D0CE6D66-E8C3-414F-B6A5-74B4BB0BD0BC}" srcOrd="1" destOrd="0" presId="urn:microsoft.com/office/officeart/2005/8/layout/list1"/>
+    <dgm:cxn modelId="{56C32FF1-2D12-DD43-AEEB-E17C650C1A60}" srcId="{CA7A7636-503F-224C-87FB-CD825A1D3713}" destId="{114A3EE4-4784-484D-9AA4-9FF1D971F3A1}" srcOrd="2" destOrd="0" parTransId="{7930BBE8-5DA8-9D4D-87E7-FC56324757BA}" sibTransId="{A53AC0A8-B04D-BC43-A02E-EBD1CC5F4AD8}"/>
     <dgm:cxn modelId="{C14EF274-7A8E-DB4D-8379-E00B72B3BE04}" srcId="{4E350AE5-CDDD-2F4D-8F4D-9048A7CCD941}" destId="{B2EBB787-913F-1A42-AAB8-0D032305EB72}" srcOrd="0" destOrd="0" parTransId="{469CCC28-3A46-B946-9630-ED17F43863A1}" sibTransId="{3CDAF5CA-5C0C-EE41-9C51-53F9E24A77E0}"/>
-    <dgm:cxn modelId="{DD70C7AB-0A52-7846-B4AB-14629CA374B1}" type="presOf" srcId="{B2665D56-A322-584F-9710-1C91FE831579}" destId="{BF5C07C1-3403-5F42-AB19-AA780A8F4671}" srcOrd="0" destOrd="0" presId="urn:microsoft.com/office/officeart/2005/8/layout/list1"/>
-    <dgm:cxn modelId="{65AFB387-320A-3E44-9593-7B981A403676}" type="presOf" srcId="{B2EBB787-913F-1A42-AAB8-0D032305EB72}" destId="{5983A9B5-B592-7744-B67B-4205EC23C8F3}" srcOrd="0" destOrd="0" presId="urn:microsoft.com/office/officeart/2005/8/layout/list1"/>
-    <dgm:cxn modelId="{C5740561-1CEB-5345-BE4D-947AE45D31A5}" type="presOf" srcId="{323435B9-7DE8-6546-9874-8C9B5AB50603}" destId="{1F8477FB-FF33-104C-9E8D-639C5CB621F5}" srcOrd="0" destOrd="1" presId="urn:microsoft.com/office/officeart/2005/8/layout/list1"/>
-    <dgm:cxn modelId="{56C32FF1-2D12-DD43-AEEB-E17C650C1A60}" srcId="{CA7A7636-503F-224C-87FB-CD825A1D3713}" destId="{114A3EE4-4784-484D-9AA4-9FF1D971F3A1}" srcOrd="2" destOrd="0" parTransId="{7930BBE8-5DA8-9D4D-87E7-FC56324757BA}" sibTransId="{A53AC0A8-B04D-BC43-A02E-EBD1CC5F4AD8}"/>
-    <dgm:cxn modelId="{2CF6092C-F3CB-0840-BF3B-F5363AB12747}" type="presOf" srcId="{1EC54D19-FD68-6447-955D-E0B1A3773135}" destId="{601B1B02-4EA8-CF44-B5B7-67298AA40CD7}" srcOrd="0" destOrd="0" presId="urn:microsoft.com/office/officeart/2005/8/layout/list1"/>
     <dgm:cxn modelId="{784D10F6-D1DF-F946-B322-9EF5AC64E897}" type="presOf" srcId="{CA7A7636-503F-224C-87FB-CD825A1D3713}" destId="{0C0D53E8-A955-3F46-9F87-8BEF6413E8D3}" srcOrd="1" destOrd="0" presId="urn:microsoft.com/office/officeart/2005/8/layout/list1"/>
-    <dgm:cxn modelId="{756C6364-6FD1-8D42-882C-68CD15E628D3}" srcId="{F71B52A1-47BF-E140-B4E1-44FCBEA688E7}" destId="{1EC54D19-FD68-6447-955D-E0B1A3773135}" srcOrd="0" destOrd="0" parTransId="{9E4AE1C9-C75C-6247-B0C6-BE432F4B146E}" sibTransId="{782C5615-EDC5-3F45-BA19-91969F0E3641}"/>
-    <dgm:cxn modelId="{CDB6FBB6-09F7-5749-8C0D-B2EA5D30776F}" srcId="{CA7A7636-503F-224C-87FB-CD825A1D3713}" destId="{323435B9-7DE8-6546-9874-8C9B5AB50603}" srcOrd="1" destOrd="0" parTransId="{61F840A2-FA7C-7B41-8A7C-BF2FABC82194}" sibTransId="{00634D10-7D9B-A545-8DE0-5EB9CC907D46}"/>
-    <dgm:cxn modelId="{FA2D58F0-32B4-3244-A348-B3B9A82F67CA}" type="presOf" srcId="{4E350AE5-CDDD-2F4D-8F4D-9048A7CCD941}" destId="{ACA6F004-D157-2949-9E8A-8D2CE29197D7}" srcOrd="0" destOrd="0" presId="urn:microsoft.com/office/officeart/2005/8/layout/list1"/>
-    <dgm:cxn modelId="{2EEA985E-9619-7140-A2F9-2547E9FA8D4C}" srcId="{B2665D56-A322-584F-9710-1C91FE831579}" destId="{CA7A7636-503F-224C-87FB-CD825A1D3713}" srcOrd="1" destOrd="0" parTransId="{7FA4A103-EC90-614F-AED8-ED2350B38756}" sibTransId="{F2A262B4-D971-DD4E-9E76-CE8452549D75}"/>
-    <dgm:cxn modelId="{259A0930-7DE6-5849-96BE-D8A406A1EE87}" type="presOf" srcId="{EC2CC42E-7758-8546-9F72-8B02D1F62C4E}" destId="{1F8477FB-FF33-104C-9E8D-639C5CB621F5}" srcOrd="0" destOrd="0" presId="urn:microsoft.com/office/officeart/2005/8/layout/list1"/>
     <dgm:cxn modelId="{738FF8BF-CE64-5E43-9873-296101080983}" type="presOf" srcId="{F71B52A1-47BF-E140-B4E1-44FCBEA688E7}" destId="{34168BF4-31DF-D94F-923F-2D452C3FAA2B}" srcOrd="0" destOrd="0" presId="urn:microsoft.com/office/officeart/2005/8/layout/list1"/>
-    <dgm:cxn modelId="{56B98BBC-02C1-3E41-B39E-6B822158C52F}" type="presOf" srcId="{114A3EE4-4784-484D-9AA4-9FF1D971F3A1}" destId="{1F8477FB-FF33-104C-9E8D-639C5CB621F5}" srcOrd="0" destOrd="2" presId="urn:microsoft.com/office/officeart/2005/8/layout/list1"/>
     <dgm:cxn modelId="{86B86F24-5A8E-7144-9019-1C1C5EA00F2B}" type="presOf" srcId="{4E350AE5-CDDD-2F4D-8F4D-9048A7CCD941}" destId="{F0BC57A6-EBA0-D543-AE43-B03301ECA47B}" srcOrd="1" destOrd="0" presId="urn:microsoft.com/office/officeart/2005/8/layout/list1"/>
     <dgm:cxn modelId="{1B4F5CFB-5321-CE4D-B9EC-FBD14C552A08}" type="presParOf" srcId="{BF5C07C1-3403-5F42-AB19-AA780A8F4671}" destId="{FC664238-25CB-224A-998B-3AA6FAD1EAA4}" srcOrd="0" destOrd="0" presId="urn:microsoft.com/office/officeart/2005/8/layout/list1"/>
     <dgm:cxn modelId="{03AFA6FB-1B97-2B4F-B9DA-D0100776EE54}" type="presParOf" srcId="{FC664238-25CB-224A-998B-3AA6FAD1EAA4}" destId="{ACA6F004-D157-2949-9E8A-8D2CE29197D7}" srcOrd="0" destOrd="0" presId="urn:microsoft.com/office/officeart/2005/8/layout/list1"/>
@@ -2727,32 +2723,23 @@
       </dsp:nvSpPr>
       <dsp:spPr>
         <a:xfrm>
-          <a:off x="0" y="12311"/>
-          <a:ext cx="8229600" cy="1013309"/>
+          <a:off x="0" y="189386"/>
+          <a:ext cx="8229600" cy="961110"/>
         </a:xfrm>
         <a:prstGeom prst="rect">
           <a:avLst/>
         </a:prstGeom>
         <a:gradFill rotWithShape="0">
           <a:gsLst>
-            <a:gs pos="0">
+            <a:gs pos="31000">
               <a:schemeClr val="accent1">
                 <a:hueOff val="0"/>
                 <a:satOff val="0"/>
                 <a:lumOff val="0"/>
                 <a:alphaOff val="0"/>
-                <a:tint val="50000"/>
-                <a:satMod val="300000"/>
-              </a:schemeClr>
-            </a:gs>
-            <a:gs pos="35000">
-              <a:schemeClr val="accent1">
-                <a:hueOff val="0"/>
-                <a:satOff val="0"/>
-                <a:lumOff val="0"/>
-                <a:alphaOff val="0"/>
-                <a:tint val="37000"/>
-                <a:satMod val="300000"/>
+                <a:tint val="100000"/>
+                <a:shade val="100000"/>
+                <a:satMod val="120000"/>
               </a:schemeClr>
             </a:gs>
             <a:gs pos="100000">
@@ -2761,14 +2748,14 @@
                 <a:satOff val="0"/>
                 <a:lumOff val="0"/>
                 <a:alphaOff val="0"/>
-                <a:tint val="15000"/>
-                <a:satMod val="350000"/>
+                <a:tint val="50000"/>
+                <a:satMod val="150000"/>
               </a:schemeClr>
             </a:gs>
           </a:gsLst>
-          <a:lin ang="16200000" scaled="1"/>
+          <a:lin ang="5400000" scaled="1"/>
         </a:gradFill>
-        <a:ln w="9525" cap="flat" cmpd="sng" algn="ctr">
+        <a:ln w="12700" cap="flat" cmpd="sng" algn="ctr">
           <a:solidFill>
             <a:schemeClr val="accent1">
               <a:hueOff val="0"/>
@@ -2779,13 +2766,7 @@
           </a:solidFill>
           <a:prstDash val="solid"/>
         </a:ln>
-        <a:effectLst>
-          <a:outerShdw blurRad="40000" dist="20000" dir="5400000" rotWithShape="0">
-            <a:srgbClr val="000000">
-              <a:alpha val="38000"/>
-            </a:srgbClr>
-          </a:outerShdw>
-        </a:effectLst>
+        <a:effectLst/>
       </dsp:spPr>
       <dsp:style>
         <a:lnRef idx="1">
@@ -2802,12 +2783,12 @@
         </a:fontRef>
       </dsp:style>
       <dsp:txBody>
-        <a:bodyPr spcFirstLastPara="0" vert="horz" wrap="square" lIns="192024" tIns="109728" rIns="192024" bIns="109728" numCol="1" spcCol="1270" anchor="ctr" anchorCtr="0">
+        <a:bodyPr spcFirstLastPara="0" vert="horz" wrap="square" lIns="177800" tIns="101600" rIns="177800" bIns="101600" numCol="1" spcCol="1270" anchor="ctr" anchorCtr="0">
           <a:noAutofit/>
         </a:bodyPr>
         <a:lstStyle/>
         <a:p>
-          <a:pPr lvl="0" algn="ctr" defTabSz="1200150" rtl="0">
+          <a:pPr lvl="0" algn="ctr" defTabSz="1111250" rtl="0">
             <a:lnSpc>
               <a:spcPct val="90000"/>
             </a:lnSpc>
@@ -2819,79 +2800,79 @@
             </a:spcAft>
           </a:pPr>
           <a:r>
-            <a:rPr lang="tr-TR" sz="2700" kern="1200" dirty="0" err="1" smtClean="0"/>
+            <a:rPr lang="tr-TR" sz="2500" kern="1200" dirty="0" err="1" smtClean="0"/>
             <a:t>Distinguish</a:t>
           </a:r>
           <a:r>
-            <a:rPr lang="tr-TR" sz="2700" kern="1200" dirty="0" smtClean="0"/>
+            <a:rPr lang="tr-TR" sz="2500" kern="1200" dirty="0" smtClean="0"/>
             <a:t> </a:t>
           </a:r>
           <a:r>
-            <a:rPr lang="tr-TR" sz="2700" kern="1200" dirty="0" err="1" smtClean="0"/>
+            <a:rPr lang="tr-TR" sz="2500" kern="1200" dirty="0" err="1" smtClean="0"/>
             <a:t>categorical</a:t>
           </a:r>
           <a:r>
-            <a:rPr lang="tr-TR" sz="2700" kern="1200" dirty="0" smtClean="0"/>
+            <a:rPr lang="tr-TR" sz="2500" kern="1200" dirty="0" smtClean="0"/>
             <a:t> </a:t>
           </a:r>
           <a:r>
-            <a:rPr lang="tr-TR" sz="2700" kern="1200" dirty="0" err="1" smtClean="0"/>
+            <a:rPr lang="tr-TR" sz="2500" kern="1200" dirty="0" err="1" smtClean="0"/>
             <a:t>from</a:t>
           </a:r>
           <a:r>
-            <a:rPr lang="tr-TR" sz="2700" kern="1200" dirty="0" smtClean="0"/>
+            <a:rPr lang="tr-TR" sz="2500" kern="1200" dirty="0" smtClean="0"/>
             <a:t> </a:t>
           </a:r>
           <a:r>
-            <a:rPr lang="tr-TR" sz="2700" kern="1200" dirty="0" err="1" smtClean="0"/>
+            <a:rPr lang="tr-TR" sz="2500" kern="1200" dirty="0" err="1" smtClean="0"/>
             <a:t>continuous</a:t>
           </a:r>
           <a:r>
-            <a:rPr lang="tr-TR" sz="2700" kern="1200" dirty="0" smtClean="0"/>
+            <a:rPr lang="tr-TR" sz="2500" kern="1200" dirty="0" smtClean="0"/>
             <a:t> </a:t>
           </a:r>
           <a:r>
-            <a:rPr lang="tr-TR" sz="2700" kern="1200" dirty="0" err="1" smtClean="0"/>
+            <a:rPr lang="tr-TR" sz="2500" kern="1200" dirty="0" err="1" smtClean="0"/>
             <a:t>variables</a:t>
           </a:r>
           <a:r>
-            <a:rPr lang="tr-TR" sz="2700" kern="1200" dirty="0" smtClean="0"/>
+            <a:rPr lang="tr-TR" sz="2500" kern="1200" dirty="0" smtClean="0"/>
             <a:t> </a:t>
           </a:r>
           <a:r>
-            <a:rPr lang="tr-TR" sz="2700" kern="1200" dirty="0" err="1" smtClean="0"/>
+            <a:rPr lang="tr-TR" sz="2500" kern="1200" dirty="0" err="1" smtClean="0"/>
             <a:t>for</a:t>
           </a:r>
           <a:r>
-            <a:rPr lang="tr-TR" sz="2700" kern="1200" dirty="0" smtClean="0"/>
+            <a:rPr lang="tr-TR" sz="2500" kern="1200" dirty="0" smtClean="0"/>
             <a:t> </a:t>
           </a:r>
           <a:r>
-            <a:rPr lang="tr-TR" sz="2700" kern="1200" dirty="0" err="1" smtClean="0"/>
+            <a:rPr lang="tr-TR" sz="2500" kern="1200" dirty="0" err="1" smtClean="0"/>
             <a:t>the</a:t>
           </a:r>
           <a:r>
-            <a:rPr lang="tr-TR" sz="2700" kern="1200" dirty="0" smtClean="0"/>
+            <a:rPr lang="tr-TR" sz="2500" kern="1200" dirty="0" smtClean="0"/>
             <a:t> </a:t>
           </a:r>
           <a:r>
-            <a:rPr lang="tr-TR" sz="2700" kern="1200" dirty="0" err="1" smtClean="0"/>
+            <a:rPr lang="tr-TR" sz="2500" kern="1200" dirty="0" err="1" smtClean="0"/>
             <a:t>Logistic</a:t>
           </a:r>
           <a:r>
-            <a:rPr lang="tr-TR" sz="2700" kern="1200" dirty="0" smtClean="0"/>
+            <a:rPr lang="tr-TR" sz="2500" kern="1200" dirty="0" smtClean="0"/>
             <a:t> </a:t>
           </a:r>
           <a:r>
-            <a:rPr lang="tr-TR" sz="2700" kern="1200" dirty="0" err="1" smtClean="0"/>
+            <a:rPr lang="tr-TR" sz="2500" kern="1200" dirty="0" err="1" smtClean="0"/>
             <a:t>Regression</a:t>
           </a:r>
-          <a:endParaRPr lang="tr-TR" sz="2700" kern="1200" dirty="0"/>
+          <a:endParaRPr lang="tr-TR" sz="2500" kern="1200" dirty="0"/>
         </a:p>
       </dsp:txBody>
       <dsp:txXfrm>
-        <a:off x="0" y="12311"/>
-        <a:ext cx="8229600" cy="1013309"/>
+        <a:off x="0" y="189386"/>
+        <a:ext cx="8229600" cy="961110"/>
       </dsp:txXfrm>
     </dsp:sp>
     <dsp:sp modelId="{D68F8645-8671-3F43-9459-70CEA2506450}">
@@ -2901,8 +2882,8 @@
       </dsp:nvSpPr>
       <dsp:spPr>
         <a:xfrm>
-          <a:off x="0" y="1025620"/>
-          <a:ext cx="8229600" cy="4076324"/>
+          <a:off x="0" y="1150496"/>
+          <a:ext cx="8229600" cy="3774375"/>
         </a:xfrm>
         <a:prstGeom prst="rect">
           <a:avLst/>
@@ -2917,7 +2898,7 @@
             <a:alphaOff val="0"/>
           </a:schemeClr>
         </a:solidFill>
-        <a:ln w="9525" cap="flat" cmpd="sng" algn="ctr">
+        <a:ln w="12700" cap="flat" cmpd="sng" algn="ctr">
           <a:solidFill>
             <a:schemeClr val="accent1">
               <a:alpha val="90000"/>
@@ -2945,12 +2926,12 @@
         <a:fontRef idx="minor"/>
       </dsp:style>
       <dsp:txBody>
-        <a:bodyPr spcFirstLastPara="0" vert="horz" wrap="square" lIns="144018" tIns="144018" rIns="192024" bIns="216027" numCol="1" spcCol="1270" anchor="t" anchorCtr="0">
+        <a:bodyPr spcFirstLastPara="0" vert="horz" wrap="square" lIns="133350" tIns="133350" rIns="177800" bIns="200025" numCol="1" spcCol="1270" anchor="t" anchorCtr="0">
           <a:noAutofit/>
         </a:bodyPr>
         <a:lstStyle/>
         <a:p>
-          <a:pPr marL="228600" lvl="1" indent="-228600" algn="l" defTabSz="1200150" rtl="0">
+          <a:pPr marL="228600" lvl="1" indent="-228600" algn="l" defTabSz="1111250" rtl="0">
             <a:lnSpc>
               <a:spcPct val="90000"/>
             </a:lnSpc>
@@ -2963,13 +2944,13 @@
             <a:buChar char="••"/>
           </a:pPr>
           <a:r>
-            <a:rPr lang="en-US" sz="2700" kern="1200" dirty="0" smtClean="0"/>
+            <a:rPr lang="en-US" sz="2500" kern="1200" dirty="0" smtClean="0"/>
             <a:t>Variables with 20 or less unique values among all 76020 observations were assumed to be categorical variables</a:t>
           </a:r>
-          <a:endParaRPr lang="tr-TR" sz="2700" kern="1200" dirty="0"/>
+          <a:endParaRPr lang="tr-TR" sz="2500" kern="1200" dirty="0"/>
         </a:p>
         <a:p>
-          <a:pPr marL="228600" lvl="1" indent="-228600" algn="l" defTabSz="1200150" rtl="0">
+          <a:pPr marL="228600" lvl="1" indent="-228600" algn="l" defTabSz="1111250" rtl="0">
             <a:lnSpc>
               <a:spcPct val="100000"/>
             </a:lnSpc>
@@ -2982,121 +2963,121 @@
             <a:buChar char="••"/>
           </a:pPr>
           <a:r>
-            <a:rPr lang="tr-TR" sz="2700" kern="1200" dirty="0" smtClean="0"/>
+            <a:rPr lang="tr-TR" sz="2500" kern="1200" dirty="0" smtClean="0"/>
             <a:t>Test </a:t>
           </a:r>
           <a:r>
-            <a:rPr lang="tr-TR" sz="2700" kern="1200" dirty="0" err="1" smtClean="0"/>
+            <a:rPr lang="tr-TR" sz="2500" kern="1200" dirty="0" err="1" smtClean="0"/>
             <a:t>the</a:t>
           </a:r>
           <a:r>
-            <a:rPr lang="tr-TR" sz="2700" kern="1200" dirty="0" smtClean="0"/>
+            <a:rPr lang="tr-TR" sz="2500" kern="1200" dirty="0" smtClean="0"/>
             <a:t> </a:t>
           </a:r>
           <a:r>
-            <a:rPr lang="tr-TR" sz="2700" kern="1200" dirty="0" err="1" smtClean="0"/>
+            <a:rPr lang="tr-TR" sz="2500" kern="1200" dirty="0" err="1" smtClean="0"/>
             <a:t>sensitivity</a:t>
           </a:r>
           <a:r>
-            <a:rPr lang="tr-TR" sz="2700" kern="1200" dirty="0" smtClean="0"/>
+            <a:rPr lang="tr-TR" sz="2500" kern="1200" dirty="0" smtClean="0"/>
             <a:t> of </a:t>
           </a:r>
           <a:r>
-            <a:rPr lang="tr-TR" sz="2700" kern="1200" dirty="0" err="1" smtClean="0"/>
+            <a:rPr lang="tr-TR" sz="2500" kern="1200" dirty="0" err="1" smtClean="0"/>
             <a:t>logistic</a:t>
           </a:r>
           <a:r>
-            <a:rPr lang="tr-TR" sz="2700" kern="1200" dirty="0" smtClean="0"/>
+            <a:rPr lang="tr-TR" sz="2500" kern="1200" dirty="0" smtClean="0"/>
             <a:t> </a:t>
           </a:r>
           <a:r>
-            <a:rPr lang="tr-TR" sz="2700" kern="1200" dirty="0" err="1" smtClean="0"/>
+            <a:rPr lang="tr-TR" sz="2500" kern="1200" dirty="0" err="1" smtClean="0"/>
             <a:t>regression</a:t>
           </a:r>
           <a:r>
-            <a:rPr lang="tr-TR" sz="2700" kern="1200" dirty="0" smtClean="0"/>
+            <a:rPr lang="tr-TR" sz="2500" kern="1200" dirty="0" smtClean="0"/>
             <a:t> </a:t>
           </a:r>
           <a:r>
-            <a:rPr lang="tr-TR" sz="2700" kern="1200" dirty="0" err="1" smtClean="0"/>
+            <a:rPr lang="tr-TR" sz="2500" kern="1200" dirty="0" err="1" smtClean="0"/>
             <a:t>classification</a:t>
           </a:r>
           <a:r>
-            <a:rPr lang="tr-TR" sz="2700" kern="1200" dirty="0" smtClean="0"/>
+            <a:rPr lang="tr-TR" sz="2500" kern="1200" dirty="0" smtClean="0"/>
             <a:t> </a:t>
           </a:r>
           <a:r>
-            <a:rPr lang="tr-TR" sz="2700" kern="1200" dirty="0" err="1" smtClean="0"/>
+            <a:rPr lang="tr-TR" sz="2500" kern="1200" dirty="0" err="1" smtClean="0"/>
             <a:t>accuracy</a:t>
           </a:r>
           <a:r>
-            <a:rPr lang="tr-TR" sz="2700" kern="1200" dirty="0" smtClean="0"/>
+            <a:rPr lang="tr-TR" sz="2500" kern="1200" dirty="0" smtClean="0"/>
             <a:t> </a:t>
           </a:r>
           <a:r>
-            <a:rPr lang="tr-TR" sz="2700" kern="1200" dirty="0" err="1" smtClean="0"/>
+            <a:rPr lang="tr-TR" sz="2500" kern="1200" dirty="0" err="1" smtClean="0"/>
             <a:t>to</a:t>
           </a:r>
           <a:r>
-            <a:rPr lang="tr-TR" sz="2700" kern="1200" dirty="0" smtClean="0"/>
+            <a:rPr lang="tr-TR" sz="2500" kern="1200" dirty="0" smtClean="0"/>
             <a:t> </a:t>
           </a:r>
           <a:r>
-            <a:rPr lang="tr-TR" sz="2700" kern="1200" dirty="0" err="1" smtClean="0"/>
+            <a:rPr lang="tr-TR" sz="2500" kern="1200" dirty="0" err="1" smtClean="0"/>
             <a:t>the</a:t>
           </a:r>
           <a:r>
-            <a:rPr lang="tr-TR" sz="2700" kern="1200" dirty="0" smtClean="0"/>
+            <a:rPr lang="tr-TR" sz="2500" kern="1200" dirty="0" smtClean="0"/>
             <a:t> </a:t>
           </a:r>
           <a:r>
-            <a:rPr lang="tr-TR" sz="2700" kern="1200" dirty="0" err="1" smtClean="0"/>
+            <a:rPr lang="tr-TR" sz="2500" kern="1200" dirty="0" err="1" smtClean="0"/>
             <a:t>threshold</a:t>
           </a:r>
           <a:r>
-            <a:rPr lang="tr-TR" sz="2700" kern="1200" dirty="0" smtClean="0"/>
+            <a:rPr lang="tr-TR" sz="2500" kern="1200" dirty="0" smtClean="0"/>
             <a:t> minimum </a:t>
           </a:r>
           <a:r>
-            <a:rPr lang="tr-TR" sz="2700" kern="1200" dirty="0" err="1" smtClean="0"/>
+            <a:rPr lang="tr-TR" sz="2500" kern="1200" dirty="0" err="1" smtClean="0"/>
             <a:t>number</a:t>
           </a:r>
           <a:r>
-            <a:rPr lang="tr-TR" sz="2700" kern="1200" dirty="0" smtClean="0"/>
+            <a:rPr lang="tr-TR" sz="2500" kern="1200" dirty="0" smtClean="0"/>
             <a:t> of </a:t>
           </a:r>
           <a:r>
-            <a:rPr lang="tr-TR" sz="2700" kern="1200" dirty="0" err="1" smtClean="0"/>
+            <a:rPr lang="tr-TR" sz="2500" kern="1200" dirty="0" err="1" smtClean="0"/>
             <a:t>unique</a:t>
           </a:r>
           <a:r>
-            <a:rPr lang="tr-TR" sz="2700" kern="1200" dirty="0" smtClean="0"/>
+            <a:rPr lang="tr-TR" sz="2500" kern="1200" dirty="0" smtClean="0"/>
             <a:t> </a:t>
           </a:r>
           <a:r>
-            <a:rPr lang="tr-TR" sz="2700" kern="1200" dirty="0" err="1" smtClean="0"/>
+            <a:rPr lang="tr-TR" sz="2500" kern="1200" dirty="0" err="1" smtClean="0"/>
             <a:t>values</a:t>
           </a:r>
           <a:r>
-            <a:rPr lang="tr-TR" sz="2700" kern="1200" dirty="0" smtClean="0"/>
+            <a:rPr lang="tr-TR" sz="2500" kern="1200" dirty="0" smtClean="0"/>
             <a:t> </a:t>
           </a:r>
           <a:r>
-            <a:rPr lang="tr-TR" sz="2700" kern="1200" dirty="0" err="1" smtClean="0"/>
+            <a:rPr lang="tr-TR" sz="2500" kern="1200" dirty="0" err="1" smtClean="0"/>
             <a:t>fornumerical</a:t>
           </a:r>
           <a:r>
-            <a:rPr lang="tr-TR" sz="2700" kern="1200" dirty="0" smtClean="0"/>
+            <a:rPr lang="tr-TR" sz="2500" kern="1200" dirty="0" smtClean="0"/>
             <a:t> </a:t>
           </a:r>
           <a:r>
-            <a:rPr lang="tr-TR" sz="2700" kern="1200" dirty="0" err="1" smtClean="0"/>
+            <a:rPr lang="tr-TR" sz="2500" kern="1200" dirty="0" err="1" smtClean="0"/>
             <a:t>variables</a:t>
           </a:r>
-          <a:endParaRPr lang="tr-TR" sz="2700" kern="1200" dirty="0"/>
+          <a:endParaRPr lang="tr-TR" sz="2500" kern="1200" dirty="0"/>
         </a:p>
         <a:p>
-          <a:pPr marL="228600" lvl="1" indent="-228600" algn="l" defTabSz="1200150" rtl="0">
+          <a:pPr marL="228600" lvl="1" indent="-228600" algn="l" defTabSz="1111250" rtl="0">
             <a:lnSpc>
               <a:spcPct val="100000"/>
             </a:lnSpc>
@@ -3109,143 +3090,143 @@
             <a:buChar char="••"/>
           </a:pPr>
           <a:r>
-            <a:rPr lang="tr-TR" sz="2700" kern="1200" dirty="0" smtClean="0">
+            <a:rPr lang="tr-TR" sz="2500" kern="1200" dirty="0" smtClean="0">
               <a:sym typeface="Wingdings"/>
             </a:rPr>
             <a:t> </a:t>
           </a:r>
           <a:r>
-            <a:rPr lang="tr-TR" sz="2700" kern="1200" dirty="0" err="1" smtClean="0">
+            <a:rPr lang="tr-TR" sz="2500" kern="1200" dirty="0" err="1" smtClean="0">
               <a:sym typeface="Wingdings"/>
             </a:rPr>
             <a:t>Difference</a:t>
           </a:r>
           <a:r>
-            <a:rPr lang="tr-TR" sz="2700" kern="1200" dirty="0" smtClean="0">
+            <a:rPr lang="tr-TR" sz="2500" kern="1200" dirty="0" smtClean="0">
               <a:sym typeface="Wingdings"/>
             </a:rPr>
             <a:t> in </a:t>
           </a:r>
           <a:r>
-            <a:rPr lang="tr-TR" sz="2700" kern="1200" dirty="0" err="1" smtClean="0">
+            <a:rPr lang="tr-TR" sz="2500" kern="1200" dirty="0" err="1" smtClean="0">
               <a:sym typeface="Wingdings"/>
             </a:rPr>
             <a:t>Area</a:t>
           </a:r>
           <a:r>
-            <a:rPr lang="tr-TR" sz="2700" kern="1200" dirty="0" smtClean="0">
+            <a:rPr lang="tr-TR" sz="2500" kern="1200" dirty="0" smtClean="0">
               <a:sym typeface="Wingdings"/>
             </a:rPr>
             <a:t> Under </a:t>
           </a:r>
           <a:r>
-            <a:rPr lang="tr-TR" sz="2700" kern="1200" dirty="0" err="1" smtClean="0">
+            <a:rPr lang="tr-TR" sz="2500" kern="1200" dirty="0" err="1" smtClean="0">
               <a:sym typeface="Wingdings"/>
             </a:rPr>
             <a:t>the</a:t>
           </a:r>
           <a:r>
-            <a:rPr lang="tr-TR" sz="2700" kern="1200" dirty="0" smtClean="0">
+            <a:rPr lang="tr-TR" sz="2500" kern="1200" dirty="0" smtClean="0">
               <a:sym typeface="Wingdings"/>
             </a:rPr>
             <a:t> ROC </a:t>
           </a:r>
           <a:r>
-            <a:rPr lang="tr-TR" sz="2700" kern="1200" dirty="0" err="1" smtClean="0">
+            <a:rPr lang="tr-TR" sz="2500" kern="1200" dirty="0" err="1" smtClean="0">
               <a:sym typeface="Wingdings"/>
             </a:rPr>
             <a:t>Curve</a:t>
           </a:r>
           <a:r>
-            <a:rPr lang="tr-TR" sz="2700" kern="1200" dirty="0" smtClean="0">
+            <a:rPr lang="tr-TR" sz="2500" kern="1200" dirty="0" smtClean="0">
               <a:sym typeface="Wingdings"/>
             </a:rPr>
             <a:t> (AUC) </a:t>
           </a:r>
           <a:r>
-            <a:rPr lang="tr-TR" sz="2700" kern="1200" dirty="0" err="1" smtClean="0">
+            <a:rPr lang="tr-TR" sz="2500" kern="1200" dirty="0" err="1" smtClean="0">
               <a:sym typeface="Wingdings"/>
             </a:rPr>
             <a:t>was</a:t>
           </a:r>
           <a:r>
-            <a:rPr lang="tr-TR" sz="2700" kern="1200" dirty="0" smtClean="0">
+            <a:rPr lang="tr-TR" sz="2500" kern="1200" dirty="0" smtClean="0">
               <a:sym typeface="Wingdings"/>
             </a:rPr>
             <a:t> &lt;0.003 </a:t>
           </a:r>
           <a:r>
-            <a:rPr lang="tr-TR" sz="2700" kern="1200" dirty="0" err="1" smtClean="0">
+            <a:rPr lang="tr-TR" sz="2500" kern="1200" dirty="0" err="1" smtClean="0">
               <a:sym typeface="Wingdings"/>
             </a:rPr>
             <a:t>when</a:t>
           </a:r>
           <a:r>
-            <a:rPr lang="tr-TR" sz="2700" kern="1200" dirty="0" smtClean="0">
+            <a:rPr lang="tr-TR" sz="2500" kern="1200" dirty="0" smtClean="0">
               <a:sym typeface="Wingdings"/>
             </a:rPr>
             <a:t> </a:t>
           </a:r>
           <a:r>
-            <a:rPr lang="tr-TR" sz="2700" kern="1200" dirty="0" err="1" smtClean="0">
+            <a:rPr lang="tr-TR" sz="2500" kern="1200" dirty="0" err="1" smtClean="0">
               <a:sym typeface="Wingdings"/>
             </a:rPr>
             <a:t>using</a:t>
           </a:r>
           <a:r>
-            <a:rPr lang="tr-TR" sz="2700" kern="1200" dirty="0" smtClean="0">
+            <a:rPr lang="tr-TR" sz="2500" kern="1200" dirty="0" smtClean="0">
               <a:sym typeface="Wingdings"/>
             </a:rPr>
             <a:t> a </a:t>
           </a:r>
           <a:r>
-            <a:rPr lang="tr-TR" sz="2700" kern="1200" dirty="0" err="1" smtClean="0">
+            <a:rPr lang="tr-TR" sz="2500" kern="1200" dirty="0" err="1" smtClean="0">
               <a:sym typeface="Wingdings"/>
             </a:rPr>
             <a:t>threhold</a:t>
           </a:r>
           <a:r>
-            <a:rPr lang="tr-TR" sz="2700" kern="1200" dirty="0" smtClean="0">
+            <a:rPr lang="tr-TR" sz="2500" kern="1200" dirty="0" smtClean="0">
               <a:sym typeface="Wingdings"/>
             </a:rPr>
             <a:t> of 10, 20 </a:t>
           </a:r>
           <a:r>
-            <a:rPr lang="tr-TR" sz="2700" kern="1200" dirty="0" err="1" smtClean="0">
+            <a:rPr lang="tr-TR" sz="2500" kern="1200" dirty="0" err="1" smtClean="0">
               <a:sym typeface="Wingdings"/>
             </a:rPr>
             <a:t>and</a:t>
           </a:r>
           <a:r>
-            <a:rPr lang="tr-TR" sz="2700" kern="1200" dirty="0" smtClean="0">
+            <a:rPr lang="tr-TR" sz="2500" kern="1200" dirty="0" smtClean="0">
               <a:sym typeface="Wingdings"/>
             </a:rPr>
             <a:t> 30 </a:t>
           </a:r>
           <a:r>
-            <a:rPr lang="tr-TR" sz="2700" kern="1200" dirty="0" err="1" smtClean="0">
+            <a:rPr lang="tr-TR" sz="2500" kern="1200" dirty="0" err="1" smtClean="0">
               <a:sym typeface="Wingdings"/>
             </a:rPr>
             <a:t>unique</a:t>
           </a:r>
           <a:r>
-            <a:rPr lang="tr-TR" sz="2700" kern="1200" dirty="0" smtClean="0">
+            <a:rPr lang="tr-TR" sz="2500" kern="1200" dirty="0" smtClean="0">
               <a:sym typeface="Wingdings"/>
             </a:rPr>
             <a:t> </a:t>
           </a:r>
           <a:r>
-            <a:rPr lang="tr-TR" sz="2700" kern="1200" dirty="0" err="1" smtClean="0">
+            <a:rPr lang="tr-TR" sz="2500" kern="1200" dirty="0" err="1" smtClean="0">
               <a:sym typeface="Wingdings"/>
             </a:rPr>
             <a:t>values</a:t>
           </a:r>
-          <a:endParaRPr lang="tr-TR" sz="2700" kern="1200" dirty="0"/>
+          <a:endParaRPr lang="tr-TR" sz="2500" kern="1200" dirty="0"/>
         </a:p>
       </dsp:txBody>
       <dsp:txXfrm>
-        <a:off x="0" y="1025620"/>
-        <a:ext cx="8229600" cy="4076324"/>
+        <a:off x="0" y="1150496"/>
+        <a:ext cx="8229600" cy="3774375"/>
       </dsp:txXfrm>
     </dsp:sp>
   </dsp:spTree>
@@ -3267,8 +3248,8 @@
       </dsp:nvSpPr>
       <dsp:spPr>
         <a:xfrm>
-          <a:off x="0" y="342584"/>
-          <a:ext cx="8229600" cy="1304100"/>
+          <a:off x="0" y="392557"/>
+          <a:ext cx="8229600" cy="1488374"/>
         </a:xfrm>
         <a:prstGeom prst="rect">
           <a:avLst/>
@@ -3282,7 +3263,7 @@
             <a:alphaOff val="0"/>
           </a:schemeClr>
         </a:solidFill>
-        <a:ln w="9525" cap="flat" cmpd="sng" algn="ctr">
+        <a:ln w="12700" cap="flat" cmpd="sng" algn="ctr">
           <a:solidFill>
             <a:schemeClr val="accent1">
               <a:hueOff val="0"/>
@@ -3308,12 +3289,12 @@
         <a:fontRef idx="minor"/>
       </dsp:style>
       <dsp:txBody>
-        <a:bodyPr spcFirstLastPara="0" vert="horz" wrap="square" lIns="638708" tIns="479044" rIns="638708" bIns="163576" numCol="1" spcCol="1270" anchor="t" anchorCtr="0">
+        <a:bodyPr spcFirstLastPara="0" vert="horz" wrap="square" lIns="638708" tIns="437388" rIns="638708" bIns="149352" numCol="1" spcCol="1270" anchor="t" anchorCtr="0">
           <a:noAutofit/>
         </a:bodyPr>
         <a:lstStyle/>
         <a:p>
-          <a:pPr marL="228600" lvl="1" indent="-228600" algn="l" defTabSz="1022350" rtl="0">
+          <a:pPr marL="228600" lvl="1" indent="-228600" algn="l" defTabSz="933450" rtl="0">
             <a:lnSpc>
               <a:spcPct val="90000"/>
             </a:lnSpc>
@@ -3326,15 +3307,15 @@
             <a:buChar char="••"/>
           </a:pPr>
           <a:r>
-            <a:rPr lang="en-US" sz="2300" kern="1200" dirty="0" smtClean="0"/>
+            <a:rPr lang="en-US" sz="2100" kern="1200" dirty="0" smtClean="0"/>
             <a:t>Required feature transformation: distinguishing categorical from numeric variables, and scaling features</a:t>
           </a:r>
-          <a:endParaRPr lang="en-US" sz="2300" kern="1200" dirty="0"/>
+          <a:endParaRPr lang="en-US" sz="2100" kern="1200" dirty="0"/>
         </a:p>
       </dsp:txBody>
       <dsp:txXfrm>
-        <a:off x="0" y="342584"/>
-        <a:ext cx="8229600" cy="1304100"/>
+        <a:off x="0" y="392557"/>
+        <a:ext cx="8229600" cy="1488374"/>
       </dsp:txXfrm>
     </dsp:sp>
     <dsp:sp modelId="{F0BC57A6-EBA0-D543-AE43-B03301ECA47B}">
@@ -3344,8 +3325,8 @@
       </dsp:nvSpPr>
       <dsp:spPr>
         <a:xfrm>
-          <a:off x="411480" y="3104"/>
-          <a:ext cx="5760720" cy="678960"/>
+          <a:off x="411480" y="82597"/>
+          <a:ext cx="5760720" cy="619920"/>
         </a:xfrm>
         <a:prstGeom prst="roundRect">
           <a:avLst/>
@@ -3358,9 +3339,19 @@
                 <a:satOff val="0"/>
                 <a:lumOff val="0"/>
                 <a:alphaOff val="0"/>
-                <a:tint val="100000"/>
                 <a:shade val="100000"/>
-                <a:satMod val="130000"/>
+                <a:satMod val="120000"/>
+              </a:schemeClr>
+            </a:gs>
+            <a:gs pos="69000">
+              <a:schemeClr val="accent1">
+                <a:hueOff val="0"/>
+                <a:satOff val="0"/>
+                <a:lumOff val="0"/>
+                <a:alphaOff val="0"/>
+                <a:tint val="80000"/>
+                <a:shade val="100000"/>
+                <a:satMod val="150000"/>
               </a:schemeClr>
             </a:gs>
             <a:gs pos="100000">
@@ -3371,19 +3362,21 @@
                 <a:alphaOff val="0"/>
                 <a:tint val="50000"/>
                 <a:shade val="100000"/>
-                <a:satMod val="350000"/>
+                <a:satMod val="150000"/>
               </a:schemeClr>
             </a:gs>
           </a:gsLst>
-          <a:lin ang="16200000" scaled="0"/>
+          <a:path path="circle">
+            <a:fillToRect l="100000" t="100000" r="100000" b="100000"/>
+          </a:path>
         </a:gradFill>
         <a:ln>
           <a:noFill/>
         </a:ln>
         <a:effectLst>
-          <a:outerShdw blurRad="40000" dist="23000" dir="5400000" rotWithShape="0">
+          <a:outerShdw blurRad="63500" dist="25400" dir="5400000" sx="101000" sy="101000" rotWithShape="0">
             <a:srgbClr val="000000">
-              <a:alpha val="35000"/>
+              <a:alpha val="40000"/>
             </a:srgbClr>
           </a:outerShdw>
         </a:effectLst>
@@ -3408,7 +3401,7 @@
         </a:bodyPr>
         <a:lstStyle/>
         <a:p>
-          <a:pPr lvl="0" algn="l" defTabSz="1022350" rtl="0">
+          <a:pPr lvl="0" algn="l" defTabSz="933450" rtl="0">
             <a:lnSpc>
               <a:spcPct val="90000"/>
             </a:lnSpc>
@@ -3420,15 +3413,15 @@
             </a:spcAft>
           </a:pPr>
           <a:r>
-            <a:rPr lang="en-US" sz="2300" kern="1200" dirty="0" smtClean="0"/>
+            <a:rPr lang="en-US" sz="2100" kern="1200" dirty="0" smtClean="0"/>
             <a:t>Logistic Regression</a:t>
           </a:r>
-          <a:endParaRPr lang="en-US" sz="2300" kern="1200" dirty="0"/>
+          <a:endParaRPr lang="en-US" sz="2100" kern="1200" dirty="0"/>
         </a:p>
       </dsp:txBody>
       <dsp:txXfrm>
-        <a:off x="444624" y="36248"/>
-        <a:ext cx="5694432" cy="612672"/>
+        <a:off x="441742" y="112859"/>
+        <a:ext cx="5700196" cy="559396"/>
       </dsp:txXfrm>
     </dsp:sp>
     <dsp:sp modelId="{1F8477FB-FF33-104C-9E8D-639C5CB621F5}">
@@ -3438,8 +3431,8 @@
       </dsp:nvSpPr>
       <dsp:spPr>
         <a:xfrm>
-          <a:off x="0" y="2110365"/>
-          <a:ext cx="8229600" cy="1702575"/>
+          <a:off x="0" y="2304292"/>
+          <a:ext cx="8229600" cy="1554525"/>
         </a:xfrm>
         <a:prstGeom prst="rect">
           <a:avLst/>
@@ -3453,7 +3446,7 @@
             <a:alphaOff val="0"/>
           </a:schemeClr>
         </a:solidFill>
-        <a:ln w="9525" cap="flat" cmpd="sng" algn="ctr">
+        <a:ln w="12700" cap="flat" cmpd="sng" algn="ctr">
           <a:solidFill>
             <a:schemeClr val="accent1">
               <a:hueOff val="0"/>
@@ -3479,12 +3472,12 @@
         <a:fontRef idx="minor"/>
       </dsp:style>
       <dsp:txBody>
-        <a:bodyPr spcFirstLastPara="0" vert="horz" wrap="square" lIns="638708" tIns="479044" rIns="638708" bIns="163576" numCol="1" spcCol="1270" anchor="t" anchorCtr="0">
+        <a:bodyPr spcFirstLastPara="0" vert="horz" wrap="square" lIns="638708" tIns="437388" rIns="638708" bIns="149352" numCol="1" spcCol="1270" anchor="t" anchorCtr="0">
           <a:noAutofit/>
         </a:bodyPr>
         <a:lstStyle/>
         <a:p>
-          <a:pPr marL="228600" lvl="1" indent="-228600" algn="l" defTabSz="1022350" rtl="0">
+          <a:pPr marL="228600" lvl="1" indent="-228600" algn="l" defTabSz="933450" rtl="0">
             <a:lnSpc>
               <a:spcPct val="90000"/>
             </a:lnSpc>
@@ -3497,13 +3490,13 @@
             <a:buChar char="••"/>
           </a:pPr>
           <a:r>
-            <a:rPr lang="en-US" sz="2300" kern="1200" dirty="0" smtClean="0"/>
+            <a:rPr lang="en-US" sz="2100" kern="1200" dirty="0" smtClean="0"/>
             <a:t>Random Forest</a:t>
           </a:r>
-          <a:endParaRPr lang="en-US" sz="2300" kern="1200" dirty="0"/>
+          <a:endParaRPr lang="en-US" sz="2100" kern="1200" dirty="0"/>
         </a:p>
         <a:p>
-          <a:pPr marL="228600" lvl="1" indent="-228600" algn="l" defTabSz="1022350" rtl="0">
+          <a:pPr marL="228600" lvl="1" indent="-228600" algn="l" defTabSz="933450" rtl="0">
             <a:lnSpc>
               <a:spcPct val="90000"/>
             </a:lnSpc>
@@ -3516,13 +3509,13 @@
             <a:buChar char="••"/>
           </a:pPr>
           <a:r>
-            <a:rPr lang="en-US" sz="2300" kern="1200" dirty="0" smtClean="0"/>
+            <a:rPr lang="en-US" sz="2100" kern="1200" dirty="0" smtClean="0"/>
             <a:t>Gradient Boost</a:t>
           </a:r>
-          <a:endParaRPr lang="en-US" sz="2300" kern="1200" dirty="0"/>
+          <a:endParaRPr lang="en-US" sz="2100" kern="1200" dirty="0"/>
         </a:p>
         <a:p>
-          <a:pPr marL="228600" lvl="1" indent="-228600" algn="l" defTabSz="1022350" rtl="0">
+          <a:pPr marL="228600" lvl="1" indent="-228600" algn="l" defTabSz="933450" rtl="0">
             <a:lnSpc>
               <a:spcPct val="90000"/>
             </a:lnSpc>
@@ -3535,23 +3528,23 @@
             <a:buChar char="••"/>
           </a:pPr>
           <a:r>
-            <a:rPr lang="en-US" sz="2300" kern="1200" dirty="0" smtClean="0"/>
+            <a:rPr lang="en-US" sz="2100" kern="1200" dirty="0" smtClean="0"/>
             <a:t>Extreme Gradient Boost (</a:t>
           </a:r>
           <a:r>
-            <a:rPr lang="en-US" sz="2300" kern="1200" dirty="0" err="1" smtClean="0"/>
+            <a:rPr lang="en-US" sz="2100" kern="1200" dirty="0" err="1" smtClean="0"/>
             <a:t>XGBoost</a:t>
           </a:r>
           <a:r>
-            <a:rPr lang="en-US" sz="2300" kern="1200" dirty="0" smtClean="0"/>
+            <a:rPr lang="en-US" sz="2100" kern="1200" dirty="0" smtClean="0"/>
             <a:t>)</a:t>
           </a:r>
-          <a:endParaRPr lang="en-US" sz="2300" kern="1200" dirty="0"/>
+          <a:endParaRPr lang="en-US" sz="2100" kern="1200" dirty="0"/>
         </a:p>
       </dsp:txBody>
       <dsp:txXfrm>
-        <a:off x="0" y="2110365"/>
-        <a:ext cx="8229600" cy="1702575"/>
+        <a:off x="0" y="2304292"/>
+        <a:ext cx="8229600" cy="1554525"/>
       </dsp:txXfrm>
     </dsp:sp>
     <dsp:sp modelId="{0C0D53E8-A955-3F46-9F87-8BEF6413E8D3}">
@@ -3561,8 +3554,8 @@
       </dsp:nvSpPr>
       <dsp:spPr>
         <a:xfrm>
-          <a:off x="411480" y="1770885"/>
-          <a:ext cx="5760720" cy="678960"/>
+          <a:off x="411480" y="1994332"/>
+          <a:ext cx="5760720" cy="619920"/>
         </a:xfrm>
         <a:prstGeom prst="roundRect">
           <a:avLst/>
@@ -3575,9 +3568,19 @@
                 <a:satOff val="0"/>
                 <a:lumOff val="0"/>
                 <a:alphaOff val="0"/>
-                <a:tint val="100000"/>
                 <a:shade val="100000"/>
-                <a:satMod val="130000"/>
+                <a:satMod val="120000"/>
+              </a:schemeClr>
+            </a:gs>
+            <a:gs pos="69000">
+              <a:schemeClr val="accent1">
+                <a:hueOff val="0"/>
+                <a:satOff val="0"/>
+                <a:lumOff val="0"/>
+                <a:alphaOff val="0"/>
+                <a:tint val="80000"/>
+                <a:shade val="100000"/>
+                <a:satMod val="150000"/>
               </a:schemeClr>
             </a:gs>
             <a:gs pos="100000">
@@ -3588,19 +3591,21 @@
                 <a:alphaOff val="0"/>
                 <a:tint val="50000"/>
                 <a:shade val="100000"/>
-                <a:satMod val="350000"/>
+                <a:satMod val="150000"/>
               </a:schemeClr>
             </a:gs>
           </a:gsLst>
-          <a:lin ang="16200000" scaled="0"/>
+          <a:path path="circle">
+            <a:fillToRect l="100000" t="100000" r="100000" b="100000"/>
+          </a:path>
         </a:gradFill>
         <a:ln>
           <a:noFill/>
         </a:ln>
         <a:effectLst>
-          <a:outerShdw blurRad="40000" dist="23000" dir="5400000" rotWithShape="0">
+          <a:outerShdw blurRad="63500" dist="25400" dir="5400000" sx="101000" sy="101000" rotWithShape="0">
             <a:srgbClr val="000000">
-              <a:alpha val="35000"/>
+              <a:alpha val="40000"/>
             </a:srgbClr>
           </a:outerShdw>
         </a:effectLst>
@@ -3625,7 +3630,7 @@
         </a:bodyPr>
         <a:lstStyle/>
         <a:p>
-          <a:pPr lvl="0" algn="l" defTabSz="1022350" rtl="0">
+          <a:pPr lvl="0" algn="l" defTabSz="933450" rtl="0">
             <a:lnSpc>
               <a:spcPct val="90000"/>
             </a:lnSpc>
@@ -3637,19 +3642,15 @@
             </a:spcAft>
           </a:pPr>
           <a:r>
-            <a:rPr lang="en-US" sz="2300" kern="1200" dirty="0" smtClean="0"/>
-            <a:t>Regression tree ensemble </a:t>
-          </a:r>
-          <a:r>
-            <a:rPr lang="en-US" sz="2300" kern="1200" dirty="0" smtClean="0"/>
-            <a:t>methods</a:t>
-          </a:r>
-          <a:endParaRPr lang="en-US" sz="2300" kern="1200" dirty="0"/>
+            <a:rPr lang="en-US" sz="2100" kern="1200" dirty="0" smtClean="0"/>
+            <a:t>Regression tree ensemble methods</a:t>
+          </a:r>
+          <a:endParaRPr lang="en-US" sz="2100" kern="1200" dirty="0"/>
         </a:p>
       </dsp:txBody>
       <dsp:txXfrm>
-        <a:off x="444624" y="1804029"/>
-        <a:ext cx="5694432" cy="612672"/>
+        <a:off x="441742" y="2024594"/>
+        <a:ext cx="5700196" cy="559396"/>
       </dsp:txXfrm>
     </dsp:sp>
     <dsp:sp modelId="{601B1B02-4EA8-CF44-B5B7-67298AA40CD7}">
@@ -3659,8 +3660,8 @@
       </dsp:nvSpPr>
       <dsp:spPr>
         <a:xfrm>
-          <a:off x="0" y="4276620"/>
-          <a:ext cx="8229600" cy="978075"/>
+          <a:off x="0" y="4282177"/>
+          <a:ext cx="8229600" cy="893025"/>
         </a:xfrm>
         <a:prstGeom prst="rect">
           <a:avLst/>
@@ -3674,7 +3675,7 @@
             <a:alphaOff val="0"/>
           </a:schemeClr>
         </a:solidFill>
-        <a:ln w="9525" cap="flat" cmpd="sng" algn="ctr">
+        <a:ln w="12700" cap="flat" cmpd="sng" algn="ctr">
           <a:solidFill>
             <a:schemeClr val="accent1">
               <a:hueOff val="0"/>
@@ -3700,12 +3701,12 @@
         <a:fontRef idx="minor"/>
       </dsp:style>
       <dsp:txBody>
-        <a:bodyPr spcFirstLastPara="0" vert="horz" wrap="square" lIns="638708" tIns="479044" rIns="638708" bIns="163576" numCol="1" spcCol="1270" anchor="t" anchorCtr="0">
+        <a:bodyPr spcFirstLastPara="0" vert="horz" wrap="square" lIns="638708" tIns="437388" rIns="638708" bIns="149352" numCol="1" spcCol="1270" anchor="t" anchorCtr="0">
           <a:noAutofit/>
         </a:bodyPr>
         <a:lstStyle/>
         <a:p>
-          <a:pPr marL="228600" lvl="1" indent="-228600" algn="l" defTabSz="1022350" rtl="0">
+          <a:pPr marL="228600" lvl="1" indent="-228600" algn="l" defTabSz="933450" rtl="0">
             <a:lnSpc>
               <a:spcPct val="90000"/>
             </a:lnSpc>
@@ -3718,15 +3719,15 @@
             <a:buChar char="••"/>
           </a:pPr>
           <a:r>
-            <a:rPr lang="en-US" sz="2300" kern="1200" dirty="0" smtClean="0"/>
+            <a:rPr lang="en-US" sz="2100" kern="1200" dirty="0" smtClean="0"/>
             <a:t>Bernoulli Naïve Bayes</a:t>
           </a:r>
-          <a:endParaRPr lang="en-US" sz="2300" kern="1200" dirty="0"/>
+          <a:endParaRPr lang="en-US" sz="2100" kern="1200" dirty="0"/>
         </a:p>
       </dsp:txBody>
       <dsp:txXfrm>
-        <a:off x="0" y="4276620"/>
-        <a:ext cx="8229600" cy="978075"/>
+        <a:off x="0" y="4282177"/>
+        <a:ext cx="8229600" cy="893025"/>
       </dsp:txXfrm>
     </dsp:sp>
     <dsp:sp modelId="{D0CE6D66-E8C3-414F-B6A5-74B4BB0BD0BC}">
@@ -3736,8 +3737,8 @@
       </dsp:nvSpPr>
       <dsp:spPr>
         <a:xfrm>
-          <a:off x="411480" y="3937140"/>
-          <a:ext cx="5760720" cy="678960"/>
+          <a:off x="411480" y="3972217"/>
+          <a:ext cx="5760720" cy="619920"/>
         </a:xfrm>
         <a:prstGeom prst="roundRect">
           <a:avLst/>
@@ -3750,9 +3751,19 @@
                 <a:satOff val="0"/>
                 <a:lumOff val="0"/>
                 <a:alphaOff val="0"/>
-                <a:tint val="100000"/>
                 <a:shade val="100000"/>
-                <a:satMod val="130000"/>
+                <a:satMod val="120000"/>
+              </a:schemeClr>
+            </a:gs>
+            <a:gs pos="69000">
+              <a:schemeClr val="accent1">
+                <a:hueOff val="0"/>
+                <a:satOff val="0"/>
+                <a:lumOff val="0"/>
+                <a:alphaOff val="0"/>
+                <a:tint val="80000"/>
+                <a:shade val="100000"/>
+                <a:satMod val="150000"/>
               </a:schemeClr>
             </a:gs>
             <a:gs pos="100000">
@@ -3763,19 +3774,21 @@
                 <a:alphaOff val="0"/>
                 <a:tint val="50000"/>
                 <a:shade val="100000"/>
-                <a:satMod val="350000"/>
+                <a:satMod val="150000"/>
               </a:schemeClr>
             </a:gs>
           </a:gsLst>
-          <a:lin ang="16200000" scaled="0"/>
+          <a:path path="circle">
+            <a:fillToRect l="100000" t="100000" r="100000" b="100000"/>
+          </a:path>
         </a:gradFill>
         <a:ln>
           <a:noFill/>
         </a:ln>
         <a:effectLst>
-          <a:outerShdw blurRad="40000" dist="23000" dir="5400000" rotWithShape="0">
+          <a:outerShdw blurRad="63500" dist="25400" dir="5400000" sx="101000" sy="101000" rotWithShape="0">
             <a:srgbClr val="000000">
-              <a:alpha val="35000"/>
+              <a:alpha val="40000"/>
             </a:srgbClr>
           </a:outerShdw>
         </a:effectLst>
@@ -3800,7 +3813,7 @@
         </a:bodyPr>
         <a:lstStyle/>
         <a:p>
-          <a:pPr lvl="0" algn="l" defTabSz="1022350" rtl="0">
+          <a:pPr lvl="0" algn="l" defTabSz="933450" rtl="0">
             <a:lnSpc>
               <a:spcPct val="90000"/>
             </a:lnSpc>
@@ -3812,15 +3825,15 @@
             </a:spcAft>
           </a:pPr>
           <a:r>
-            <a:rPr lang="en-US" sz="2300" kern="1200" dirty="0" smtClean="0"/>
+            <a:rPr lang="en-US" sz="2100" kern="1200" dirty="0" smtClean="0"/>
             <a:t>Naïve Bayes</a:t>
           </a:r>
-          <a:endParaRPr lang="en-US" sz="2300" kern="1200" dirty="0"/>
+          <a:endParaRPr lang="en-US" sz="2100" kern="1200" dirty="0"/>
         </a:p>
       </dsp:txBody>
       <dsp:txXfrm>
-        <a:off x="444624" y="3970284"/>
-        <a:ext cx="5694432" cy="612672"/>
+        <a:off x="441742" y="4002479"/>
+        <a:ext cx="5700196" cy="559396"/>
       </dsp:txXfrm>
     </dsp:sp>
   </dsp:spTree>
@@ -6445,7 +6458,7 @@
           <a:p>
             <a:fld id="{B4D4A0FA-44DB-374C-A5A5-33AB049E2268}" type="datetimeFigureOut">
               <a:rPr lang="en-US" smtClean="0"/>
-              <a:t>6/30/17</a:t>
+              <a:t>7/3/17</a:t>
             </a:fld>
             <a:endParaRPr lang="en-US"/>
           </a:p>
@@ -7184,6 +7197,67 @@
       </p:grpSpPr>
       <p:sp>
         <p:nvSpPr>
+          <p:cNvPr id="7" name="Rectangle 6"/>
+          <p:cNvSpPr/>
+          <p:nvPr/>
+        </p:nvSpPr>
+        <p:spPr>
+          <a:xfrm>
+            <a:off x="1328166" y="1295400"/>
+            <a:ext cx="6487668" cy="3152887"/>
+          </a:xfrm>
+          <a:prstGeom prst="rect">
+            <a:avLst/>
+          </a:prstGeom>
+          <a:ln w="3175">
+            <a:solidFill>
+              <a:schemeClr val="bg1"/>
+            </a:solidFill>
+          </a:ln>
+          <a:effectLst>
+            <a:outerShdw blurRad="63500" sx="100500" sy="100500" algn="ctr" rotWithShape="0">
+              <a:prstClr val="black">
+                <a:alpha val="50000"/>
+              </a:prstClr>
+            </a:outerShdw>
+          </a:effectLst>
+        </p:spPr>
+        <p:txBody>
+          <a:bodyPr vert="horz" lIns="91440" tIns="45720" rIns="91440" bIns="45720" rtlCol="0">
+            <a:normAutofit/>
+          </a:bodyPr>
+          <a:lstStyle/>
+          <a:p>
+            <a:pPr marL="0" indent="0" algn="l" defTabSz="914400" rtl="0" eaLnBrk="1" latinLnBrk="0" hangingPunct="1">
+              <a:spcBef>
+                <a:spcPts val="2000"/>
+              </a:spcBef>
+              <a:buClr>
+                <a:schemeClr val="accent1">
+                  <a:lumMod val="60000"/>
+                  <a:lumOff val="40000"/>
+                </a:schemeClr>
+              </a:buClr>
+              <a:buSzPct val="110000"/>
+              <a:buFont typeface="Wingdings 2" pitchFamily="18" charset="2"/>
+              <a:buNone/>
+            </a:pPr>
+            <a:endParaRPr sz="3200" kern="1200">
+              <a:solidFill>
+                <a:schemeClr val="tx1">
+                  <a:lumMod val="65000"/>
+                  <a:lumOff val="35000"/>
+                </a:schemeClr>
+              </a:solidFill>
+              <a:latin typeface="+mn-lt"/>
+              <a:ea typeface="+mn-ea"/>
+              <a:cs typeface="+mn-cs"/>
+            </a:endParaRPr>
+          </a:p>
+        </p:txBody>
+      </p:sp>
+      <p:sp>
+        <p:nvSpPr>
           <p:cNvPr id="2" name="Title 1"/>
           <p:cNvSpPr>
             <a:spLocks noGrp="1"/>
@@ -7194,19 +7268,44 @@
         </p:nvSpPr>
         <p:spPr>
           <a:xfrm>
-            <a:off x="685800" y="2130425"/>
-            <a:ext cx="7772400" cy="1470025"/>
+            <a:off x="1322921" y="1523999"/>
+            <a:ext cx="6498158" cy="1724867"/>
           </a:xfrm>
         </p:spPr>
         <p:txBody>
-          <a:bodyPr/>
-          <a:lstStyle/>
+          <a:bodyPr vert="horz" lIns="91440" tIns="45720" rIns="91440" bIns="45720" rtlCol="0" anchor="b" anchorCtr="0">
+            <a:noAutofit/>
+          </a:bodyPr>
+          <a:lstStyle>
+            <a:lvl1pPr marL="0" indent="0" algn="ctr" defTabSz="914400" rtl="0" eaLnBrk="1" latinLnBrk="0" hangingPunct="1">
+              <a:spcBef>
+                <a:spcPct val="0"/>
+              </a:spcBef>
+              <a:buClr>
+                <a:schemeClr val="accent1">
+                  <a:lumMod val="60000"/>
+                  <a:lumOff val="40000"/>
+                </a:schemeClr>
+              </a:buClr>
+              <a:buSzPct val="110000"/>
+              <a:buFont typeface="Wingdings 2" pitchFamily="18" charset="2"/>
+              <a:buNone/>
+              <a:defRPr sz="4600" kern="1200">
+                <a:solidFill>
+                  <a:schemeClr val="accent1"/>
+                </a:solidFill>
+                <a:latin typeface="+mj-lt"/>
+                <a:ea typeface="+mj-ea"/>
+                <a:cs typeface="+mj-cs"/>
+              </a:defRPr>
+            </a:lvl1pPr>
+          </a:lstStyle>
           <a:p>
             <a:r>
               <a:rPr lang="en-US" smtClean="0"/>
               <a:t>Click to edit Master title style</a:t>
             </a:r>
-            <a:endParaRPr lang="en-US"/>
+            <a:endParaRPr/>
           </a:p>
         </p:txBody>
       </p:sp>
@@ -7222,16 +7321,1083 @@
         </p:nvSpPr>
         <p:spPr>
           <a:xfrm>
-            <a:off x="1371600" y="3886200"/>
-            <a:ext cx="6400800" cy="1752600"/>
+            <a:off x="1322921" y="3299012"/>
+            <a:ext cx="6498159" cy="916641"/>
+          </a:xfrm>
+        </p:spPr>
+        <p:txBody>
+          <a:bodyPr vert="horz" lIns="91440" tIns="45720" rIns="91440" bIns="45720" rtlCol="0">
+            <a:normAutofit/>
+          </a:bodyPr>
+          <a:lstStyle>
+            <a:lvl1pPr marL="0" indent="0" algn="ctr" defTabSz="914400" rtl="0" eaLnBrk="1" latinLnBrk="0" hangingPunct="1">
+              <a:spcBef>
+                <a:spcPts val="300"/>
+              </a:spcBef>
+              <a:buClr>
+                <a:schemeClr val="accent1">
+                  <a:lumMod val="60000"/>
+                  <a:lumOff val="40000"/>
+                </a:schemeClr>
+              </a:buClr>
+              <a:buSzPct val="110000"/>
+              <a:buFont typeface="Wingdings 2" pitchFamily="18" charset="2"/>
+              <a:buNone/>
+              <a:defRPr sz="1800" kern="1200">
+                <a:solidFill>
+                  <a:schemeClr val="tx1">
+                    <a:tint val="75000"/>
+                  </a:schemeClr>
+                </a:solidFill>
+                <a:latin typeface="+mn-lt"/>
+                <a:ea typeface="+mn-ea"/>
+                <a:cs typeface="+mn-cs"/>
+              </a:defRPr>
+            </a:lvl1pPr>
+            <a:lvl2pPr marL="457200" indent="0" algn="ctr">
+              <a:buNone/>
+              <a:defRPr>
+                <a:solidFill>
+                  <a:schemeClr val="tx1">
+                    <a:tint val="75000"/>
+                  </a:schemeClr>
+                </a:solidFill>
+              </a:defRPr>
+            </a:lvl2pPr>
+            <a:lvl3pPr marL="914400" indent="0" algn="ctr">
+              <a:buNone/>
+              <a:defRPr>
+                <a:solidFill>
+                  <a:schemeClr val="tx1">
+                    <a:tint val="75000"/>
+                  </a:schemeClr>
+                </a:solidFill>
+              </a:defRPr>
+            </a:lvl3pPr>
+            <a:lvl4pPr marL="1371600" indent="0" algn="ctr">
+              <a:buNone/>
+              <a:defRPr>
+                <a:solidFill>
+                  <a:schemeClr val="tx1">
+                    <a:tint val="75000"/>
+                  </a:schemeClr>
+                </a:solidFill>
+              </a:defRPr>
+            </a:lvl4pPr>
+            <a:lvl5pPr marL="1828800" indent="0" algn="ctr">
+              <a:buNone/>
+              <a:defRPr>
+                <a:solidFill>
+                  <a:schemeClr val="tx1">
+                    <a:tint val="75000"/>
+                  </a:schemeClr>
+                </a:solidFill>
+              </a:defRPr>
+            </a:lvl5pPr>
+            <a:lvl6pPr marL="2286000" indent="0" algn="ctr">
+              <a:buNone/>
+              <a:defRPr>
+                <a:solidFill>
+                  <a:schemeClr val="tx1">
+                    <a:tint val="75000"/>
+                  </a:schemeClr>
+                </a:solidFill>
+              </a:defRPr>
+            </a:lvl6pPr>
+            <a:lvl7pPr marL="2743200" indent="0" algn="ctr">
+              <a:buNone/>
+              <a:defRPr>
+                <a:solidFill>
+                  <a:schemeClr val="tx1">
+                    <a:tint val="75000"/>
+                  </a:schemeClr>
+                </a:solidFill>
+              </a:defRPr>
+            </a:lvl7pPr>
+            <a:lvl8pPr marL="3200400" indent="0" algn="ctr">
+              <a:buNone/>
+              <a:defRPr>
+                <a:solidFill>
+                  <a:schemeClr val="tx1">
+                    <a:tint val="75000"/>
+                  </a:schemeClr>
+                </a:solidFill>
+              </a:defRPr>
+            </a:lvl8pPr>
+            <a:lvl9pPr marL="3657600" indent="0" algn="ctr">
+              <a:buNone/>
+              <a:defRPr>
+                <a:solidFill>
+                  <a:schemeClr val="tx1">
+                    <a:tint val="75000"/>
+                  </a:schemeClr>
+                </a:solidFill>
+              </a:defRPr>
+            </a:lvl9pPr>
+          </a:lstStyle>
+          <a:p>
+            <a:r>
+              <a:rPr lang="en-US" smtClean="0"/>
+              <a:t>Click to edit Master subtitle style</a:t>
+            </a:r>
+            <a:endParaRPr dirty="0"/>
+          </a:p>
+        </p:txBody>
+      </p:sp>
+      <p:sp>
+        <p:nvSpPr>
+          <p:cNvPr id="4" name="Date Placeholder 3"/>
+          <p:cNvSpPr>
+            <a:spLocks noGrp="1"/>
+          </p:cNvSpPr>
+          <p:nvPr>
+            <p:ph type="dt" sz="half" idx="10"/>
+          </p:nvPr>
+        </p:nvSpPr>
+        <p:spPr/>
+        <p:txBody>
+          <a:bodyPr/>
+          <a:lstStyle/>
+          <a:p>
+            <a:fld id="{7BF5BA33-EE32-EC46-A7E6-BDC621AB995A}" type="datetimeFigureOut">
+              <a:rPr lang="en-US" smtClean="0"/>
+              <a:t>7/3/17</a:t>
+            </a:fld>
+            <a:endParaRPr lang="en-US"/>
+          </a:p>
+        </p:txBody>
+      </p:sp>
+      <p:sp>
+        <p:nvSpPr>
+          <p:cNvPr id="5" name="Footer Placeholder 4"/>
+          <p:cNvSpPr>
+            <a:spLocks noGrp="1"/>
+          </p:cNvSpPr>
+          <p:nvPr>
+            <p:ph type="ftr" sz="quarter" idx="11"/>
+          </p:nvPr>
+        </p:nvSpPr>
+        <p:spPr/>
+        <p:txBody>
+          <a:bodyPr/>
+          <a:lstStyle/>
+          <a:p>
+            <a:endParaRPr lang="en-US"/>
+          </a:p>
+        </p:txBody>
+      </p:sp>
+      <p:sp>
+        <p:nvSpPr>
+          <p:cNvPr id="6" name="Slide Number Placeholder 5"/>
+          <p:cNvSpPr>
+            <a:spLocks noGrp="1"/>
+          </p:cNvSpPr>
+          <p:nvPr>
+            <p:ph type="sldNum" sz="quarter" idx="12"/>
+          </p:nvPr>
+        </p:nvSpPr>
+        <p:spPr/>
+        <p:txBody>
+          <a:bodyPr/>
+          <a:lstStyle/>
+          <a:p>
+            <a:fld id="{AC385830-0039-134D-96E5-94BF6391F550}" type="slidenum">
+              <a:rPr lang="en-US" smtClean="0"/>
+              <a:t>‹#›</a:t>
+            </a:fld>
+            <a:endParaRPr lang="en-US"/>
+          </a:p>
+        </p:txBody>
+      </p:sp>
+    </p:spTree>
+  </p:cSld>
+  <p:clrMapOvr>
+    <a:masterClrMapping/>
+  </p:clrMapOvr>
+</p:sldLayout>
+</file>
+
+<file path=ppt/slideLayouts/slideLayout10.xml><?xml version="1.0" encoding="utf-8"?>
+<p:sldLayout xmlns:a="http://schemas.openxmlformats.org/drawingml/2006/main" xmlns:r="http://schemas.openxmlformats.org/officeDocument/2006/relationships" xmlns:p="http://schemas.openxmlformats.org/presentationml/2006/main" preserve="1">
+  <p:cSld name="Picture with Caption">
+    <p:spTree>
+      <p:nvGrpSpPr>
+        <p:cNvPr id="1" name=""/>
+        <p:cNvGrpSpPr/>
+        <p:nvPr/>
+      </p:nvGrpSpPr>
+      <p:grpSpPr>
+        <a:xfrm>
+          <a:off x="0" y="0"/>
+          <a:ext cx="0" cy="0"/>
+          <a:chOff x="0" y="0"/>
+          <a:chExt cx="0" cy="0"/>
+        </a:xfrm>
+      </p:grpSpPr>
+      <p:sp>
+        <p:nvSpPr>
+          <p:cNvPr id="2" name="Title 1"/>
+          <p:cNvSpPr>
+            <a:spLocks noGrp="1"/>
+          </p:cNvSpPr>
+          <p:nvPr>
+            <p:ph type="title"/>
+          </p:nvPr>
+        </p:nvSpPr>
+        <p:spPr>
+          <a:xfrm>
+            <a:off x="533398" y="611872"/>
+            <a:ext cx="4079545" cy="1162050"/>
+          </a:xfrm>
+        </p:spPr>
+        <p:txBody>
+          <a:bodyPr anchor="b"/>
+          <a:lstStyle>
+            <a:lvl1pPr algn="ctr">
+              <a:defRPr sz="3600" b="0"/>
+            </a:lvl1pPr>
+          </a:lstStyle>
+          <a:p>
+            <a:r>
+              <a:rPr lang="en-US" smtClean="0"/>
+              <a:t>Click to edit Master title style</a:t>
+            </a:r>
+            <a:endParaRPr/>
+          </a:p>
+        </p:txBody>
+      </p:sp>
+      <p:sp>
+        <p:nvSpPr>
+          <p:cNvPr id="4" name="Text Placeholder 3"/>
+          <p:cNvSpPr>
+            <a:spLocks noGrp="1"/>
+          </p:cNvSpPr>
+          <p:nvPr>
+            <p:ph type="body" sz="half" idx="2"/>
+          </p:nvPr>
+        </p:nvSpPr>
+        <p:spPr>
+          <a:xfrm>
+            <a:off x="533398" y="1787856"/>
+            <a:ext cx="4079545" cy="3720152"/>
+          </a:xfrm>
+        </p:spPr>
+        <p:txBody>
+          <a:bodyPr>
+            <a:normAutofit/>
+          </a:bodyPr>
+          <a:lstStyle>
+            <a:lvl1pPr marL="0" indent="0" algn="ctr">
+              <a:spcBef>
+                <a:spcPts val="600"/>
+              </a:spcBef>
+              <a:buNone/>
+              <a:defRPr sz="1800"/>
+            </a:lvl1pPr>
+            <a:lvl2pPr marL="457200" indent="0">
+              <a:buNone/>
+              <a:defRPr sz="1200"/>
+            </a:lvl2pPr>
+            <a:lvl3pPr marL="914400" indent="0">
+              <a:buNone/>
+              <a:defRPr sz="1000"/>
+            </a:lvl3pPr>
+            <a:lvl4pPr marL="1371600" indent="0">
+              <a:buNone/>
+              <a:defRPr sz="900"/>
+            </a:lvl4pPr>
+            <a:lvl5pPr marL="1828800" indent="0">
+              <a:buNone/>
+              <a:defRPr sz="900"/>
+            </a:lvl5pPr>
+            <a:lvl6pPr marL="2286000" indent="0">
+              <a:buNone/>
+              <a:defRPr sz="900"/>
+            </a:lvl6pPr>
+            <a:lvl7pPr marL="2743200" indent="0">
+              <a:buNone/>
+              <a:defRPr sz="900"/>
+            </a:lvl7pPr>
+            <a:lvl8pPr marL="3200400" indent="0">
+              <a:buNone/>
+              <a:defRPr sz="900"/>
+            </a:lvl8pPr>
+            <a:lvl9pPr marL="3657600" indent="0">
+              <a:buNone/>
+              <a:defRPr sz="900"/>
+            </a:lvl9pPr>
+          </a:lstStyle>
+          <a:p>
+            <a:pPr lvl="0"/>
+            <a:r>
+              <a:rPr lang="en-US" smtClean="0"/>
+              <a:t>Click to edit Master text styles</a:t>
+            </a:r>
+          </a:p>
+        </p:txBody>
+      </p:sp>
+      <p:sp>
+        <p:nvSpPr>
+          <p:cNvPr id="5" name="Date Placeholder 4"/>
+          <p:cNvSpPr>
+            <a:spLocks noGrp="1"/>
+          </p:cNvSpPr>
+          <p:nvPr>
+            <p:ph type="dt" sz="half" idx="10"/>
+          </p:nvPr>
+        </p:nvSpPr>
+        <p:spPr/>
+        <p:txBody>
+          <a:bodyPr/>
+          <a:lstStyle/>
+          <a:p>
+            <a:fld id="{7BF5BA33-EE32-EC46-A7E6-BDC621AB995A}" type="datetimeFigureOut">
+              <a:rPr lang="en-US" smtClean="0"/>
+              <a:t>7/3/17</a:t>
+            </a:fld>
+            <a:endParaRPr lang="en-US"/>
+          </a:p>
+        </p:txBody>
+      </p:sp>
+      <p:sp>
+        <p:nvSpPr>
+          <p:cNvPr id="6" name="Footer Placeholder 5"/>
+          <p:cNvSpPr>
+            <a:spLocks noGrp="1"/>
+          </p:cNvSpPr>
+          <p:nvPr>
+            <p:ph type="ftr" sz="quarter" idx="11"/>
+          </p:nvPr>
+        </p:nvSpPr>
+        <p:spPr/>
+        <p:txBody>
+          <a:bodyPr/>
+          <a:lstStyle/>
+          <a:p>
+            <a:endParaRPr lang="en-US"/>
+          </a:p>
+        </p:txBody>
+      </p:sp>
+      <p:sp>
+        <p:nvSpPr>
+          <p:cNvPr id="7" name="Slide Number Placeholder 6"/>
+          <p:cNvSpPr>
+            <a:spLocks noGrp="1"/>
+          </p:cNvSpPr>
+          <p:nvPr>
+            <p:ph type="sldNum" sz="quarter" idx="12"/>
+          </p:nvPr>
+        </p:nvSpPr>
+        <p:spPr/>
+        <p:txBody>
+          <a:bodyPr/>
+          <a:lstStyle/>
+          <a:p>
+            <a:fld id="{AC385830-0039-134D-96E5-94BF6391F550}" type="slidenum">
+              <a:rPr lang="en-US" smtClean="0"/>
+              <a:t>‹#›</a:t>
+            </a:fld>
+            <a:endParaRPr lang="en-US"/>
+          </a:p>
+        </p:txBody>
+      </p:sp>
+      <p:sp>
+        <p:nvSpPr>
+          <p:cNvPr id="8" name="Picture Placeholder 2"/>
+          <p:cNvSpPr>
+            <a:spLocks noGrp="1"/>
+          </p:cNvSpPr>
+          <p:nvPr>
+            <p:ph type="pic" idx="1"/>
+          </p:nvPr>
+        </p:nvSpPr>
+        <p:spPr>
+          <a:xfrm>
+            <a:off x="5090617" y="359392"/>
+            <a:ext cx="3657600" cy="5318077"/>
+          </a:xfrm>
+          <a:ln w="3175">
+            <a:solidFill>
+              <a:schemeClr val="bg1"/>
+            </a:solidFill>
+          </a:ln>
+          <a:effectLst>
+            <a:outerShdw blurRad="63500" sx="100500" sy="100500" algn="ctr" rotWithShape="0">
+              <a:prstClr val="black">
+                <a:alpha val="50000"/>
+              </a:prstClr>
+            </a:outerShdw>
+          </a:effectLst>
+        </p:spPr>
+        <p:txBody>
+          <a:bodyPr vert="horz" lIns="91440" tIns="45720" rIns="91440" bIns="45720" rtlCol="0">
+            <a:normAutofit/>
+          </a:bodyPr>
+          <a:lstStyle>
+            <a:lvl1pPr marL="0" indent="0" algn="l" defTabSz="914400" rtl="0" eaLnBrk="1" latinLnBrk="0" hangingPunct="1">
+              <a:spcBef>
+                <a:spcPts val="2000"/>
+              </a:spcBef>
+              <a:buClr>
+                <a:schemeClr val="accent1">
+                  <a:lumMod val="60000"/>
+                  <a:lumOff val="40000"/>
+                </a:schemeClr>
+              </a:buClr>
+              <a:buSzPct val="110000"/>
+              <a:buFont typeface="Wingdings 2" pitchFamily="18" charset="2"/>
+              <a:buNone/>
+              <a:defRPr sz="3200" kern="1200">
+                <a:solidFill>
+                  <a:schemeClr val="tx1">
+                    <a:lumMod val="65000"/>
+                    <a:lumOff val="35000"/>
+                  </a:schemeClr>
+                </a:solidFill>
+                <a:latin typeface="+mn-lt"/>
+                <a:ea typeface="+mn-ea"/>
+                <a:cs typeface="+mn-cs"/>
+              </a:defRPr>
+            </a:lvl1pPr>
+            <a:lvl2pPr marL="457200" indent="0">
+              <a:buNone/>
+              <a:defRPr sz="2800"/>
+            </a:lvl2pPr>
+            <a:lvl3pPr marL="914400" indent="0">
+              <a:buNone/>
+              <a:defRPr sz="2400"/>
+            </a:lvl3pPr>
+            <a:lvl4pPr marL="1371600" indent="0">
+              <a:buNone/>
+              <a:defRPr sz="2000"/>
+            </a:lvl4pPr>
+            <a:lvl5pPr marL="1828800" indent="0">
+              <a:buNone/>
+              <a:defRPr sz="2000"/>
+            </a:lvl5pPr>
+            <a:lvl6pPr marL="2286000" indent="0">
+              <a:buNone/>
+              <a:defRPr sz="2000"/>
+            </a:lvl6pPr>
+            <a:lvl7pPr marL="2743200" indent="0">
+              <a:buNone/>
+              <a:defRPr sz="2000"/>
+            </a:lvl7pPr>
+            <a:lvl8pPr marL="3200400" indent="0">
+              <a:buNone/>
+              <a:defRPr sz="2000"/>
+            </a:lvl8pPr>
+            <a:lvl9pPr marL="3657600" indent="0">
+              <a:buNone/>
+              <a:defRPr sz="2000"/>
+            </a:lvl9pPr>
+          </a:lstStyle>
+          <a:p>
+            <a:r>
+              <a:rPr lang="en-US" smtClean="0"/>
+              <a:t>Drag picture to placeholder or click icon to add</a:t>
+            </a:r>
+            <a:endParaRPr/>
+          </a:p>
+        </p:txBody>
+      </p:sp>
+    </p:spTree>
+  </p:cSld>
+  <p:clrMapOvr>
+    <a:masterClrMapping/>
+  </p:clrMapOvr>
+</p:sldLayout>
+</file>
+
+<file path=ppt/slideLayouts/slideLayout11.xml><?xml version="1.0" encoding="utf-8"?>
+<p:sldLayout xmlns:a="http://schemas.openxmlformats.org/drawingml/2006/main" xmlns:r="http://schemas.openxmlformats.org/officeDocument/2006/relationships" xmlns:p="http://schemas.openxmlformats.org/presentationml/2006/main" type="vertTx" preserve="1">
+  <p:cSld name="Title and Vertical Text">
+    <p:spTree>
+      <p:nvGrpSpPr>
+        <p:cNvPr id="1" name=""/>
+        <p:cNvGrpSpPr/>
+        <p:nvPr/>
+      </p:nvGrpSpPr>
+      <p:grpSpPr>
+        <a:xfrm>
+          <a:off x="0" y="0"/>
+          <a:ext cx="0" cy="0"/>
+          <a:chOff x="0" y="0"/>
+          <a:chExt cx="0" cy="0"/>
+        </a:xfrm>
+      </p:grpSpPr>
+      <p:sp>
+        <p:nvSpPr>
+          <p:cNvPr id="2" name="Title 1"/>
+          <p:cNvSpPr>
+            <a:spLocks noGrp="1"/>
+          </p:cNvSpPr>
+          <p:nvPr>
+            <p:ph type="title"/>
+          </p:nvPr>
+        </p:nvSpPr>
+        <p:spPr/>
+        <p:txBody>
+          <a:bodyPr/>
+          <a:lstStyle/>
+          <a:p>
+            <a:r>
+              <a:rPr lang="en-US" smtClean="0"/>
+              <a:t>Click to edit Master title style</a:t>
+            </a:r>
+            <a:endParaRPr/>
+          </a:p>
+        </p:txBody>
+      </p:sp>
+      <p:sp>
+        <p:nvSpPr>
+          <p:cNvPr id="3" name="Vertical Text Placeholder 2"/>
+          <p:cNvSpPr>
+            <a:spLocks noGrp="1"/>
+          </p:cNvSpPr>
+          <p:nvPr>
+            <p:ph type="body" orient="vert" idx="1"/>
+          </p:nvPr>
+        </p:nvSpPr>
+        <p:spPr/>
+        <p:txBody>
+          <a:bodyPr vert="eaVert"/>
+          <a:lstStyle>
+            <a:lvl5pPr>
+              <a:defRPr/>
+            </a:lvl5pPr>
+          </a:lstStyle>
+          <a:p>
+            <a:pPr lvl="0"/>
+            <a:r>
+              <a:rPr lang="en-US" smtClean="0"/>
+              <a:t>Click to edit Master text styles</a:t>
+            </a:r>
+          </a:p>
+          <a:p>
+            <a:pPr lvl="1"/>
+            <a:r>
+              <a:rPr lang="en-US" smtClean="0"/>
+              <a:t>Second level</a:t>
+            </a:r>
+          </a:p>
+          <a:p>
+            <a:pPr lvl="2"/>
+            <a:r>
+              <a:rPr lang="en-US" smtClean="0"/>
+              <a:t>Third level</a:t>
+            </a:r>
+          </a:p>
+          <a:p>
+            <a:pPr lvl="3"/>
+            <a:r>
+              <a:rPr lang="en-US" smtClean="0"/>
+              <a:t>Fourth level</a:t>
+            </a:r>
+          </a:p>
+          <a:p>
+            <a:pPr lvl="4"/>
+            <a:r>
+              <a:rPr lang="en-US" smtClean="0"/>
+              <a:t>Fifth level</a:t>
+            </a:r>
+            <a:endParaRPr dirty="0"/>
+          </a:p>
+        </p:txBody>
+      </p:sp>
+      <p:sp>
+        <p:nvSpPr>
+          <p:cNvPr id="4" name="Date Placeholder 3"/>
+          <p:cNvSpPr>
+            <a:spLocks noGrp="1"/>
+          </p:cNvSpPr>
+          <p:nvPr>
+            <p:ph type="dt" sz="half" idx="10"/>
+          </p:nvPr>
+        </p:nvSpPr>
+        <p:spPr/>
+        <p:txBody>
+          <a:bodyPr/>
+          <a:lstStyle/>
+          <a:p>
+            <a:fld id="{7BF5BA33-EE32-EC46-A7E6-BDC621AB995A}" type="datetimeFigureOut">
+              <a:rPr lang="en-US" smtClean="0"/>
+              <a:t>7/3/17</a:t>
+            </a:fld>
+            <a:endParaRPr lang="en-US"/>
+          </a:p>
+        </p:txBody>
+      </p:sp>
+      <p:sp>
+        <p:nvSpPr>
+          <p:cNvPr id="5" name="Footer Placeholder 4"/>
+          <p:cNvSpPr>
+            <a:spLocks noGrp="1"/>
+          </p:cNvSpPr>
+          <p:nvPr>
+            <p:ph type="ftr" sz="quarter" idx="11"/>
+          </p:nvPr>
+        </p:nvSpPr>
+        <p:spPr/>
+        <p:txBody>
+          <a:bodyPr/>
+          <a:lstStyle/>
+          <a:p>
+            <a:endParaRPr lang="en-US"/>
+          </a:p>
+        </p:txBody>
+      </p:sp>
+      <p:sp>
+        <p:nvSpPr>
+          <p:cNvPr id="6" name="Slide Number Placeholder 5"/>
+          <p:cNvSpPr>
+            <a:spLocks noGrp="1"/>
+          </p:cNvSpPr>
+          <p:nvPr>
+            <p:ph type="sldNum" sz="quarter" idx="12"/>
+          </p:nvPr>
+        </p:nvSpPr>
+        <p:spPr/>
+        <p:txBody>
+          <a:bodyPr/>
+          <a:lstStyle/>
+          <a:p>
+            <a:fld id="{AC385830-0039-134D-96E5-94BF6391F550}" type="slidenum">
+              <a:rPr lang="en-US" smtClean="0"/>
+              <a:t>‹#›</a:t>
+            </a:fld>
+            <a:endParaRPr lang="en-US"/>
+          </a:p>
+        </p:txBody>
+      </p:sp>
+    </p:spTree>
+  </p:cSld>
+  <p:clrMapOvr>
+    <a:masterClrMapping/>
+  </p:clrMapOvr>
+</p:sldLayout>
+</file>
+
+<file path=ppt/slideLayouts/slideLayout12.xml><?xml version="1.0" encoding="utf-8"?>
+<p:sldLayout xmlns:a="http://schemas.openxmlformats.org/drawingml/2006/main" xmlns:r="http://schemas.openxmlformats.org/officeDocument/2006/relationships" xmlns:p="http://schemas.openxmlformats.org/presentationml/2006/main" type="vertTitleAndTx" preserve="1">
+  <p:cSld name="Vertical Title and Text">
+    <p:spTree>
+      <p:nvGrpSpPr>
+        <p:cNvPr id="1" name=""/>
+        <p:cNvGrpSpPr/>
+        <p:nvPr/>
+      </p:nvGrpSpPr>
+      <p:grpSpPr>
+        <a:xfrm>
+          <a:off x="0" y="0"/>
+          <a:ext cx="0" cy="0"/>
+          <a:chOff x="0" y="0"/>
+          <a:chExt cx="0" cy="0"/>
+        </a:xfrm>
+      </p:grpSpPr>
+      <p:sp>
+        <p:nvSpPr>
+          <p:cNvPr id="2" name="Vertical Title 1"/>
+          <p:cNvSpPr>
+            <a:spLocks noGrp="1"/>
+          </p:cNvSpPr>
+          <p:nvPr>
+            <p:ph type="title" orient="vert"/>
+          </p:nvPr>
+        </p:nvSpPr>
+        <p:spPr>
+          <a:xfrm>
+            <a:off x="7369792" y="368301"/>
+            <a:ext cx="1524000" cy="5575300"/>
+          </a:xfrm>
+        </p:spPr>
+        <p:txBody>
+          <a:bodyPr vert="eaVert"/>
+          <a:lstStyle/>
+          <a:p>
+            <a:r>
+              <a:rPr lang="en-US" smtClean="0"/>
+              <a:t>Click to edit Master title style</a:t>
+            </a:r>
+            <a:endParaRPr/>
+          </a:p>
+        </p:txBody>
+      </p:sp>
+      <p:sp>
+        <p:nvSpPr>
+          <p:cNvPr id="3" name="Vertical Text Placeholder 2"/>
+          <p:cNvSpPr>
+            <a:spLocks noGrp="1"/>
+          </p:cNvSpPr>
+          <p:nvPr>
+            <p:ph type="body" orient="vert" idx="1"/>
+          </p:nvPr>
+        </p:nvSpPr>
+        <p:spPr>
+          <a:xfrm>
+            <a:off x="549274" y="368301"/>
+            <a:ext cx="6689726" cy="5575300"/>
+          </a:xfrm>
+        </p:spPr>
+        <p:txBody>
+          <a:bodyPr vert="eaVert"/>
+          <a:lstStyle>
+            <a:lvl5pPr>
+              <a:defRPr/>
+            </a:lvl5pPr>
+          </a:lstStyle>
+          <a:p>
+            <a:pPr lvl="0"/>
+            <a:r>
+              <a:rPr lang="en-US" smtClean="0"/>
+              <a:t>Click to edit Master text styles</a:t>
+            </a:r>
+          </a:p>
+          <a:p>
+            <a:pPr lvl="1"/>
+            <a:r>
+              <a:rPr lang="en-US" smtClean="0"/>
+              <a:t>Second level</a:t>
+            </a:r>
+          </a:p>
+          <a:p>
+            <a:pPr lvl="2"/>
+            <a:r>
+              <a:rPr lang="en-US" smtClean="0"/>
+              <a:t>Third level</a:t>
+            </a:r>
+          </a:p>
+          <a:p>
+            <a:pPr lvl="3"/>
+            <a:r>
+              <a:rPr lang="en-US" smtClean="0"/>
+              <a:t>Fourth level</a:t>
+            </a:r>
+          </a:p>
+          <a:p>
+            <a:pPr lvl="4"/>
+            <a:r>
+              <a:rPr lang="en-US" smtClean="0"/>
+              <a:t>Fifth level</a:t>
+            </a:r>
+            <a:endParaRPr dirty="0"/>
+          </a:p>
+        </p:txBody>
+      </p:sp>
+      <p:sp>
+        <p:nvSpPr>
+          <p:cNvPr id="4" name="Date Placeholder 3"/>
+          <p:cNvSpPr>
+            <a:spLocks noGrp="1"/>
+          </p:cNvSpPr>
+          <p:nvPr>
+            <p:ph type="dt" sz="half" idx="10"/>
+          </p:nvPr>
+        </p:nvSpPr>
+        <p:spPr/>
+        <p:txBody>
+          <a:bodyPr/>
+          <a:lstStyle/>
+          <a:p>
+            <a:fld id="{7BF5BA33-EE32-EC46-A7E6-BDC621AB995A}" type="datetimeFigureOut">
+              <a:rPr lang="en-US" smtClean="0"/>
+              <a:t>7/3/17</a:t>
+            </a:fld>
+            <a:endParaRPr lang="en-US"/>
+          </a:p>
+        </p:txBody>
+      </p:sp>
+      <p:sp>
+        <p:nvSpPr>
+          <p:cNvPr id="5" name="Footer Placeholder 4"/>
+          <p:cNvSpPr>
+            <a:spLocks noGrp="1"/>
+          </p:cNvSpPr>
+          <p:nvPr>
+            <p:ph type="ftr" sz="quarter" idx="11"/>
+          </p:nvPr>
+        </p:nvSpPr>
+        <p:spPr/>
+        <p:txBody>
+          <a:bodyPr/>
+          <a:lstStyle/>
+          <a:p>
+            <a:endParaRPr lang="en-US"/>
+          </a:p>
+        </p:txBody>
+      </p:sp>
+      <p:sp>
+        <p:nvSpPr>
+          <p:cNvPr id="6" name="Slide Number Placeholder 5"/>
+          <p:cNvSpPr>
+            <a:spLocks noGrp="1"/>
+          </p:cNvSpPr>
+          <p:nvPr>
+            <p:ph type="sldNum" sz="quarter" idx="12"/>
+          </p:nvPr>
+        </p:nvSpPr>
+        <p:spPr/>
+        <p:txBody>
+          <a:bodyPr/>
+          <a:lstStyle/>
+          <a:p>
+            <a:fld id="{AC385830-0039-134D-96E5-94BF6391F550}" type="slidenum">
+              <a:rPr lang="en-US" smtClean="0"/>
+              <a:t>‹#›</a:t>
+            </a:fld>
+            <a:endParaRPr lang="en-US"/>
+          </a:p>
+        </p:txBody>
+      </p:sp>
+    </p:spTree>
+  </p:cSld>
+  <p:clrMapOvr>
+    <a:masterClrMapping/>
+  </p:clrMapOvr>
+</p:sldLayout>
+</file>
+
+<file path=ppt/slideLayouts/slideLayout2.xml><?xml version="1.0" encoding="utf-8"?>
+<p:sldLayout xmlns:a="http://schemas.openxmlformats.org/drawingml/2006/main" xmlns:r="http://schemas.openxmlformats.org/officeDocument/2006/relationships" xmlns:p="http://schemas.openxmlformats.org/presentationml/2006/main" type="obj" preserve="1">
+  <p:cSld name="Title and Content">
+    <p:spTree>
+      <p:nvGrpSpPr>
+        <p:cNvPr id="1" name=""/>
+        <p:cNvGrpSpPr/>
+        <p:nvPr/>
+      </p:nvGrpSpPr>
+      <p:grpSpPr>
+        <a:xfrm>
+          <a:off x="0" y="0"/>
+          <a:ext cx="0" cy="0"/>
+          <a:chOff x="0" y="0"/>
+          <a:chExt cx="0" cy="0"/>
+        </a:xfrm>
+      </p:grpSpPr>
+      <p:sp>
+        <p:nvSpPr>
+          <p:cNvPr id="2" name="Title 1"/>
+          <p:cNvSpPr>
+            <a:spLocks noGrp="1"/>
+          </p:cNvSpPr>
+          <p:nvPr>
+            <p:ph type="title"/>
+          </p:nvPr>
+        </p:nvSpPr>
+        <p:spPr/>
+        <p:txBody>
+          <a:bodyPr/>
+          <a:lstStyle/>
+          <a:p>
+            <a:r>
+              <a:rPr lang="en-US" smtClean="0"/>
+              <a:t>Click to edit Master title style</a:t>
+            </a:r>
+            <a:endParaRPr/>
+          </a:p>
+        </p:txBody>
+      </p:sp>
+      <p:sp>
+        <p:nvSpPr>
+          <p:cNvPr id="3" name="Content Placeholder 2"/>
+          <p:cNvSpPr>
+            <a:spLocks noGrp="1"/>
+          </p:cNvSpPr>
+          <p:nvPr>
+            <p:ph idx="1"/>
+          </p:nvPr>
+        </p:nvSpPr>
+        <p:spPr/>
+        <p:txBody>
+          <a:bodyPr/>
+          <a:lstStyle>
+            <a:lvl5pPr>
+              <a:defRPr/>
+            </a:lvl5pPr>
+          </a:lstStyle>
+          <a:p>
+            <a:pPr lvl="0"/>
+            <a:r>
+              <a:rPr lang="en-US" smtClean="0"/>
+              <a:t>Click to edit Master text styles</a:t>
+            </a:r>
+          </a:p>
+          <a:p>
+            <a:pPr lvl="1"/>
+            <a:r>
+              <a:rPr lang="en-US" smtClean="0"/>
+              <a:t>Second level</a:t>
+            </a:r>
+          </a:p>
+          <a:p>
+            <a:pPr lvl="2"/>
+            <a:r>
+              <a:rPr lang="en-US" smtClean="0"/>
+              <a:t>Third level</a:t>
+            </a:r>
+          </a:p>
+          <a:p>
+            <a:pPr lvl="3"/>
+            <a:r>
+              <a:rPr lang="en-US" smtClean="0"/>
+              <a:t>Fourth level</a:t>
+            </a:r>
+          </a:p>
+          <a:p>
+            <a:pPr lvl="4"/>
+            <a:r>
+              <a:rPr lang="en-US" smtClean="0"/>
+              <a:t>Fifth level</a:t>
+            </a:r>
+            <a:endParaRPr dirty="0"/>
+          </a:p>
+        </p:txBody>
+      </p:sp>
+      <p:sp>
+        <p:nvSpPr>
+          <p:cNvPr id="4" name="Date Placeholder 3"/>
+          <p:cNvSpPr>
+            <a:spLocks noGrp="1"/>
+          </p:cNvSpPr>
+          <p:nvPr>
+            <p:ph type="dt" sz="half" idx="10"/>
+          </p:nvPr>
+        </p:nvSpPr>
+        <p:spPr/>
+        <p:txBody>
+          <a:bodyPr/>
+          <a:lstStyle/>
+          <a:p>
+            <a:fld id="{7BF5BA33-EE32-EC46-A7E6-BDC621AB995A}" type="datetimeFigureOut">
+              <a:rPr lang="en-US" smtClean="0"/>
+              <a:t>7/3/17</a:t>
+            </a:fld>
+            <a:endParaRPr lang="en-US"/>
+          </a:p>
+        </p:txBody>
+      </p:sp>
+      <p:sp>
+        <p:nvSpPr>
+          <p:cNvPr id="5" name="Footer Placeholder 4"/>
+          <p:cNvSpPr>
+            <a:spLocks noGrp="1"/>
+          </p:cNvSpPr>
+          <p:nvPr>
+            <p:ph type="ftr" sz="quarter" idx="11"/>
+          </p:nvPr>
+        </p:nvSpPr>
+        <p:spPr/>
+        <p:txBody>
+          <a:bodyPr/>
+          <a:lstStyle/>
+          <a:p>
+            <a:endParaRPr lang="en-US"/>
+          </a:p>
+        </p:txBody>
+      </p:sp>
+      <p:sp>
+        <p:nvSpPr>
+          <p:cNvPr id="6" name="Slide Number Placeholder 5"/>
+          <p:cNvSpPr>
+            <a:spLocks noGrp="1"/>
+          </p:cNvSpPr>
+          <p:nvPr>
+            <p:ph type="sldNum" sz="quarter" idx="12"/>
+          </p:nvPr>
+        </p:nvSpPr>
+        <p:spPr/>
+        <p:txBody>
+          <a:bodyPr/>
+          <a:lstStyle/>
+          <a:p>
+            <a:fld id="{AC385830-0039-134D-96E5-94BF6391F550}" type="slidenum">
+              <a:rPr lang="en-US" smtClean="0"/>
+              <a:t>‹#›</a:t>
+            </a:fld>
+            <a:endParaRPr lang="en-US"/>
+          </a:p>
+        </p:txBody>
+      </p:sp>
+    </p:spTree>
+  </p:cSld>
+  <p:clrMapOvr>
+    <a:masterClrMapping/>
+  </p:clrMapOvr>
+</p:sldLayout>
+</file>
+
+<file path=ppt/slideLayouts/slideLayout3.xml><?xml version="1.0" encoding="utf-8"?>
+<p:sldLayout xmlns:a="http://schemas.openxmlformats.org/drawingml/2006/main" xmlns:r="http://schemas.openxmlformats.org/officeDocument/2006/relationships" xmlns:p="http://schemas.openxmlformats.org/presentationml/2006/main" preserve="1">
+  <p:cSld name="Title Slide with Picture">
+    <p:spTree>
+      <p:nvGrpSpPr>
+        <p:cNvPr id="1" name=""/>
+        <p:cNvGrpSpPr/>
+        <p:nvPr/>
+      </p:nvGrpSpPr>
+      <p:grpSpPr>
+        <a:xfrm>
+          <a:off x="0" y="0"/>
+          <a:ext cx="0" cy="0"/>
+          <a:chOff x="0" y="0"/>
+          <a:chExt cx="0" cy="0"/>
+        </a:xfrm>
+      </p:grpSpPr>
+      <p:sp>
+        <p:nvSpPr>
+          <p:cNvPr id="2" name="Title 1"/>
+          <p:cNvSpPr>
+            <a:spLocks noGrp="1"/>
+          </p:cNvSpPr>
+          <p:nvPr>
+            <p:ph type="ctrTitle"/>
+          </p:nvPr>
+        </p:nvSpPr>
+        <p:spPr>
+          <a:xfrm>
+            <a:off x="363538" y="3352801"/>
+            <a:ext cx="8416925" cy="1470025"/>
           </a:xfrm>
         </p:spPr>
         <p:txBody>
           <a:bodyPr/>
+          <a:lstStyle/>
+          <a:p>
+            <a:r>
+              <a:rPr lang="en-US" smtClean="0"/>
+              <a:t>Click to edit Master title style</a:t>
+            </a:r>
+            <a:endParaRPr dirty="0"/>
+          </a:p>
+        </p:txBody>
+      </p:sp>
+      <p:sp>
+        <p:nvSpPr>
+          <p:cNvPr id="3" name="Subtitle 2"/>
+          <p:cNvSpPr>
+            <a:spLocks noGrp="1"/>
+          </p:cNvSpPr>
+          <p:nvPr>
+            <p:ph type="subTitle" idx="1"/>
+          </p:nvPr>
+        </p:nvSpPr>
+        <p:spPr>
+          <a:xfrm>
+            <a:off x="363538" y="4771029"/>
+            <a:ext cx="8416925" cy="972671"/>
+          </a:xfrm>
+        </p:spPr>
+        <p:txBody>
+          <a:bodyPr>
+            <a:normAutofit/>
+          </a:bodyPr>
           <a:lstStyle>
             <a:lvl1pPr marL="0" indent="0" algn="ctr">
+              <a:spcBef>
+                <a:spcPts val="300"/>
+              </a:spcBef>
               <a:buNone/>
-              <a:defRPr>
+              <a:defRPr sz="1800">
                 <a:solidFill>
                   <a:schemeClr val="tx1">
                     <a:tint val="75000"/>
@@ -7325,7 +8491,7 @@
               <a:rPr lang="en-US" smtClean="0"/>
               <a:t>Click to edit Master subtitle style</a:t>
             </a:r>
-            <a:endParaRPr lang="en-US"/>
+            <a:endParaRPr dirty="0"/>
           </a:p>
         </p:txBody>
       </p:sp>
@@ -7346,7 +8512,7 @@
           <a:p>
             <a:fld id="{7BF5BA33-EE32-EC46-A7E6-BDC621AB995A}" type="datetimeFigureOut">
               <a:rPr lang="en-US" smtClean="0"/>
-              <a:t>6/30/17</a:t>
+              <a:t>7/3/17</a:t>
             </a:fld>
             <a:endParaRPr lang="en-US"/>
           </a:p>
@@ -7394,12 +8560,84 @@
           </a:p>
         </p:txBody>
       </p:sp>
+      <p:sp>
+        <p:nvSpPr>
+          <p:cNvPr id="9" name="Picture Placeholder 2"/>
+          <p:cNvSpPr>
+            <a:spLocks noGrp="1"/>
+          </p:cNvSpPr>
+          <p:nvPr>
+            <p:ph type="pic" idx="13"/>
+          </p:nvPr>
+        </p:nvSpPr>
+        <p:spPr>
+          <a:xfrm>
+            <a:off x="370980" y="363538"/>
+            <a:ext cx="8402040" cy="2836862"/>
+          </a:xfrm>
+          <a:ln w="3175">
+            <a:solidFill>
+              <a:schemeClr val="bg1"/>
+            </a:solidFill>
+          </a:ln>
+          <a:effectLst>
+            <a:outerShdw blurRad="63500" sx="100500" sy="100500" algn="ctr" rotWithShape="0">
+              <a:prstClr val="black">
+                <a:alpha val="50000"/>
+              </a:prstClr>
+            </a:outerShdw>
+          </a:effectLst>
+        </p:spPr>
+        <p:txBody>
+          <a:bodyPr/>
+          <a:lstStyle>
+            <a:lvl1pPr marL="0" indent="0">
+              <a:buNone/>
+              <a:defRPr sz="3200"/>
+            </a:lvl1pPr>
+            <a:lvl2pPr marL="457200" indent="0">
+              <a:buNone/>
+              <a:defRPr sz="2800"/>
+            </a:lvl2pPr>
+            <a:lvl3pPr marL="914400" indent="0">
+              <a:buNone/>
+              <a:defRPr sz="2400"/>
+            </a:lvl3pPr>
+            <a:lvl4pPr marL="1371600" indent="0">
+              <a:buNone/>
+              <a:defRPr sz="2000"/>
+            </a:lvl4pPr>
+            <a:lvl5pPr marL="1828800" indent="0">
+              <a:buNone/>
+              <a:defRPr sz="2000"/>
+            </a:lvl5pPr>
+            <a:lvl6pPr marL="2286000" indent="0">
+              <a:buNone/>
+              <a:defRPr sz="2000"/>
+            </a:lvl6pPr>
+            <a:lvl7pPr marL="2743200" indent="0">
+              <a:buNone/>
+              <a:defRPr sz="2000"/>
+            </a:lvl7pPr>
+            <a:lvl8pPr marL="3200400" indent="0">
+              <a:buNone/>
+              <a:defRPr sz="2000"/>
+            </a:lvl8pPr>
+            <a:lvl9pPr marL="3657600" indent="0">
+              <a:buNone/>
+              <a:defRPr sz="2000"/>
+            </a:lvl9pPr>
+          </a:lstStyle>
+          <a:p>
+            <a:r>
+              <a:rPr lang="en-US" smtClean="0"/>
+              <a:t>Drag picture to placeholder or click icon to add</a:t>
+            </a:r>
+            <a:endParaRPr/>
+          </a:p>
+        </p:txBody>
+      </p:sp>
     </p:spTree>
-    <p:extLst>
-      <p:ext uri="{BB962C8B-B14F-4D97-AF65-F5344CB8AC3E}">
-        <p14:creationId xmlns:p14="http://schemas.microsoft.com/office/powerpoint/2010/main" val="1961370518"/>
-      </p:ext>
-    </p:extLst>
   </p:cSld>
   <p:clrMapOvr>
     <a:masterClrMapping/>
@@ -7407,527 +8645,7 @@
 </p:sldLayout>
 </file>
 
-<file path=ppt/slideLayouts/slideLayout10.xml><?xml version="1.0" encoding="utf-8"?>
-<p:sldLayout xmlns:a="http://schemas.openxmlformats.org/drawingml/2006/main" xmlns:r="http://schemas.openxmlformats.org/officeDocument/2006/relationships" xmlns:p="http://schemas.openxmlformats.org/presentationml/2006/main" type="vertTx" preserve="1">
-  <p:cSld name="Title and Vertical Text">
-    <p:spTree>
-      <p:nvGrpSpPr>
-        <p:cNvPr id="1" name=""/>
-        <p:cNvGrpSpPr/>
-        <p:nvPr/>
-      </p:nvGrpSpPr>
-      <p:grpSpPr>
-        <a:xfrm>
-          <a:off x="0" y="0"/>
-          <a:ext cx="0" cy="0"/>
-          <a:chOff x="0" y="0"/>
-          <a:chExt cx="0" cy="0"/>
-        </a:xfrm>
-      </p:grpSpPr>
-      <p:sp>
-        <p:nvSpPr>
-          <p:cNvPr id="2" name="Title 1"/>
-          <p:cNvSpPr>
-            <a:spLocks noGrp="1"/>
-          </p:cNvSpPr>
-          <p:nvPr>
-            <p:ph type="title"/>
-          </p:nvPr>
-        </p:nvSpPr>
-        <p:spPr/>
-        <p:txBody>
-          <a:bodyPr/>
-          <a:lstStyle/>
-          <a:p>
-            <a:r>
-              <a:rPr lang="en-US" smtClean="0"/>
-              <a:t>Click to edit Master title style</a:t>
-            </a:r>
-            <a:endParaRPr lang="en-US"/>
-          </a:p>
-        </p:txBody>
-      </p:sp>
-      <p:sp>
-        <p:nvSpPr>
-          <p:cNvPr id="3" name="Vertical Text Placeholder 2"/>
-          <p:cNvSpPr>
-            <a:spLocks noGrp="1"/>
-          </p:cNvSpPr>
-          <p:nvPr>
-            <p:ph type="body" orient="vert" idx="1"/>
-          </p:nvPr>
-        </p:nvSpPr>
-        <p:spPr/>
-        <p:txBody>
-          <a:bodyPr vert="eaVert"/>
-          <a:lstStyle/>
-          <a:p>
-            <a:pPr lvl="0"/>
-            <a:r>
-              <a:rPr lang="en-US" smtClean="0"/>
-              <a:t>Click to edit Master text styles</a:t>
-            </a:r>
-          </a:p>
-          <a:p>
-            <a:pPr lvl="1"/>
-            <a:r>
-              <a:rPr lang="en-US" smtClean="0"/>
-              <a:t>Second level</a:t>
-            </a:r>
-          </a:p>
-          <a:p>
-            <a:pPr lvl="2"/>
-            <a:r>
-              <a:rPr lang="en-US" smtClean="0"/>
-              <a:t>Third level</a:t>
-            </a:r>
-          </a:p>
-          <a:p>
-            <a:pPr lvl="3"/>
-            <a:r>
-              <a:rPr lang="en-US" smtClean="0"/>
-              <a:t>Fourth level</a:t>
-            </a:r>
-          </a:p>
-          <a:p>
-            <a:pPr lvl="4"/>
-            <a:r>
-              <a:rPr lang="en-US" smtClean="0"/>
-              <a:t>Fifth level</a:t>
-            </a:r>
-            <a:endParaRPr lang="en-US"/>
-          </a:p>
-        </p:txBody>
-      </p:sp>
-      <p:sp>
-        <p:nvSpPr>
-          <p:cNvPr id="4" name="Date Placeholder 3"/>
-          <p:cNvSpPr>
-            <a:spLocks noGrp="1"/>
-          </p:cNvSpPr>
-          <p:nvPr>
-            <p:ph type="dt" sz="half" idx="10"/>
-          </p:nvPr>
-        </p:nvSpPr>
-        <p:spPr/>
-        <p:txBody>
-          <a:bodyPr/>
-          <a:lstStyle/>
-          <a:p>
-            <a:fld id="{7BF5BA33-EE32-EC46-A7E6-BDC621AB995A}" type="datetimeFigureOut">
-              <a:rPr lang="en-US" smtClean="0"/>
-              <a:t>6/30/17</a:t>
-            </a:fld>
-            <a:endParaRPr lang="en-US"/>
-          </a:p>
-        </p:txBody>
-      </p:sp>
-      <p:sp>
-        <p:nvSpPr>
-          <p:cNvPr id="5" name="Footer Placeholder 4"/>
-          <p:cNvSpPr>
-            <a:spLocks noGrp="1"/>
-          </p:cNvSpPr>
-          <p:nvPr>
-            <p:ph type="ftr" sz="quarter" idx="11"/>
-          </p:nvPr>
-        </p:nvSpPr>
-        <p:spPr/>
-        <p:txBody>
-          <a:bodyPr/>
-          <a:lstStyle/>
-          <a:p>
-            <a:endParaRPr lang="en-US"/>
-          </a:p>
-        </p:txBody>
-      </p:sp>
-      <p:sp>
-        <p:nvSpPr>
-          <p:cNvPr id="6" name="Slide Number Placeholder 5"/>
-          <p:cNvSpPr>
-            <a:spLocks noGrp="1"/>
-          </p:cNvSpPr>
-          <p:nvPr>
-            <p:ph type="sldNum" sz="quarter" idx="12"/>
-          </p:nvPr>
-        </p:nvSpPr>
-        <p:spPr/>
-        <p:txBody>
-          <a:bodyPr/>
-          <a:lstStyle/>
-          <a:p>
-            <a:fld id="{AC385830-0039-134D-96E5-94BF6391F550}" type="slidenum">
-              <a:rPr lang="en-US" smtClean="0"/>
-              <a:t>‹#›</a:t>
-            </a:fld>
-            <a:endParaRPr lang="en-US"/>
-          </a:p>
-        </p:txBody>
-      </p:sp>
-    </p:spTree>
-    <p:extLst>
-      <p:ext uri="{BB962C8B-B14F-4D97-AF65-F5344CB8AC3E}">
-        <p14:creationId xmlns:p14="http://schemas.microsoft.com/office/powerpoint/2010/main" val="2644105105"/>
-      </p:ext>
-    </p:extLst>
-  </p:cSld>
-  <p:clrMapOvr>
-    <a:masterClrMapping/>
-  </p:clrMapOvr>
-</p:sldLayout>
-</file>
-
-<file path=ppt/slideLayouts/slideLayout11.xml><?xml version="1.0" encoding="utf-8"?>
-<p:sldLayout xmlns:a="http://schemas.openxmlformats.org/drawingml/2006/main" xmlns:r="http://schemas.openxmlformats.org/officeDocument/2006/relationships" xmlns:p="http://schemas.openxmlformats.org/presentationml/2006/main" type="vertTitleAndTx" preserve="1">
-  <p:cSld name="Vertical Title and Text">
-    <p:spTree>
-      <p:nvGrpSpPr>
-        <p:cNvPr id="1" name=""/>
-        <p:cNvGrpSpPr/>
-        <p:nvPr/>
-      </p:nvGrpSpPr>
-      <p:grpSpPr>
-        <a:xfrm>
-          <a:off x="0" y="0"/>
-          <a:ext cx="0" cy="0"/>
-          <a:chOff x="0" y="0"/>
-          <a:chExt cx="0" cy="0"/>
-        </a:xfrm>
-      </p:grpSpPr>
-      <p:sp>
-        <p:nvSpPr>
-          <p:cNvPr id="2" name="Vertical Title 1"/>
-          <p:cNvSpPr>
-            <a:spLocks noGrp="1"/>
-          </p:cNvSpPr>
-          <p:nvPr>
-            <p:ph type="title" orient="vert"/>
-          </p:nvPr>
-        </p:nvSpPr>
-        <p:spPr>
-          <a:xfrm>
-            <a:off x="6629400" y="274638"/>
-            <a:ext cx="2057400" cy="5851525"/>
-          </a:xfrm>
-        </p:spPr>
-        <p:txBody>
-          <a:bodyPr vert="eaVert"/>
-          <a:lstStyle/>
-          <a:p>
-            <a:r>
-              <a:rPr lang="en-US" smtClean="0"/>
-              <a:t>Click to edit Master title style</a:t>
-            </a:r>
-            <a:endParaRPr lang="en-US"/>
-          </a:p>
-        </p:txBody>
-      </p:sp>
-      <p:sp>
-        <p:nvSpPr>
-          <p:cNvPr id="3" name="Vertical Text Placeholder 2"/>
-          <p:cNvSpPr>
-            <a:spLocks noGrp="1"/>
-          </p:cNvSpPr>
-          <p:nvPr>
-            <p:ph type="body" orient="vert" idx="1"/>
-          </p:nvPr>
-        </p:nvSpPr>
-        <p:spPr>
-          <a:xfrm>
-            <a:off x="457200" y="274638"/>
-            <a:ext cx="6019800" cy="5851525"/>
-          </a:xfrm>
-        </p:spPr>
-        <p:txBody>
-          <a:bodyPr vert="eaVert"/>
-          <a:lstStyle/>
-          <a:p>
-            <a:pPr lvl="0"/>
-            <a:r>
-              <a:rPr lang="en-US" smtClean="0"/>
-              <a:t>Click to edit Master text styles</a:t>
-            </a:r>
-          </a:p>
-          <a:p>
-            <a:pPr lvl="1"/>
-            <a:r>
-              <a:rPr lang="en-US" smtClean="0"/>
-              <a:t>Second level</a:t>
-            </a:r>
-          </a:p>
-          <a:p>
-            <a:pPr lvl="2"/>
-            <a:r>
-              <a:rPr lang="en-US" smtClean="0"/>
-              <a:t>Third level</a:t>
-            </a:r>
-          </a:p>
-          <a:p>
-            <a:pPr lvl="3"/>
-            <a:r>
-              <a:rPr lang="en-US" smtClean="0"/>
-              <a:t>Fourth level</a:t>
-            </a:r>
-          </a:p>
-          <a:p>
-            <a:pPr lvl="4"/>
-            <a:r>
-              <a:rPr lang="en-US" smtClean="0"/>
-              <a:t>Fifth level</a:t>
-            </a:r>
-            <a:endParaRPr lang="en-US"/>
-          </a:p>
-        </p:txBody>
-      </p:sp>
-      <p:sp>
-        <p:nvSpPr>
-          <p:cNvPr id="4" name="Date Placeholder 3"/>
-          <p:cNvSpPr>
-            <a:spLocks noGrp="1"/>
-          </p:cNvSpPr>
-          <p:nvPr>
-            <p:ph type="dt" sz="half" idx="10"/>
-          </p:nvPr>
-        </p:nvSpPr>
-        <p:spPr/>
-        <p:txBody>
-          <a:bodyPr/>
-          <a:lstStyle/>
-          <a:p>
-            <a:fld id="{7BF5BA33-EE32-EC46-A7E6-BDC621AB995A}" type="datetimeFigureOut">
-              <a:rPr lang="en-US" smtClean="0"/>
-              <a:t>6/30/17</a:t>
-            </a:fld>
-            <a:endParaRPr lang="en-US"/>
-          </a:p>
-        </p:txBody>
-      </p:sp>
-      <p:sp>
-        <p:nvSpPr>
-          <p:cNvPr id="5" name="Footer Placeholder 4"/>
-          <p:cNvSpPr>
-            <a:spLocks noGrp="1"/>
-          </p:cNvSpPr>
-          <p:nvPr>
-            <p:ph type="ftr" sz="quarter" idx="11"/>
-          </p:nvPr>
-        </p:nvSpPr>
-        <p:spPr/>
-        <p:txBody>
-          <a:bodyPr/>
-          <a:lstStyle/>
-          <a:p>
-            <a:endParaRPr lang="en-US"/>
-          </a:p>
-        </p:txBody>
-      </p:sp>
-      <p:sp>
-        <p:nvSpPr>
-          <p:cNvPr id="6" name="Slide Number Placeholder 5"/>
-          <p:cNvSpPr>
-            <a:spLocks noGrp="1"/>
-          </p:cNvSpPr>
-          <p:nvPr>
-            <p:ph type="sldNum" sz="quarter" idx="12"/>
-          </p:nvPr>
-        </p:nvSpPr>
-        <p:spPr/>
-        <p:txBody>
-          <a:bodyPr/>
-          <a:lstStyle/>
-          <a:p>
-            <a:fld id="{AC385830-0039-134D-96E5-94BF6391F550}" type="slidenum">
-              <a:rPr lang="en-US" smtClean="0"/>
-              <a:t>‹#›</a:t>
-            </a:fld>
-            <a:endParaRPr lang="en-US"/>
-          </a:p>
-        </p:txBody>
-      </p:sp>
-    </p:spTree>
-    <p:extLst>
-      <p:ext uri="{BB962C8B-B14F-4D97-AF65-F5344CB8AC3E}">
-        <p14:creationId xmlns:p14="http://schemas.microsoft.com/office/powerpoint/2010/main" val="3414899565"/>
-      </p:ext>
-    </p:extLst>
-  </p:cSld>
-  <p:clrMapOvr>
-    <a:masterClrMapping/>
-  </p:clrMapOvr>
-</p:sldLayout>
-</file>
-
-<file path=ppt/slideLayouts/slideLayout2.xml><?xml version="1.0" encoding="utf-8"?>
-<p:sldLayout xmlns:a="http://schemas.openxmlformats.org/drawingml/2006/main" xmlns:r="http://schemas.openxmlformats.org/officeDocument/2006/relationships" xmlns:p="http://schemas.openxmlformats.org/presentationml/2006/main" type="obj" preserve="1">
-  <p:cSld name="Title and Content">
-    <p:spTree>
-      <p:nvGrpSpPr>
-        <p:cNvPr id="1" name=""/>
-        <p:cNvGrpSpPr/>
-        <p:nvPr/>
-      </p:nvGrpSpPr>
-      <p:grpSpPr>
-        <a:xfrm>
-          <a:off x="0" y="0"/>
-          <a:ext cx="0" cy="0"/>
-          <a:chOff x="0" y="0"/>
-          <a:chExt cx="0" cy="0"/>
-        </a:xfrm>
-      </p:grpSpPr>
-      <p:sp>
-        <p:nvSpPr>
-          <p:cNvPr id="2" name="Title 1"/>
-          <p:cNvSpPr>
-            <a:spLocks noGrp="1"/>
-          </p:cNvSpPr>
-          <p:nvPr>
-            <p:ph type="title"/>
-          </p:nvPr>
-        </p:nvSpPr>
-        <p:spPr/>
-        <p:txBody>
-          <a:bodyPr/>
-          <a:lstStyle/>
-          <a:p>
-            <a:r>
-              <a:rPr lang="en-US" smtClean="0"/>
-              <a:t>Click to edit Master title style</a:t>
-            </a:r>
-            <a:endParaRPr lang="en-US"/>
-          </a:p>
-        </p:txBody>
-      </p:sp>
-      <p:sp>
-        <p:nvSpPr>
-          <p:cNvPr id="3" name="Content Placeholder 2"/>
-          <p:cNvSpPr>
-            <a:spLocks noGrp="1"/>
-          </p:cNvSpPr>
-          <p:nvPr>
-            <p:ph idx="1"/>
-          </p:nvPr>
-        </p:nvSpPr>
-        <p:spPr/>
-        <p:txBody>
-          <a:bodyPr/>
-          <a:lstStyle/>
-          <a:p>
-            <a:pPr lvl="0"/>
-            <a:r>
-              <a:rPr lang="en-US" smtClean="0"/>
-              <a:t>Click to edit Master text styles</a:t>
-            </a:r>
-          </a:p>
-          <a:p>
-            <a:pPr lvl="1"/>
-            <a:r>
-              <a:rPr lang="en-US" smtClean="0"/>
-              <a:t>Second level</a:t>
-            </a:r>
-          </a:p>
-          <a:p>
-            <a:pPr lvl="2"/>
-            <a:r>
-              <a:rPr lang="en-US" smtClean="0"/>
-              <a:t>Third level</a:t>
-            </a:r>
-          </a:p>
-          <a:p>
-            <a:pPr lvl="3"/>
-            <a:r>
-              <a:rPr lang="en-US" smtClean="0"/>
-              <a:t>Fourth level</a:t>
-            </a:r>
-          </a:p>
-          <a:p>
-            <a:pPr lvl="4"/>
-            <a:r>
-              <a:rPr lang="en-US" smtClean="0"/>
-              <a:t>Fifth level</a:t>
-            </a:r>
-            <a:endParaRPr lang="en-US"/>
-          </a:p>
-        </p:txBody>
-      </p:sp>
-      <p:sp>
-        <p:nvSpPr>
-          <p:cNvPr id="4" name="Date Placeholder 3"/>
-          <p:cNvSpPr>
-            <a:spLocks noGrp="1"/>
-          </p:cNvSpPr>
-          <p:nvPr>
-            <p:ph type="dt" sz="half" idx="10"/>
-          </p:nvPr>
-        </p:nvSpPr>
-        <p:spPr/>
-        <p:txBody>
-          <a:bodyPr/>
-          <a:lstStyle/>
-          <a:p>
-            <a:fld id="{7BF5BA33-EE32-EC46-A7E6-BDC621AB995A}" type="datetimeFigureOut">
-              <a:rPr lang="en-US" smtClean="0"/>
-              <a:t>6/30/17</a:t>
-            </a:fld>
-            <a:endParaRPr lang="en-US"/>
-          </a:p>
-        </p:txBody>
-      </p:sp>
-      <p:sp>
-        <p:nvSpPr>
-          <p:cNvPr id="5" name="Footer Placeholder 4"/>
-          <p:cNvSpPr>
-            <a:spLocks noGrp="1"/>
-          </p:cNvSpPr>
-          <p:nvPr>
-            <p:ph type="ftr" sz="quarter" idx="11"/>
-          </p:nvPr>
-        </p:nvSpPr>
-        <p:spPr/>
-        <p:txBody>
-          <a:bodyPr/>
-          <a:lstStyle/>
-          <a:p>
-            <a:endParaRPr lang="en-US"/>
-          </a:p>
-        </p:txBody>
-      </p:sp>
-      <p:sp>
-        <p:nvSpPr>
-          <p:cNvPr id="6" name="Slide Number Placeholder 5"/>
-          <p:cNvSpPr>
-            <a:spLocks noGrp="1"/>
-          </p:cNvSpPr>
-          <p:nvPr>
-            <p:ph type="sldNum" sz="quarter" idx="12"/>
-          </p:nvPr>
-        </p:nvSpPr>
-        <p:spPr/>
-        <p:txBody>
-          <a:bodyPr/>
-          <a:lstStyle/>
-          <a:p>
-            <a:fld id="{AC385830-0039-134D-96E5-94BF6391F550}" type="slidenum">
-              <a:rPr lang="en-US" smtClean="0"/>
-              <a:t>‹#›</a:t>
-            </a:fld>
-            <a:endParaRPr lang="en-US"/>
-          </a:p>
-        </p:txBody>
-      </p:sp>
-    </p:spTree>
-    <p:extLst>
-      <p:ext uri="{BB962C8B-B14F-4D97-AF65-F5344CB8AC3E}">
-        <p14:creationId xmlns:p14="http://schemas.microsoft.com/office/powerpoint/2010/main" val="1737011473"/>
-      </p:ext>
-    </p:extLst>
-  </p:cSld>
-  <p:clrMapOvr>
-    <a:masterClrMapping/>
-  </p:clrMapOvr>
-</p:sldLayout>
-</file>
-
-<file path=ppt/slideLayouts/slideLayout3.xml><?xml version="1.0" encoding="utf-8"?>
+<file path=ppt/slideLayouts/slideLayout4.xml><?xml version="1.0" encoding="utf-8"?>
 <p:sldLayout xmlns:a="http://schemas.openxmlformats.org/drawingml/2006/main" xmlns:r="http://schemas.openxmlformats.org/officeDocument/2006/relationships" xmlns:p="http://schemas.openxmlformats.org/presentationml/2006/main" type="secHead" preserve="1">
   <p:cSld name="Section Header">
     <p:spTree>
@@ -7956,15 +8674,15 @@
         </p:nvSpPr>
         <p:spPr>
           <a:xfrm>
-            <a:off x="722313" y="4406900"/>
-            <a:ext cx="7772400" cy="1362075"/>
+            <a:off x="549275" y="2403144"/>
+            <a:ext cx="8056563" cy="1362075"/>
           </a:xfrm>
         </p:spPr>
         <p:txBody>
-          <a:bodyPr anchor="t"/>
+          <a:bodyPr anchor="b" anchorCtr="0"/>
           <a:lstStyle>
-            <a:lvl1pPr algn="l">
-              <a:defRPr sz="4000" b="1" cap="all"/>
+            <a:lvl1pPr algn="ctr">
+              <a:defRPr sz="4600" b="0" cap="none" baseline="0"/>
             </a:lvl1pPr>
           </a:lstStyle>
           <a:p>
@@ -7972,7 +8690,7 @@
               <a:rPr lang="en-US" smtClean="0"/>
               <a:t>Click to edit Master title style</a:t>
             </a:r>
-            <a:endParaRPr lang="en-US"/>
+            <a:endParaRPr/>
           </a:p>
         </p:txBody>
       </p:sp>
@@ -7988,16 +8706,21 @@
         </p:nvSpPr>
         <p:spPr>
           <a:xfrm>
-            <a:off x="722313" y="2906713"/>
-            <a:ext cx="7772400" cy="1500187"/>
+            <a:off x="549275" y="3736005"/>
+            <a:ext cx="8056563" cy="1500187"/>
           </a:xfrm>
         </p:spPr>
         <p:txBody>
-          <a:bodyPr anchor="b"/>
+          <a:bodyPr anchor="t" anchorCtr="0">
+            <a:normAutofit/>
+          </a:bodyPr>
           <a:lstStyle>
-            <a:lvl1pPr marL="0" indent="0">
+            <a:lvl1pPr marL="0" indent="0" algn="ctr">
+              <a:spcBef>
+                <a:spcPts val="300"/>
+              </a:spcBef>
               <a:buNone/>
-              <a:defRPr sz="2000">
+              <a:defRPr sz="1800">
                 <a:solidFill>
                   <a:schemeClr val="tx1">
                     <a:tint val="75000"/>
@@ -8112,7 +8835,7 @@
           <a:p>
             <a:fld id="{7BF5BA33-EE32-EC46-A7E6-BDC621AB995A}" type="datetimeFigureOut">
               <a:rPr lang="en-US" smtClean="0"/>
-              <a:t>6/30/17</a:t>
+              <a:t>7/3/17</a:t>
             </a:fld>
             <a:endParaRPr lang="en-US"/>
           </a:p>
@@ -8161,11 +8884,6 @@
         </p:txBody>
       </p:sp>
     </p:spTree>
-    <p:extLst>
-      <p:ext uri="{BB962C8B-B14F-4D97-AF65-F5344CB8AC3E}">
-        <p14:creationId xmlns:p14="http://schemas.microsoft.com/office/powerpoint/2010/main" val="1428767209"/>
-      </p:ext>
-    </p:extLst>
   </p:cSld>
   <p:clrMapOvr>
     <a:masterClrMapping/>
@@ -8173,7 +8891,7 @@
 </p:sldLayout>
 </file>
 
-<file path=ppt/slideLayouts/slideLayout4.xml><?xml version="1.0" encoding="utf-8"?>
+<file path=ppt/slideLayouts/slideLayout5.xml><?xml version="1.0" encoding="utf-8"?>
 <p:sldLayout xmlns:a="http://schemas.openxmlformats.org/drawingml/2006/main" xmlns:r="http://schemas.openxmlformats.org/officeDocument/2006/relationships" xmlns:p="http://schemas.openxmlformats.org/presentationml/2006/main" type="twoObj" preserve="1">
   <p:cSld name="Two Content">
     <p:spTree>
@@ -8200,7 +8918,12 @@
             <p:ph type="title"/>
           </p:nvPr>
         </p:nvSpPr>
-        <p:spPr/>
+        <p:spPr>
+          <a:xfrm>
+            <a:off x="549275" y="107576"/>
+            <a:ext cx="8042276" cy="1336956"/>
+          </a:xfrm>
+        </p:spPr>
         <p:txBody>
           <a:bodyPr/>
           <a:lstStyle/>
@@ -8209,7 +8932,7 @@
               <a:rPr lang="en-US" smtClean="0"/>
               <a:t>Click to edit Master title style</a:t>
             </a:r>
-            <a:endParaRPr lang="en-US"/>
+            <a:endParaRPr/>
           </a:p>
         </p:txBody>
       </p:sp>
@@ -8225,21 +8948,26 @@
         </p:nvSpPr>
         <p:spPr>
           <a:xfrm>
-            <a:off x="457200" y="1600200"/>
-            <a:ext cx="4038600" cy="4525963"/>
+            <a:off x="549275" y="1600201"/>
+            <a:ext cx="3840480" cy="4343400"/>
           </a:xfrm>
         </p:spPr>
         <p:txBody>
-          <a:bodyPr/>
+          <a:bodyPr>
+            <a:normAutofit/>
+          </a:bodyPr>
           <a:lstStyle>
             <a:lvl1pPr>
-              <a:defRPr sz="2800"/>
+              <a:spcBef>
+                <a:spcPts val="1600"/>
+              </a:spcBef>
+              <a:defRPr sz="2000"/>
             </a:lvl1pPr>
             <a:lvl2pPr>
-              <a:defRPr sz="2400"/>
+              <a:defRPr sz="1800"/>
             </a:lvl2pPr>
             <a:lvl3pPr>
-              <a:defRPr sz="2000"/>
+              <a:defRPr sz="1800"/>
             </a:lvl3pPr>
             <a:lvl4pPr>
               <a:defRPr sz="1800"/>
@@ -8294,7 +9022,7 @@
               <a:rPr lang="en-US" smtClean="0"/>
               <a:t>Fifth level</a:t>
             </a:r>
-            <a:endParaRPr lang="en-US"/>
+            <a:endParaRPr dirty="0"/>
           </a:p>
         </p:txBody>
       </p:sp>
@@ -8310,21 +9038,26 @@
         </p:nvSpPr>
         <p:spPr>
           <a:xfrm>
-            <a:off x="4648200" y="1600200"/>
-            <a:ext cx="4038600" cy="4525963"/>
+            <a:off x="4751071" y="1600201"/>
+            <a:ext cx="3840480" cy="4343400"/>
           </a:xfrm>
         </p:spPr>
         <p:txBody>
-          <a:bodyPr/>
+          <a:bodyPr>
+            <a:normAutofit/>
+          </a:bodyPr>
           <a:lstStyle>
             <a:lvl1pPr>
-              <a:defRPr sz="2800"/>
+              <a:spcBef>
+                <a:spcPts val="1600"/>
+              </a:spcBef>
+              <a:defRPr sz="2000"/>
             </a:lvl1pPr>
             <a:lvl2pPr>
-              <a:defRPr sz="2400"/>
+              <a:defRPr sz="1800"/>
             </a:lvl2pPr>
             <a:lvl3pPr>
-              <a:defRPr sz="2000"/>
+              <a:defRPr sz="1800"/>
             </a:lvl3pPr>
             <a:lvl4pPr>
               <a:defRPr sz="1800"/>
@@ -8379,7 +9112,7 @@
               <a:rPr lang="en-US" smtClean="0"/>
               <a:t>Fifth level</a:t>
             </a:r>
-            <a:endParaRPr lang="en-US"/>
+            <a:endParaRPr dirty="0"/>
           </a:p>
         </p:txBody>
       </p:sp>
@@ -8400,7 +9133,7 @@
           <a:p>
             <a:fld id="{7BF5BA33-EE32-EC46-A7E6-BDC621AB995A}" type="datetimeFigureOut">
               <a:rPr lang="en-US" smtClean="0"/>
-              <a:t>6/30/17</a:t>
+              <a:t>7/3/17</a:t>
             </a:fld>
             <a:endParaRPr lang="en-US"/>
           </a:p>
@@ -8449,11 +9182,6 @@
         </p:txBody>
       </p:sp>
     </p:spTree>
-    <p:extLst>
-      <p:ext uri="{BB962C8B-B14F-4D97-AF65-F5344CB8AC3E}">
-        <p14:creationId xmlns:p14="http://schemas.microsoft.com/office/powerpoint/2010/main" val="435343511"/>
-      </p:ext>
-    </p:extLst>
   </p:cSld>
   <p:clrMapOvr>
     <a:masterClrMapping/>
@@ -8461,7 +9189,7 @@
 </p:sldLayout>
 </file>
 
-<file path=ppt/slideLayouts/slideLayout5.xml><?xml version="1.0" encoding="utf-8"?>
+<file path=ppt/slideLayouts/slideLayout6.xml><?xml version="1.0" encoding="utf-8"?>
 <p:sldLayout xmlns:a="http://schemas.openxmlformats.org/drawingml/2006/main" xmlns:r="http://schemas.openxmlformats.org/officeDocument/2006/relationships" xmlns:p="http://schemas.openxmlformats.org/presentationml/2006/main" type="twoTxTwoObj" preserve="1">
   <p:cSld name="Comparison">
     <p:spTree>
@@ -8488,7 +9216,12 @@
             <p:ph type="title"/>
           </p:nvPr>
         </p:nvSpPr>
-        <p:spPr/>
+        <p:spPr>
+          <a:xfrm>
+            <a:off x="549274" y="107576"/>
+            <a:ext cx="8042276" cy="1336956"/>
+          </a:xfrm>
+        </p:spPr>
         <p:txBody>
           <a:bodyPr/>
           <a:lstStyle>
@@ -8501,7 +9234,7 @@
               <a:rPr lang="en-US" smtClean="0"/>
               <a:t>Click to edit Master title style</a:t>
             </a:r>
-            <a:endParaRPr lang="en-US"/>
+            <a:endParaRPr/>
           </a:p>
         </p:txBody>
       </p:sp>
@@ -8517,16 +9250,28 @@
         </p:nvSpPr>
         <p:spPr>
           <a:xfrm>
-            <a:off x="457200" y="1535113"/>
-            <a:ext cx="4040188" cy="639762"/>
+            <a:off x="549274" y="1453224"/>
+            <a:ext cx="3840480" cy="750887"/>
           </a:xfrm>
         </p:spPr>
         <p:txBody>
-          <a:bodyPr anchor="b"/>
+          <a:bodyPr anchor="b">
+            <a:noAutofit/>
+          </a:bodyPr>
           <a:lstStyle>
-            <a:lvl1pPr marL="0" indent="0">
+            <a:lvl1pPr marL="0" indent="0" algn="ctr">
+              <a:spcBef>
+                <a:spcPts val="0"/>
+              </a:spcBef>
               <a:buNone/>
-              <a:defRPr sz="2400" b="1"/>
+              <a:defRPr sz="2400" b="0">
+                <a:solidFill>
+                  <a:schemeClr val="accent1">
+                    <a:lumMod val="60000"/>
+                    <a:lumOff val="40000"/>
+                  </a:schemeClr>
+                </a:solidFill>
+              </a:defRPr>
             </a:lvl1pPr>
             <a:lvl2pPr marL="457200" indent="0">
               <a:buNone/>
@@ -8582,27 +9327,32 @@
         </p:nvSpPr>
         <p:spPr>
           <a:xfrm>
-            <a:off x="457200" y="2174875"/>
-            <a:ext cx="4040188" cy="3951288"/>
+            <a:off x="549274" y="2347415"/>
+            <a:ext cx="3840480" cy="3596185"/>
           </a:xfrm>
         </p:spPr>
         <p:txBody>
-          <a:bodyPr/>
+          <a:bodyPr>
+            <a:normAutofit/>
+          </a:bodyPr>
           <a:lstStyle>
             <a:lvl1pPr>
-              <a:defRPr sz="2400"/>
+              <a:spcBef>
+                <a:spcPts val="1600"/>
+              </a:spcBef>
+              <a:defRPr sz="2000"/>
             </a:lvl1pPr>
             <a:lvl2pPr>
-              <a:defRPr sz="2000"/>
+              <a:defRPr sz="1800"/>
             </a:lvl2pPr>
             <a:lvl3pPr>
               <a:defRPr sz="1800"/>
             </a:lvl3pPr>
             <a:lvl4pPr>
-              <a:defRPr sz="1600"/>
+              <a:defRPr sz="1800"/>
             </a:lvl4pPr>
             <a:lvl5pPr>
-              <a:defRPr sz="1600"/>
+              <a:defRPr sz="1800"/>
             </a:lvl5pPr>
             <a:lvl6pPr>
               <a:defRPr sz="1600"/>
@@ -8651,7 +9401,7 @@
               <a:rPr lang="en-US" smtClean="0"/>
               <a:t>Fifth level</a:t>
             </a:r>
-            <a:endParaRPr lang="en-US"/>
+            <a:endParaRPr dirty="0"/>
           </a:p>
         </p:txBody>
       </p:sp>
@@ -8667,16 +9417,28 @@
         </p:nvSpPr>
         <p:spPr>
           <a:xfrm>
-            <a:off x="4645025" y="1535113"/>
-            <a:ext cx="4041775" cy="639762"/>
+            <a:off x="4751070" y="1453224"/>
+            <a:ext cx="3840480" cy="750887"/>
           </a:xfrm>
         </p:spPr>
         <p:txBody>
-          <a:bodyPr anchor="b"/>
+          <a:bodyPr anchor="b">
+            <a:noAutofit/>
+          </a:bodyPr>
           <a:lstStyle>
-            <a:lvl1pPr marL="0" indent="0">
+            <a:lvl1pPr marL="0" indent="0" algn="ctr">
+              <a:spcBef>
+                <a:spcPts val="0"/>
+              </a:spcBef>
               <a:buNone/>
-              <a:defRPr sz="2400" b="1"/>
+              <a:defRPr sz="2400" b="0">
+                <a:solidFill>
+                  <a:schemeClr val="accent1">
+                    <a:lumMod val="60000"/>
+                    <a:lumOff val="40000"/>
+                  </a:schemeClr>
+                </a:solidFill>
+              </a:defRPr>
             </a:lvl1pPr>
             <a:lvl2pPr marL="457200" indent="0">
               <a:buNone/>
@@ -8732,27 +9494,32 @@
         </p:nvSpPr>
         <p:spPr>
           <a:xfrm>
-            <a:off x="4645025" y="2174875"/>
-            <a:ext cx="4041775" cy="3951288"/>
+            <a:off x="4751070" y="2347415"/>
+            <a:ext cx="3840480" cy="3596185"/>
           </a:xfrm>
         </p:spPr>
         <p:txBody>
-          <a:bodyPr/>
+          <a:bodyPr>
+            <a:normAutofit/>
+          </a:bodyPr>
           <a:lstStyle>
             <a:lvl1pPr>
-              <a:defRPr sz="2400"/>
+              <a:spcBef>
+                <a:spcPts val="1600"/>
+              </a:spcBef>
+              <a:defRPr sz="2000"/>
             </a:lvl1pPr>
             <a:lvl2pPr>
-              <a:defRPr sz="2000"/>
+              <a:defRPr sz="1800"/>
             </a:lvl2pPr>
             <a:lvl3pPr>
               <a:defRPr sz="1800"/>
             </a:lvl3pPr>
             <a:lvl4pPr>
-              <a:defRPr sz="1600"/>
+              <a:defRPr sz="1800"/>
             </a:lvl4pPr>
             <a:lvl5pPr>
-              <a:defRPr sz="1600"/>
+              <a:defRPr sz="1800"/>
             </a:lvl5pPr>
             <a:lvl6pPr>
               <a:defRPr sz="1600"/>
@@ -8801,7 +9568,7 @@
               <a:rPr lang="en-US" smtClean="0"/>
               <a:t>Fifth level</a:t>
             </a:r>
-            <a:endParaRPr lang="en-US"/>
+            <a:endParaRPr dirty="0"/>
           </a:p>
         </p:txBody>
       </p:sp>
@@ -8822,7 +9589,7 @@
           <a:p>
             <a:fld id="{7BF5BA33-EE32-EC46-A7E6-BDC621AB995A}" type="datetimeFigureOut">
               <a:rPr lang="en-US" smtClean="0"/>
-              <a:t>6/30/17</a:t>
+              <a:t>7/3/17</a:t>
             </a:fld>
             <a:endParaRPr lang="en-US"/>
           </a:p>
@@ -8871,11 +9638,6 @@
         </p:txBody>
       </p:sp>
     </p:spTree>
-    <p:extLst>
-      <p:ext uri="{BB962C8B-B14F-4D97-AF65-F5344CB8AC3E}">
-        <p14:creationId xmlns:p14="http://schemas.microsoft.com/office/powerpoint/2010/main" val="165197733"/>
-      </p:ext>
-    </p:extLst>
   </p:cSld>
   <p:clrMapOvr>
     <a:masterClrMapping/>
@@ -8883,7 +9645,7 @@
 </p:sldLayout>
 </file>
 
-<file path=ppt/slideLayouts/slideLayout6.xml><?xml version="1.0" encoding="utf-8"?>
+<file path=ppt/slideLayouts/slideLayout7.xml><?xml version="1.0" encoding="utf-8"?>
 <p:sldLayout xmlns:a="http://schemas.openxmlformats.org/drawingml/2006/main" xmlns:r="http://schemas.openxmlformats.org/officeDocument/2006/relationships" xmlns:p="http://schemas.openxmlformats.org/presentationml/2006/main" type="titleOnly" preserve="1">
   <p:cSld name="Title Only">
     <p:spTree>
@@ -8919,7 +9681,7 @@
               <a:rPr lang="en-US" smtClean="0"/>
               <a:t>Click to edit Master title style</a:t>
             </a:r>
-            <a:endParaRPr lang="en-US"/>
+            <a:endParaRPr/>
           </a:p>
         </p:txBody>
       </p:sp>
@@ -8940,7 +9702,7 @@
           <a:p>
             <a:fld id="{7BF5BA33-EE32-EC46-A7E6-BDC621AB995A}" type="datetimeFigureOut">
               <a:rPr lang="en-US" smtClean="0"/>
-              <a:t>6/30/17</a:t>
+              <a:t>7/3/17</a:t>
             </a:fld>
             <a:endParaRPr lang="en-US"/>
           </a:p>
@@ -8989,11 +9751,6 @@
         </p:txBody>
       </p:sp>
     </p:spTree>
-    <p:extLst>
-      <p:ext uri="{BB962C8B-B14F-4D97-AF65-F5344CB8AC3E}">
-        <p14:creationId xmlns:p14="http://schemas.microsoft.com/office/powerpoint/2010/main" val="400998514"/>
-      </p:ext>
-    </p:extLst>
   </p:cSld>
   <p:clrMapOvr>
     <a:masterClrMapping/>
@@ -9001,7 +9758,7 @@
 </p:sldLayout>
 </file>
 
-<file path=ppt/slideLayouts/slideLayout7.xml><?xml version="1.0" encoding="utf-8"?>
+<file path=ppt/slideLayouts/slideLayout8.xml><?xml version="1.0" encoding="utf-8"?>
 <p:sldLayout xmlns:a="http://schemas.openxmlformats.org/drawingml/2006/main" xmlns:r="http://schemas.openxmlformats.org/officeDocument/2006/relationships" xmlns:p="http://schemas.openxmlformats.org/presentationml/2006/main" type="blank" preserve="1">
   <p:cSld name="Blank">
     <p:spTree>
@@ -9035,7 +9792,7 @@
           <a:p>
             <a:fld id="{7BF5BA33-EE32-EC46-A7E6-BDC621AB995A}" type="datetimeFigureOut">
               <a:rPr lang="en-US" smtClean="0"/>
-              <a:t>6/30/17</a:t>
+              <a:t>7/3/17</a:t>
             </a:fld>
             <a:endParaRPr lang="en-US"/>
           </a:p>
@@ -9084,11 +9841,6 @@
         </p:txBody>
       </p:sp>
     </p:spTree>
-    <p:extLst>
-      <p:ext uri="{BB962C8B-B14F-4D97-AF65-F5344CB8AC3E}">
-        <p14:creationId xmlns:p14="http://schemas.microsoft.com/office/powerpoint/2010/main" val="2120050282"/>
-      </p:ext>
-    </p:extLst>
   </p:cSld>
   <p:clrMapOvr>
     <a:masterClrMapping/>
@@ -9096,7 +9848,7 @@
 </p:sldLayout>
 </file>
 
-<file path=ppt/slideLayouts/slideLayout8.xml><?xml version="1.0" encoding="utf-8"?>
+<file path=ppt/slideLayouts/slideLayout9.xml><?xml version="1.0" encoding="utf-8"?>
 <p:sldLayout xmlns:a="http://schemas.openxmlformats.org/drawingml/2006/main" xmlns:r="http://schemas.openxmlformats.org/officeDocument/2006/relationships" xmlns:p="http://schemas.openxmlformats.org/presentationml/2006/main" type="objTx" preserve="1">
   <p:cSld name="Content with Caption">
     <p:spTree>
@@ -9125,15 +9877,15 @@
         </p:nvSpPr>
         <p:spPr>
           <a:xfrm>
-            <a:off x="457200" y="273050"/>
-            <a:ext cx="3008313" cy="1162050"/>
+            <a:off x="533399" y="611872"/>
+            <a:ext cx="3840480" cy="1162050"/>
           </a:xfrm>
         </p:spPr>
         <p:txBody>
           <a:bodyPr anchor="b"/>
           <a:lstStyle>
-            <a:lvl1pPr algn="l">
-              <a:defRPr sz="2000" b="1"/>
+            <a:lvl1pPr algn="ctr">
+              <a:defRPr sz="3600" b="0"/>
             </a:lvl1pPr>
           </a:lstStyle>
           <a:p>
@@ -9141,7 +9893,7 @@
               <a:rPr lang="en-US" smtClean="0"/>
               <a:t>Click to edit Master title style</a:t>
             </a:r>
-            <a:endParaRPr lang="en-US"/>
+            <a:endParaRPr/>
           </a:p>
         </p:txBody>
       </p:sp>
@@ -9157,27 +9909,32 @@
         </p:nvSpPr>
         <p:spPr>
           <a:xfrm>
-            <a:off x="3575050" y="273050"/>
-            <a:ext cx="5111750" cy="5853113"/>
+            <a:off x="4742824" y="368300"/>
+            <a:ext cx="3840480" cy="5575300"/>
           </a:xfrm>
         </p:spPr>
         <p:txBody>
-          <a:bodyPr/>
+          <a:bodyPr>
+            <a:normAutofit/>
+          </a:bodyPr>
           <a:lstStyle>
             <a:lvl1pPr>
-              <a:defRPr sz="3200"/>
+              <a:spcBef>
+                <a:spcPts val="2000"/>
+              </a:spcBef>
+              <a:defRPr sz="2200"/>
             </a:lvl1pPr>
             <a:lvl2pPr>
-              <a:defRPr sz="2800"/>
+              <a:defRPr sz="2000"/>
             </a:lvl2pPr>
             <a:lvl3pPr>
-              <a:defRPr sz="2400"/>
+              <a:defRPr sz="1800"/>
             </a:lvl3pPr>
             <a:lvl4pPr>
-              <a:defRPr sz="2000"/>
+              <a:defRPr sz="1800"/>
             </a:lvl4pPr>
             <a:lvl5pPr>
-              <a:defRPr sz="2000"/>
+              <a:defRPr sz="1800"/>
             </a:lvl5pPr>
             <a:lvl6pPr>
               <a:defRPr sz="2000"/>
@@ -9226,7 +9983,7 @@
               <a:rPr lang="en-US" smtClean="0"/>
               <a:t>Fifth level</a:t>
             </a:r>
-            <a:endParaRPr lang="en-US"/>
+            <a:endParaRPr dirty="0"/>
           </a:p>
         </p:txBody>
       </p:sp>
@@ -9242,16 +9999,21 @@
         </p:nvSpPr>
         <p:spPr>
           <a:xfrm>
-            <a:off x="457200" y="1435100"/>
-            <a:ext cx="3008313" cy="4691063"/>
+            <a:off x="533399" y="1787856"/>
+            <a:ext cx="3840480" cy="3720152"/>
           </a:xfrm>
         </p:spPr>
         <p:txBody>
-          <a:bodyPr/>
+          <a:bodyPr>
+            <a:normAutofit/>
+          </a:bodyPr>
           <a:lstStyle>
-            <a:lvl1pPr marL="0" indent="0">
+            <a:lvl1pPr marL="0" indent="0" algn="ctr">
+              <a:spcBef>
+                <a:spcPts val="600"/>
+              </a:spcBef>
               <a:buNone/>
-              <a:defRPr sz="1400"/>
+              <a:defRPr sz="1800"/>
             </a:lvl1pPr>
             <a:lvl2pPr marL="457200" indent="0">
               <a:buNone/>
@@ -9312,7 +10074,7 @@
           <a:p>
             <a:fld id="{7BF5BA33-EE32-EC46-A7E6-BDC621AB995A}" type="datetimeFigureOut">
               <a:rPr lang="en-US" smtClean="0"/>
-              <a:t>6/30/17</a:t>
+              <a:t>7/3/17</a:t>
             </a:fld>
             <a:endParaRPr lang="en-US"/>
           </a:p>
@@ -9361,264 +10123,6 @@
         </p:txBody>
       </p:sp>
     </p:spTree>
-    <p:extLst>
-      <p:ext uri="{BB962C8B-B14F-4D97-AF65-F5344CB8AC3E}">
-        <p14:creationId xmlns:p14="http://schemas.microsoft.com/office/powerpoint/2010/main" val="1914472578"/>
-      </p:ext>
-    </p:extLst>
-  </p:cSld>
-  <p:clrMapOvr>
-    <a:masterClrMapping/>
-  </p:clrMapOvr>
-</p:sldLayout>
-</file>
-
-<file path=ppt/slideLayouts/slideLayout9.xml><?xml version="1.0" encoding="utf-8"?>
-<p:sldLayout xmlns:a="http://schemas.openxmlformats.org/drawingml/2006/main" xmlns:r="http://schemas.openxmlformats.org/officeDocument/2006/relationships" xmlns:p="http://schemas.openxmlformats.org/presentationml/2006/main" type="picTx" preserve="1">
-  <p:cSld name="Picture with Caption">
-    <p:spTree>
-      <p:nvGrpSpPr>
-        <p:cNvPr id="1" name=""/>
-        <p:cNvGrpSpPr/>
-        <p:nvPr/>
-      </p:nvGrpSpPr>
-      <p:grpSpPr>
-        <a:xfrm>
-          <a:off x="0" y="0"/>
-          <a:ext cx="0" cy="0"/>
-          <a:chOff x="0" y="0"/>
-          <a:chExt cx="0" cy="0"/>
-        </a:xfrm>
-      </p:grpSpPr>
-      <p:sp>
-        <p:nvSpPr>
-          <p:cNvPr id="2" name="Title 1"/>
-          <p:cNvSpPr>
-            <a:spLocks noGrp="1"/>
-          </p:cNvSpPr>
-          <p:nvPr>
-            <p:ph type="title"/>
-          </p:nvPr>
-        </p:nvSpPr>
-        <p:spPr>
-          <a:xfrm>
-            <a:off x="1792288" y="4800600"/>
-            <a:ext cx="5486400" cy="566738"/>
-          </a:xfrm>
-        </p:spPr>
-        <p:txBody>
-          <a:bodyPr anchor="b"/>
-          <a:lstStyle>
-            <a:lvl1pPr algn="l">
-              <a:defRPr sz="2000" b="1"/>
-            </a:lvl1pPr>
-          </a:lstStyle>
-          <a:p>
-            <a:r>
-              <a:rPr lang="en-US" smtClean="0"/>
-              <a:t>Click to edit Master title style</a:t>
-            </a:r>
-            <a:endParaRPr lang="en-US"/>
-          </a:p>
-        </p:txBody>
-      </p:sp>
-      <p:sp>
-        <p:nvSpPr>
-          <p:cNvPr id="3" name="Picture Placeholder 2"/>
-          <p:cNvSpPr>
-            <a:spLocks noGrp="1"/>
-          </p:cNvSpPr>
-          <p:nvPr>
-            <p:ph type="pic" idx="1"/>
-          </p:nvPr>
-        </p:nvSpPr>
-        <p:spPr>
-          <a:xfrm>
-            <a:off x="1792288" y="612775"/>
-            <a:ext cx="5486400" cy="4114800"/>
-          </a:xfrm>
-        </p:spPr>
-        <p:txBody>
-          <a:bodyPr/>
-          <a:lstStyle>
-            <a:lvl1pPr marL="0" indent="0">
-              <a:buNone/>
-              <a:defRPr sz="3200"/>
-            </a:lvl1pPr>
-            <a:lvl2pPr marL="457200" indent="0">
-              <a:buNone/>
-              <a:defRPr sz="2800"/>
-            </a:lvl2pPr>
-            <a:lvl3pPr marL="914400" indent="0">
-              <a:buNone/>
-              <a:defRPr sz="2400"/>
-            </a:lvl3pPr>
-            <a:lvl4pPr marL="1371600" indent="0">
-              <a:buNone/>
-              <a:defRPr sz="2000"/>
-            </a:lvl4pPr>
-            <a:lvl5pPr marL="1828800" indent="0">
-              <a:buNone/>
-              <a:defRPr sz="2000"/>
-            </a:lvl5pPr>
-            <a:lvl6pPr marL="2286000" indent="0">
-              <a:buNone/>
-              <a:defRPr sz="2000"/>
-            </a:lvl6pPr>
-            <a:lvl7pPr marL="2743200" indent="0">
-              <a:buNone/>
-              <a:defRPr sz="2000"/>
-            </a:lvl7pPr>
-            <a:lvl8pPr marL="3200400" indent="0">
-              <a:buNone/>
-              <a:defRPr sz="2000"/>
-            </a:lvl8pPr>
-            <a:lvl9pPr marL="3657600" indent="0">
-              <a:buNone/>
-              <a:defRPr sz="2000"/>
-            </a:lvl9pPr>
-          </a:lstStyle>
-          <a:p>
-            <a:endParaRPr lang="en-US"/>
-          </a:p>
-        </p:txBody>
-      </p:sp>
-      <p:sp>
-        <p:nvSpPr>
-          <p:cNvPr id="4" name="Text Placeholder 3"/>
-          <p:cNvSpPr>
-            <a:spLocks noGrp="1"/>
-          </p:cNvSpPr>
-          <p:nvPr>
-            <p:ph type="body" sz="half" idx="2"/>
-          </p:nvPr>
-        </p:nvSpPr>
-        <p:spPr>
-          <a:xfrm>
-            <a:off x="1792288" y="5367338"/>
-            <a:ext cx="5486400" cy="804862"/>
-          </a:xfrm>
-        </p:spPr>
-        <p:txBody>
-          <a:bodyPr/>
-          <a:lstStyle>
-            <a:lvl1pPr marL="0" indent="0">
-              <a:buNone/>
-              <a:defRPr sz="1400"/>
-            </a:lvl1pPr>
-            <a:lvl2pPr marL="457200" indent="0">
-              <a:buNone/>
-              <a:defRPr sz="1200"/>
-            </a:lvl2pPr>
-            <a:lvl3pPr marL="914400" indent="0">
-              <a:buNone/>
-              <a:defRPr sz="1000"/>
-            </a:lvl3pPr>
-            <a:lvl4pPr marL="1371600" indent="0">
-              <a:buNone/>
-              <a:defRPr sz="900"/>
-            </a:lvl4pPr>
-            <a:lvl5pPr marL="1828800" indent="0">
-              <a:buNone/>
-              <a:defRPr sz="900"/>
-            </a:lvl5pPr>
-            <a:lvl6pPr marL="2286000" indent="0">
-              <a:buNone/>
-              <a:defRPr sz="900"/>
-            </a:lvl6pPr>
-            <a:lvl7pPr marL="2743200" indent="0">
-              <a:buNone/>
-              <a:defRPr sz="900"/>
-            </a:lvl7pPr>
-            <a:lvl8pPr marL="3200400" indent="0">
-              <a:buNone/>
-              <a:defRPr sz="900"/>
-            </a:lvl8pPr>
-            <a:lvl9pPr marL="3657600" indent="0">
-              <a:buNone/>
-              <a:defRPr sz="900"/>
-            </a:lvl9pPr>
-          </a:lstStyle>
-          <a:p>
-            <a:pPr lvl="0"/>
-            <a:r>
-              <a:rPr lang="en-US" smtClean="0"/>
-              <a:t>Click to edit Master text styles</a:t>
-            </a:r>
-          </a:p>
-        </p:txBody>
-      </p:sp>
-      <p:sp>
-        <p:nvSpPr>
-          <p:cNvPr id="5" name="Date Placeholder 4"/>
-          <p:cNvSpPr>
-            <a:spLocks noGrp="1"/>
-          </p:cNvSpPr>
-          <p:nvPr>
-            <p:ph type="dt" sz="half" idx="10"/>
-          </p:nvPr>
-        </p:nvSpPr>
-        <p:spPr/>
-        <p:txBody>
-          <a:bodyPr/>
-          <a:lstStyle/>
-          <a:p>
-            <a:fld id="{7BF5BA33-EE32-EC46-A7E6-BDC621AB995A}" type="datetimeFigureOut">
-              <a:rPr lang="en-US" smtClean="0"/>
-              <a:t>6/30/17</a:t>
-            </a:fld>
-            <a:endParaRPr lang="en-US"/>
-          </a:p>
-        </p:txBody>
-      </p:sp>
-      <p:sp>
-        <p:nvSpPr>
-          <p:cNvPr id="6" name="Footer Placeholder 5"/>
-          <p:cNvSpPr>
-            <a:spLocks noGrp="1"/>
-          </p:cNvSpPr>
-          <p:nvPr>
-            <p:ph type="ftr" sz="quarter" idx="11"/>
-          </p:nvPr>
-        </p:nvSpPr>
-        <p:spPr/>
-        <p:txBody>
-          <a:bodyPr/>
-          <a:lstStyle/>
-          <a:p>
-            <a:endParaRPr lang="en-US"/>
-          </a:p>
-        </p:txBody>
-      </p:sp>
-      <p:sp>
-        <p:nvSpPr>
-          <p:cNvPr id="7" name="Slide Number Placeholder 6"/>
-          <p:cNvSpPr>
-            <a:spLocks noGrp="1"/>
-          </p:cNvSpPr>
-          <p:nvPr>
-            <p:ph type="sldNum" sz="quarter" idx="12"/>
-          </p:nvPr>
-        </p:nvSpPr>
-        <p:spPr/>
-        <p:txBody>
-          <a:bodyPr/>
-          <a:lstStyle/>
-          <a:p>
-            <a:fld id="{AC385830-0039-134D-96E5-94BF6391F550}" type="slidenum">
-              <a:rPr lang="en-US" smtClean="0"/>
-              <a:t>‹#›</a:t>
-            </a:fld>
-            <a:endParaRPr lang="en-US"/>
-          </a:p>
-        </p:txBody>
-      </p:sp>
-    </p:spTree>
-    <p:extLst>
-      <p:ext uri="{BB962C8B-B14F-4D97-AF65-F5344CB8AC3E}">
-        <p14:creationId xmlns:p14="http://schemas.microsoft.com/office/powerpoint/2010/main" val="3912435111"/>
-      </p:ext>
-    </p:extLst>
   </p:cSld>
   <p:clrMapOvr>
     <a:masterClrMapping/>
@@ -9630,8 +10134,8 @@
 <p:sldMaster xmlns:a="http://schemas.openxmlformats.org/drawingml/2006/main" xmlns:r="http://schemas.openxmlformats.org/officeDocument/2006/relationships" xmlns:p="http://schemas.openxmlformats.org/presentationml/2006/main">
   <p:cSld>
     <p:bg>
-      <p:bgRef idx="1001">
-        <a:schemeClr val="bg1"/>
+      <p:bgRef idx="1003">
+        <a:schemeClr val="bg2"/>
       </p:bgRef>
     </p:bg>
     <p:spTree>
@@ -9660,16 +10164,16 @@
         </p:nvSpPr>
         <p:spPr>
           <a:xfrm>
-            <a:off x="457200" y="274638"/>
-            <a:ext cx="8229600" cy="1143000"/>
+            <a:off x="549275" y="107576"/>
+            <a:ext cx="8042276" cy="1336956"/>
           </a:xfrm>
           <a:prstGeom prst="rect">
             <a:avLst/>
           </a:prstGeom>
         </p:spPr>
         <p:txBody>
-          <a:bodyPr vert="horz" lIns="91440" tIns="45720" rIns="91440" bIns="45720" rtlCol="0" anchor="ctr">
-            <a:normAutofit/>
+          <a:bodyPr vert="horz" lIns="91440" tIns="45720" rIns="91440" bIns="45720" rtlCol="0" anchor="b" anchorCtr="0">
+            <a:noAutofit/>
           </a:bodyPr>
           <a:lstStyle/>
           <a:p>
@@ -9677,7 +10181,7 @@
               <a:rPr lang="en-US" smtClean="0"/>
               <a:t>Click to edit Master title style</a:t>
             </a:r>
-            <a:endParaRPr lang="en-US"/>
+            <a:endParaRPr/>
           </a:p>
         </p:txBody>
       </p:sp>
@@ -9693,8 +10197,8 @@
         </p:nvSpPr>
         <p:spPr>
           <a:xfrm>
-            <a:off x="457200" y="1600200"/>
-            <a:ext cx="8229600" cy="4525963"/>
+            <a:off x="549275" y="1600201"/>
+            <a:ext cx="8042276" cy="4343400"/>
           </a:xfrm>
           <a:prstGeom prst="rect">
             <a:avLst/>
@@ -9739,7 +10243,7 @@
               <a:rPr lang="en-US" smtClean="0"/>
               <a:t>Fifth level</a:t>
             </a:r>
-            <a:endParaRPr lang="en-US"/>
+            <a:endParaRPr dirty="0"/>
           </a:p>
         </p:txBody>
       </p:sp>
@@ -9755,7 +10259,7 @@
         </p:nvSpPr>
         <p:spPr>
           <a:xfrm>
-            <a:off x="457200" y="6356350"/>
+            <a:off x="5629835" y="6275668"/>
             <a:ext cx="2133600" cy="365125"/>
           </a:xfrm>
           <a:prstGeom prst="rect">
@@ -9765,12 +10269,10 @@
         <p:txBody>
           <a:bodyPr vert="horz" lIns="91440" tIns="45720" rIns="91440" bIns="45720" rtlCol="0" anchor="ctr"/>
           <a:lstStyle>
-            <a:lvl1pPr algn="l">
+            <a:lvl1pPr algn="r">
               <a:defRPr sz="1200">
                 <a:solidFill>
-                  <a:schemeClr val="tx1">
-                    <a:tint val="75000"/>
-                  </a:schemeClr>
+                  <a:schemeClr val="bg1"/>
                 </a:solidFill>
               </a:defRPr>
             </a:lvl1pPr>
@@ -9778,7 +10280,7 @@
           <a:p>
             <a:fld id="{7BF5BA33-EE32-EC46-A7E6-BDC621AB995A}" type="datetimeFigureOut">
               <a:rPr lang="en-US" smtClean="0"/>
-              <a:t>6/30/17</a:t>
+              <a:t>7/3/17</a:t>
             </a:fld>
             <a:endParaRPr lang="en-US"/>
           </a:p>
@@ -9796,8 +10298,8 @@
         </p:nvSpPr>
         <p:spPr>
           <a:xfrm>
-            <a:off x="3124200" y="6356350"/>
-            <a:ext cx="2895600" cy="365125"/>
+            <a:off x="264458" y="6275668"/>
+            <a:ext cx="4840941" cy="365125"/>
           </a:xfrm>
           <a:prstGeom prst="rect">
             <a:avLst/>
@@ -9806,12 +10308,10 @@
         <p:txBody>
           <a:bodyPr vert="horz" lIns="91440" tIns="45720" rIns="91440" bIns="45720" rtlCol="0" anchor="ctr"/>
           <a:lstStyle>
-            <a:lvl1pPr algn="ctr">
+            <a:lvl1pPr algn="l">
               <a:defRPr sz="1200">
                 <a:solidFill>
-                  <a:schemeClr val="tx1">
-                    <a:tint val="75000"/>
-                  </a:schemeClr>
+                  <a:schemeClr val="bg1"/>
                 </a:solidFill>
               </a:defRPr>
             </a:lvl1pPr>
@@ -9833,8 +10333,8 @@
         </p:nvSpPr>
         <p:spPr>
           <a:xfrm>
-            <a:off x="6553200" y="6356350"/>
-            <a:ext cx="2133600" cy="365125"/>
+            <a:off x="7897906" y="6275668"/>
+            <a:ext cx="990600" cy="365125"/>
           </a:xfrm>
           <a:prstGeom prst="rect">
             <a:avLst/>
@@ -9844,11 +10344,9 @@
           <a:bodyPr vert="horz" lIns="91440" tIns="45720" rIns="91440" bIns="45720" rtlCol="0" anchor="ctr"/>
           <a:lstStyle>
             <a:lvl1pPr algn="r">
-              <a:defRPr sz="1200">
+              <a:defRPr sz="3600">
                 <a:solidFill>
-                  <a:schemeClr val="tx1">
-                    <a:tint val="75000"/>
-                  </a:schemeClr>
+                  <a:schemeClr val="bg1"/>
                 </a:solidFill>
               </a:defRPr>
             </a:lvl1pPr>
@@ -9863,36 +10361,32 @@
         </p:txBody>
       </p:sp>
     </p:spTree>
-    <p:extLst>
-      <p:ext uri="{BB962C8B-B14F-4D97-AF65-F5344CB8AC3E}">
-        <p14:creationId xmlns:p14="http://schemas.microsoft.com/office/powerpoint/2010/main" val="1162575579"/>
-      </p:ext>
-    </p:extLst>
   </p:cSld>
   <p:clrMap bg1="lt1" tx1="dk1" bg2="lt2" tx2="dk2" accent1="accent1" accent2="accent2" accent3="accent3" accent4="accent4" accent5="accent5" accent6="accent6" hlink="hlink" folHlink="folHlink"/>
   <p:sldLayoutIdLst>
-    <p:sldLayoutId id="2147483649" r:id="rId1"/>
-    <p:sldLayoutId id="2147483650" r:id="rId2"/>
-    <p:sldLayoutId id="2147483651" r:id="rId3"/>
-    <p:sldLayoutId id="2147483652" r:id="rId4"/>
-    <p:sldLayoutId id="2147483653" r:id="rId5"/>
-    <p:sldLayoutId id="2147483654" r:id="rId6"/>
-    <p:sldLayoutId id="2147483655" r:id="rId7"/>
-    <p:sldLayoutId id="2147483656" r:id="rId8"/>
-    <p:sldLayoutId id="2147483657" r:id="rId9"/>
-    <p:sldLayoutId id="2147483658" r:id="rId10"/>
-    <p:sldLayoutId id="2147483659" r:id="rId11"/>
+    <p:sldLayoutId id="2147483661" r:id="rId1"/>
+    <p:sldLayoutId id="2147483662" r:id="rId2"/>
+    <p:sldLayoutId id="2147483663" r:id="rId3"/>
+    <p:sldLayoutId id="2147483664" r:id="rId4"/>
+    <p:sldLayoutId id="2147483665" r:id="rId5"/>
+    <p:sldLayoutId id="2147483666" r:id="rId6"/>
+    <p:sldLayoutId id="2147483667" r:id="rId7"/>
+    <p:sldLayoutId id="2147483668" r:id="rId8"/>
+    <p:sldLayoutId id="2147483669" r:id="rId9"/>
+    <p:sldLayoutId id="2147483670" r:id="rId10"/>
+    <p:sldLayoutId id="2147483671" r:id="rId11"/>
+    <p:sldLayoutId id="2147483672" r:id="rId12"/>
   </p:sldLayoutIdLst>
   <p:txStyles>
     <p:titleStyle>
-      <a:lvl1pPr algn="ctr" defTabSz="457200" rtl="0" eaLnBrk="1" latinLnBrk="0" hangingPunct="1">
+      <a:lvl1pPr algn="ctr" defTabSz="914400" rtl="0" eaLnBrk="1" latinLnBrk="0" hangingPunct="1">
         <a:spcBef>
           <a:spcPct val="0"/>
         </a:spcBef>
         <a:buNone/>
-        <a:defRPr sz="4400" kern="1200">
+        <a:defRPr sz="4600" kern="1200">
           <a:solidFill>
-            <a:schemeClr val="tx1"/>
+            <a:schemeClr val="accent1"/>
           </a:solidFill>
           <a:latin typeface="+mj-lt"/>
           <a:ea typeface="+mj-ea"/>
@@ -9901,135 +10395,217 @@
       </a:lvl1pPr>
     </p:titleStyle>
     <p:bodyStyle>
-      <a:lvl1pPr marL="342900" indent="-342900" algn="l" defTabSz="457200" rtl="0" eaLnBrk="1" latinLnBrk="0" hangingPunct="1">
+      <a:lvl1pPr marL="349250" indent="-349250" algn="l" defTabSz="914400" rtl="0" eaLnBrk="1" latinLnBrk="0" hangingPunct="1">
         <a:spcBef>
-          <a:spcPct val="20000"/>
+          <a:spcPts val="2000"/>
         </a:spcBef>
-        <a:buFont typeface="Arial"/>
-        <a:buChar char="•"/>
-        <a:defRPr sz="3200" kern="1200">
+        <a:buClr>
+          <a:schemeClr val="accent1">
+            <a:lumMod val="60000"/>
+            <a:lumOff val="40000"/>
+          </a:schemeClr>
+        </a:buClr>
+        <a:buSzPct val="110000"/>
+        <a:buFont typeface="Wingdings 2" pitchFamily="18" charset="2"/>
+        <a:buChar char=""/>
+        <a:defRPr sz="2400" kern="1200">
           <a:solidFill>
-            <a:schemeClr val="tx1"/>
+            <a:schemeClr val="tx1">
+              <a:lumMod val="65000"/>
+              <a:lumOff val="35000"/>
+            </a:schemeClr>
           </a:solidFill>
           <a:latin typeface="+mn-lt"/>
           <a:ea typeface="+mn-ea"/>
           <a:cs typeface="+mn-cs"/>
         </a:defRPr>
       </a:lvl1pPr>
-      <a:lvl2pPr marL="742950" indent="-285750" algn="l" defTabSz="457200" rtl="0" eaLnBrk="1" latinLnBrk="0" hangingPunct="1">
+      <a:lvl2pPr marL="685800" indent="-336550" algn="l" defTabSz="914400" rtl="0" eaLnBrk="1" latinLnBrk="0" hangingPunct="1">
         <a:spcBef>
-          <a:spcPct val="20000"/>
+          <a:spcPts val="600"/>
         </a:spcBef>
-        <a:buFont typeface="Arial"/>
-        <a:buChar char="–"/>
-        <a:defRPr sz="2800" kern="1200">
+        <a:buClr>
+          <a:schemeClr val="accent1">
+            <a:lumMod val="75000"/>
+          </a:schemeClr>
+        </a:buClr>
+        <a:buSzPct val="110000"/>
+        <a:buFont typeface="Wingdings 2" pitchFamily="18" charset="2"/>
+        <a:buChar char=""/>
+        <a:defRPr sz="2200" kern="1200">
           <a:solidFill>
-            <a:schemeClr val="tx1"/>
+            <a:schemeClr val="tx1">
+              <a:lumMod val="65000"/>
+              <a:lumOff val="35000"/>
+            </a:schemeClr>
           </a:solidFill>
           <a:latin typeface="+mn-lt"/>
           <a:ea typeface="+mn-ea"/>
           <a:cs typeface="+mn-cs"/>
         </a:defRPr>
       </a:lvl2pPr>
-      <a:lvl3pPr marL="1143000" indent="-228600" algn="l" defTabSz="457200" rtl="0" eaLnBrk="1" latinLnBrk="0" hangingPunct="1">
+      <a:lvl3pPr marL="968375" indent="-282575" algn="l" defTabSz="914400" rtl="0" eaLnBrk="1" latinLnBrk="0" hangingPunct="1">
         <a:spcBef>
-          <a:spcPct val="20000"/>
+          <a:spcPts val="600"/>
         </a:spcBef>
-        <a:buFont typeface="Arial"/>
-        <a:buChar char="•"/>
-        <a:defRPr sz="2400" kern="1200">
+        <a:buClr>
+          <a:schemeClr val="accent1">
+            <a:lumMod val="60000"/>
+            <a:lumOff val="40000"/>
+          </a:schemeClr>
+        </a:buClr>
+        <a:buSzPct val="110000"/>
+        <a:buFont typeface="Wingdings 2" pitchFamily="18" charset="2"/>
+        <a:buChar char=""/>
+        <a:defRPr sz="2000" kern="1200">
           <a:solidFill>
-            <a:schemeClr val="tx1"/>
+            <a:schemeClr val="tx1">
+              <a:lumMod val="65000"/>
+              <a:lumOff val="35000"/>
+            </a:schemeClr>
           </a:solidFill>
           <a:latin typeface="+mn-lt"/>
           <a:ea typeface="+mn-ea"/>
           <a:cs typeface="+mn-cs"/>
         </a:defRPr>
       </a:lvl3pPr>
-      <a:lvl4pPr marL="1600200" indent="-228600" algn="l" defTabSz="457200" rtl="0" eaLnBrk="1" latinLnBrk="0" hangingPunct="1">
+      <a:lvl4pPr marL="1263650" indent="-295275" algn="l" defTabSz="914400" rtl="0" eaLnBrk="1" latinLnBrk="0" hangingPunct="1">
         <a:spcBef>
-          <a:spcPct val="20000"/>
+          <a:spcPts val="600"/>
         </a:spcBef>
-        <a:buFont typeface="Arial"/>
-        <a:buChar char="–"/>
-        <a:defRPr sz="2000" kern="1200">
+        <a:buClr>
+          <a:schemeClr val="accent1">
+            <a:lumMod val="75000"/>
+          </a:schemeClr>
+        </a:buClr>
+        <a:buSzPct val="110000"/>
+        <a:buFont typeface="Wingdings 2" pitchFamily="18" charset="2"/>
+        <a:buChar char=""/>
+        <a:defRPr sz="1800" kern="1200">
           <a:solidFill>
-            <a:schemeClr val="tx1"/>
+            <a:schemeClr val="tx1">
+              <a:lumMod val="65000"/>
+              <a:lumOff val="35000"/>
+            </a:schemeClr>
           </a:solidFill>
           <a:latin typeface="+mn-lt"/>
           <a:ea typeface="+mn-ea"/>
           <a:cs typeface="+mn-cs"/>
         </a:defRPr>
       </a:lvl4pPr>
-      <a:lvl5pPr marL="2057400" indent="-228600" algn="l" defTabSz="457200" rtl="0" eaLnBrk="1" latinLnBrk="0" hangingPunct="1">
+      <a:lvl5pPr marL="1546225" indent="-282575" algn="l" defTabSz="914400" rtl="0" eaLnBrk="1" latinLnBrk="0" hangingPunct="1">
         <a:spcBef>
-          <a:spcPct val="20000"/>
+          <a:spcPts val="600"/>
         </a:spcBef>
-        <a:buFont typeface="Arial"/>
-        <a:buChar char="»"/>
-        <a:defRPr sz="2000" kern="1200">
+        <a:buClr>
+          <a:schemeClr val="accent1">
+            <a:lumMod val="60000"/>
+            <a:lumOff val="40000"/>
+          </a:schemeClr>
+        </a:buClr>
+        <a:buSzPct val="110000"/>
+        <a:buFont typeface="Wingdings 2" pitchFamily="18" charset="2"/>
+        <a:buChar char=""/>
+        <a:defRPr sz="1800" kern="1200">
           <a:solidFill>
-            <a:schemeClr val="tx1"/>
+            <a:schemeClr val="tx1">
+              <a:lumMod val="65000"/>
+              <a:lumOff val="35000"/>
+            </a:schemeClr>
           </a:solidFill>
           <a:latin typeface="+mn-lt"/>
           <a:ea typeface="+mn-ea"/>
           <a:cs typeface="+mn-cs"/>
         </a:defRPr>
       </a:lvl5pPr>
-      <a:lvl6pPr marL="2514600" indent="-228600" algn="l" defTabSz="457200" rtl="0" eaLnBrk="1" latinLnBrk="0" hangingPunct="1">
+      <a:lvl6pPr marL="1828800" indent="-282575" algn="l" defTabSz="914400" rtl="0" eaLnBrk="1" latinLnBrk="0" hangingPunct="1">
         <a:spcBef>
           <a:spcPct val="20000"/>
         </a:spcBef>
-        <a:buFont typeface="Arial"/>
-        <a:buChar char="•"/>
-        <a:defRPr sz="2000" kern="1200">
+        <a:buClr>
+          <a:schemeClr val="accent2"/>
+        </a:buClr>
+        <a:buSzPct val="110000"/>
+        <a:buFont typeface="Wingdings 2" pitchFamily="18" charset="2"/>
+        <a:buChar char=""/>
+        <a:defRPr lang="en-US" sz="1800" kern="1200" dirty="0" smtClean="0">
           <a:solidFill>
-            <a:schemeClr val="tx1"/>
+            <a:schemeClr val="tx1">
+              <a:lumMod val="65000"/>
+              <a:lumOff val="35000"/>
+            </a:schemeClr>
           </a:solidFill>
           <a:latin typeface="+mn-lt"/>
           <a:ea typeface="+mn-ea"/>
           <a:cs typeface="+mn-cs"/>
         </a:defRPr>
       </a:lvl6pPr>
-      <a:lvl7pPr marL="2971800" indent="-228600" algn="l" defTabSz="457200" rtl="0" eaLnBrk="1" latinLnBrk="0" hangingPunct="1">
+      <a:lvl7pPr marL="2117725" indent="-282575" algn="l" defTabSz="914400" rtl="0" eaLnBrk="1" latinLnBrk="0" hangingPunct="1">
         <a:spcBef>
           <a:spcPct val="20000"/>
         </a:spcBef>
-        <a:buFont typeface="Arial"/>
-        <a:buChar char="•"/>
-        <a:defRPr sz="2000" kern="1200">
+        <a:buClr>
+          <a:schemeClr val="accent1">
+            <a:lumMod val="60000"/>
+            <a:lumOff val="40000"/>
+          </a:schemeClr>
+        </a:buClr>
+        <a:buSzPct val="110000"/>
+        <a:buFont typeface="Wingdings 2" pitchFamily="18" charset="2"/>
+        <a:buChar char=""/>
+        <a:defRPr lang="en-US" sz="1800" kern="1200" dirty="0" smtClean="0">
           <a:solidFill>
-            <a:schemeClr val="tx1"/>
+            <a:schemeClr val="tx1">
+              <a:lumMod val="65000"/>
+              <a:lumOff val="35000"/>
+            </a:schemeClr>
           </a:solidFill>
           <a:latin typeface="+mn-lt"/>
           <a:ea typeface="+mn-ea"/>
           <a:cs typeface="+mn-cs"/>
         </a:defRPr>
       </a:lvl7pPr>
-      <a:lvl8pPr marL="3429000" indent="-228600" algn="l" defTabSz="457200" rtl="0" eaLnBrk="1" latinLnBrk="0" hangingPunct="1">
+      <a:lvl8pPr marL="2398713" indent="-282575" algn="l" defTabSz="914400" rtl="0" eaLnBrk="1" latinLnBrk="0" hangingPunct="1">
         <a:spcBef>
           <a:spcPct val="20000"/>
         </a:spcBef>
-        <a:buFont typeface="Arial"/>
-        <a:buChar char="•"/>
-        <a:defRPr sz="2000" kern="1200">
+        <a:buClr>
+          <a:schemeClr val="accent2"/>
+        </a:buClr>
+        <a:buSzPct val="110000"/>
+        <a:buFont typeface="Wingdings 2" pitchFamily="18" charset="2"/>
+        <a:buChar char=""/>
+        <a:defRPr lang="en-US" sz="1800" kern="1200" dirty="0" smtClean="0">
           <a:solidFill>
-            <a:schemeClr val="tx1"/>
+            <a:schemeClr val="tx1">
+              <a:lumMod val="65000"/>
+              <a:lumOff val="35000"/>
+            </a:schemeClr>
           </a:solidFill>
           <a:latin typeface="+mn-lt"/>
           <a:ea typeface="+mn-ea"/>
           <a:cs typeface="+mn-cs"/>
         </a:defRPr>
       </a:lvl8pPr>
-      <a:lvl9pPr marL="3886200" indent="-228600" algn="l" defTabSz="457200" rtl="0" eaLnBrk="1" latinLnBrk="0" hangingPunct="1">
+      <a:lvl9pPr marL="2689225" indent="-282575" algn="l" defTabSz="914400" rtl="0" eaLnBrk="1" latinLnBrk="0" hangingPunct="1">
         <a:spcBef>
           <a:spcPct val="20000"/>
         </a:spcBef>
-        <a:buFont typeface="Arial"/>
-        <a:buChar char="•"/>
-        <a:defRPr sz="2000" kern="1200">
+        <a:buClr>
+          <a:schemeClr val="accent1">
+            <a:lumMod val="60000"/>
+            <a:lumOff val="40000"/>
+          </a:schemeClr>
+        </a:buClr>
+        <a:buSzPct val="110000"/>
+        <a:buFont typeface="Wingdings 2" pitchFamily="18" charset="2"/>
+        <a:buChar char=""/>
+        <a:defRPr lang="en-US" sz="1800" kern="1200" dirty="0">
           <a:solidFill>
-            <a:schemeClr val="tx1"/>
+            <a:schemeClr val="tx1">
+              <a:lumMod val="65000"/>
+              <a:lumOff val="35000"/>
+            </a:schemeClr>
           </a:solidFill>
           <a:latin typeface="+mn-lt"/>
           <a:ea typeface="+mn-ea"/>
@@ -10039,9 +10615,9 @@
     </p:bodyStyle>
     <p:otherStyle>
       <a:defPPr>
-        <a:defRPr lang="en-US"/>
+        <a:defRPr/>
       </a:defPPr>
-      <a:lvl1pPr marL="0" algn="l" defTabSz="457200" rtl="0" eaLnBrk="1" latinLnBrk="0" hangingPunct="1">
+      <a:lvl1pPr marL="0" algn="l" defTabSz="914400" rtl="0" eaLnBrk="1" latinLnBrk="0" hangingPunct="1">
         <a:defRPr sz="1800" kern="1200">
           <a:solidFill>
             <a:schemeClr val="tx1"/>
@@ -10051,7 +10627,7 @@
           <a:cs typeface="+mn-cs"/>
         </a:defRPr>
       </a:lvl1pPr>
-      <a:lvl2pPr marL="457200" algn="l" defTabSz="457200" rtl="0" eaLnBrk="1" latinLnBrk="0" hangingPunct="1">
+      <a:lvl2pPr marL="457200" algn="l" defTabSz="914400" rtl="0" eaLnBrk="1" latinLnBrk="0" hangingPunct="1">
         <a:defRPr sz="1800" kern="1200">
           <a:solidFill>
             <a:schemeClr val="tx1"/>
@@ -10061,7 +10637,7 @@
           <a:cs typeface="+mn-cs"/>
         </a:defRPr>
       </a:lvl2pPr>
-      <a:lvl3pPr marL="914400" algn="l" defTabSz="457200" rtl="0" eaLnBrk="1" latinLnBrk="0" hangingPunct="1">
+      <a:lvl3pPr marL="914400" algn="l" defTabSz="914400" rtl="0" eaLnBrk="1" latinLnBrk="0" hangingPunct="1">
         <a:defRPr sz="1800" kern="1200">
           <a:solidFill>
             <a:schemeClr val="tx1"/>
@@ -10071,7 +10647,7 @@
           <a:cs typeface="+mn-cs"/>
         </a:defRPr>
       </a:lvl3pPr>
-      <a:lvl4pPr marL="1371600" algn="l" defTabSz="457200" rtl="0" eaLnBrk="1" latinLnBrk="0" hangingPunct="1">
+      <a:lvl4pPr marL="1371600" algn="l" defTabSz="914400" rtl="0" eaLnBrk="1" latinLnBrk="0" hangingPunct="1">
         <a:defRPr sz="1800" kern="1200">
           <a:solidFill>
             <a:schemeClr val="tx1"/>
@@ -10081,7 +10657,7 @@
           <a:cs typeface="+mn-cs"/>
         </a:defRPr>
       </a:lvl4pPr>
-      <a:lvl5pPr marL="1828800" algn="l" defTabSz="457200" rtl="0" eaLnBrk="1" latinLnBrk="0" hangingPunct="1">
+      <a:lvl5pPr marL="1828800" algn="l" defTabSz="914400" rtl="0" eaLnBrk="1" latinLnBrk="0" hangingPunct="1">
         <a:defRPr sz="1800" kern="1200">
           <a:solidFill>
             <a:schemeClr val="tx1"/>
@@ -10091,7 +10667,7 @@
           <a:cs typeface="+mn-cs"/>
         </a:defRPr>
       </a:lvl5pPr>
-      <a:lvl6pPr marL="2286000" algn="l" defTabSz="457200" rtl="0" eaLnBrk="1" latinLnBrk="0" hangingPunct="1">
+      <a:lvl6pPr marL="2286000" algn="l" defTabSz="914400" rtl="0" eaLnBrk="1" latinLnBrk="0" hangingPunct="1">
         <a:defRPr sz="1800" kern="1200">
           <a:solidFill>
             <a:schemeClr val="tx1"/>
@@ -10101,7 +10677,7 @@
           <a:cs typeface="+mn-cs"/>
         </a:defRPr>
       </a:lvl6pPr>
-      <a:lvl7pPr marL="2743200" algn="l" defTabSz="457200" rtl="0" eaLnBrk="1" latinLnBrk="0" hangingPunct="1">
+      <a:lvl7pPr marL="2743200" algn="l" defTabSz="914400" rtl="0" eaLnBrk="1" latinLnBrk="0" hangingPunct="1">
         <a:defRPr sz="1800" kern="1200">
           <a:solidFill>
             <a:schemeClr val="tx1"/>
@@ -10111,7 +10687,7 @@
           <a:cs typeface="+mn-cs"/>
         </a:defRPr>
       </a:lvl7pPr>
-      <a:lvl8pPr marL="3200400" algn="l" defTabSz="457200" rtl="0" eaLnBrk="1" latinLnBrk="0" hangingPunct="1">
+      <a:lvl8pPr marL="3200400" algn="l" defTabSz="914400" rtl="0" eaLnBrk="1" latinLnBrk="0" hangingPunct="1">
         <a:defRPr sz="1800" kern="1200">
           <a:solidFill>
             <a:schemeClr val="tx1"/>
@@ -10121,7 +10697,7 @@
           <a:cs typeface="+mn-cs"/>
         </a:defRPr>
       </a:lvl8pPr>
-      <a:lvl9pPr marL="3657600" algn="l" defTabSz="457200" rtl="0" eaLnBrk="1" latinLnBrk="0" hangingPunct="1">
+      <a:lvl9pPr marL="3657600" algn="l" defTabSz="914400" rtl="0" eaLnBrk="1" latinLnBrk="0" hangingPunct="1">
         <a:defRPr sz="1800" kern="1200">
           <a:solidFill>
             <a:schemeClr val="tx1"/>
@@ -10163,18 +10739,19 @@
             <p:ph type="ctrTitle"/>
           </p:nvPr>
         </p:nvSpPr>
-        <p:spPr/>
+        <p:spPr>
+          <a:xfrm>
+            <a:off x="1322921" y="2490786"/>
+            <a:ext cx="6498158" cy="1724867"/>
+          </a:xfrm>
+        </p:spPr>
         <p:txBody>
           <a:bodyPr/>
           <a:lstStyle/>
           <a:p>
             <a:r>
               <a:rPr lang="en-US" dirty="0" smtClean="0"/>
-              <a:t>Predict </a:t>
-            </a:r>
-            <a:r>
-              <a:rPr lang="en-US" dirty="0" smtClean="0"/>
-              <a:t>Santander Customer Satisfactions</a:t>
+              <a:t>Predict Santander Customer Satisfactions</a:t>
             </a:r>
             <a:endParaRPr lang="en-US" dirty="0"/>
           </a:p>
@@ -10190,7 +10767,12 @@
             <p:ph type="subTitle" idx="1"/>
           </p:nvPr>
         </p:nvSpPr>
-        <p:spPr/>
+        <p:spPr>
+          <a:xfrm>
+            <a:off x="1512084" y="4555439"/>
+            <a:ext cx="6498159" cy="916641"/>
+          </a:xfrm>
+        </p:spPr>
         <p:txBody>
           <a:bodyPr/>
           <a:lstStyle/>
@@ -10250,28 +10832,29 @@
             <p:ph type="title"/>
           </p:nvPr>
         </p:nvSpPr>
-        <p:spPr/>
+        <p:spPr>
+          <a:xfrm>
+            <a:off x="0" y="0"/>
+            <a:ext cx="9010412" cy="1492625"/>
+          </a:xfrm>
+        </p:spPr>
         <p:txBody>
           <a:bodyPr>
-            <a:normAutofit fontScale="90000"/>
+            <a:noAutofit/>
           </a:bodyPr>
           <a:lstStyle/>
           <a:p>
             <a:r>
-              <a:rPr lang="en-US" dirty="0"/>
+              <a:rPr lang="en-US" sz="3600" dirty="0"/>
               <a:t>Confusion Matrix of </a:t>
             </a:r>
             <a:r>
-              <a:rPr lang="en-US" dirty="0" err="1"/>
+              <a:rPr lang="en-US" sz="3600" dirty="0" err="1"/>
               <a:t>XGBoost</a:t>
             </a:r>
             <a:r>
-              <a:rPr lang="en-US" dirty="0"/>
-              <a:t> classifier at probability threshold 0.13</a:t>
-            </a:r>
-            <a:r>
-              <a:rPr lang="en-US" dirty="0"/>
-              <a:t> </a:t>
+              <a:rPr lang="en-US" sz="3600" dirty="0"/>
+              <a:t> classifier at probability threshold 0.13 </a:t>
             </a:r>
           </a:p>
         </p:txBody>
@@ -10304,25 +10887,25 @@
           <p:nvPr>
             <p:extLst>
               <p:ext uri="{D42A27DB-BD31-4B8C-83A1-F6EECF244321}">
-                <p14:modId xmlns:p14="http://schemas.microsoft.com/office/powerpoint/2010/main" val="2300980717"/>
+                <p14:modId xmlns:p14="http://schemas.microsoft.com/office/powerpoint/2010/main" val="4190704179"/>
               </p:ext>
             </p:extLst>
           </p:nvPr>
         </p:nvGraphicFramePr>
         <p:xfrm>
-          <a:off x="725373" y="2679699"/>
-          <a:ext cx="12968051" cy="3446464"/>
+          <a:off x="401093" y="1631945"/>
+          <a:ext cx="13218637" cy="3446464"/>
         </p:xfrm>
         <a:graphic>
           <a:graphicData uri="http://schemas.openxmlformats.org/presentationml/2006/ole">
             <mc:AlternateContent xmlns:mc="http://schemas.openxmlformats.org/markup-compatibility/2006">
               <mc:Choice xmlns:v="urn:schemas-microsoft-com:vml" Requires="v">
-                <p:oleObj spid="_x0000_s2050" name="Document" r:id="rId3" imgW="5638800" imgH="1498600" progId="Word.Document.12">
+                <p:oleObj spid="_x0000_s2052" name="Document" r:id="rId4" imgW="5638800" imgH="1498600" progId="Word.Document.12">
                   <p:embed/>
                 </p:oleObj>
               </mc:Choice>
               <mc:Fallback>
-                <p:oleObj name="Document" r:id="rId3" imgW="5638800" imgH="1498600" progId="Word.Document.12">
+                <p:oleObj name="Document" r:id="rId4" imgW="5638800" imgH="1498600" progId="Word.Document.12">
                   <p:embed/>
                   <p:pic>
                     <p:nvPicPr>
@@ -10331,15 +10914,15 @@
                       <p:nvPr/>
                     </p:nvPicPr>
                     <p:blipFill>
-                      <a:blip r:embed="rId4"/>
+                      <a:blip r:embed="rId5"/>
                       <a:stretch>
                         <a:fillRect/>
                       </a:stretch>
                     </p:blipFill>
                     <p:spPr>
                       <a:xfrm>
-                        <a:off x="725373" y="2679699"/>
-                        <a:ext cx="12968051" cy="3446464"/>
+                        <a:off x="401093" y="1631945"/>
+                        <a:ext cx="13218637" cy="3446464"/>
                       </a:xfrm>
                       <a:prstGeom prst="rect">
                         <a:avLst/>
@@ -10418,7 +11001,7 @@
         <p:spPr/>
         <p:txBody>
           <a:bodyPr>
-            <a:normAutofit fontScale="85000" lnSpcReduction="10000"/>
+            <a:normAutofit fontScale="92500"/>
           </a:bodyPr>
           <a:lstStyle/>
           <a:p>
@@ -10481,11 +11064,7 @@
             </a:r>
             <a:r>
               <a:rPr lang="en-US" dirty="0"/>
-              <a:t>Santander, recall is more important than precision or other measures, because the number of False Positives is less alarming than the number of False Negatives.</a:t>
-            </a:r>
-            <a:r>
-              <a:rPr lang="en-US" dirty="0"/>
-              <a:t> </a:t>
+              <a:t>Santander, recall is more important than precision or other measures, because the number of False Positives is less alarming than the number of False Negatives. </a:t>
             </a:r>
             <a:endParaRPr lang="en-US" dirty="0" smtClean="0"/>
           </a:p>
@@ -10639,10 +11218,13 @@
               </a:lnSpc>
             </a:pPr>
             <a:r>
+              <a:rPr lang="en-US" b="1" dirty="0" smtClean="0"/>
+              <a:t>Client</a:t>
+            </a:r>
+            <a:r>
               <a:rPr lang="en-US" dirty="0" smtClean="0"/>
-              <a:t>Client: Santander Bank</a:t>
-            </a:r>
-            <a:endParaRPr lang="en-US" dirty="0" smtClean="0"/>
+              <a:t>: Santander Bank</a:t>
+            </a:r>
           </a:p>
           <a:p>
             <a:pPr>
@@ -10651,14 +11233,13 @@
               </a:lnSpc>
             </a:pPr>
             <a:r>
+              <a:rPr lang="en-US" b="1" dirty="0" smtClean="0"/>
+              <a:t>Goal</a:t>
+            </a:r>
+            <a:r>
               <a:rPr lang="en-US" dirty="0" smtClean="0"/>
-              <a:t>Goal: </a:t>
-            </a:r>
-            <a:r>
-              <a:rPr lang="en-US" dirty="0" smtClean="0"/>
-              <a:t>Predict whether customers were satisfied or dissatisfied with the services</a:t>
-            </a:r>
-            <a:endParaRPr lang="en-US" dirty="0" smtClean="0"/>
+              <a:t>: Predict whether customers were satisfied or dissatisfied with the services</a:t>
+            </a:r>
           </a:p>
           <a:p>
             <a:pPr>
@@ -10667,12 +11248,12 @@
               </a:lnSpc>
             </a:pPr>
             <a:r>
+              <a:rPr lang="en-US" b="1" dirty="0" smtClean="0"/>
+              <a:t>Method</a:t>
+            </a:r>
+            <a:r>
               <a:rPr lang="en-US" dirty="0" smtClean="0"/>
-              <a:t>Method: Use </a:t>
-            </a:r>
-            <a:r>
-              <a:rPr lang="en-US" dirty="0" smtClean="0"/>
-              <a:t>an </a:t>
+              <a:t>: Use an </a:t>
             </a:r>
             <a:r>
               <a:rPr lang="en-US" dirty="0" err="1" smtClean="0"/>
@@ -10740,11 +11321,7 @@
           <a:p>
             <a:r>
               <a:rPr lang="en-US" dirty="0" smtClean="0"/>
-              <a:t>Data </a:t>
-            </a:r>
-            <a:r>
-              <a:rPr lang="en-US" dirty="0" smtClean="0"/>
-              <a:t>Description</a:t>
+              <a:t>Data Description</a:t>
             </a:r>
             <a:endParaRPr lang="en-US" dirty="0"/>
           </a:p>
@@ -10779,19 +11356,11 @@
             </a:pPr>
             <a:r>
               <a:rPr lang="en-US" dirty="0"/>
-              <a:t>76020 observations and 370 predictive features</a:t>
-            </a:r>
-            <a:r>
-              <a:rPr lang="en-US" dirty="0"/>
-              <a:t> </a:t>
+              <a:t>76020 observations and 370 predictive features </a:t>
             </a:r>
             <a:r>
               <a:rPr lang="en-US" dirty="0" smtClean="0"/>
-              <a:t>Scrape </a:t>
-            </a:r>
-            <a:r>
-              <a:rPr lang="en-US" dirty="0" smtClean="0"/>
-              <a:t>Amazon book reviews</a:t>
+              <a:t>Scrape Amazon book reviews</a:t>
             </a:r>
           </a:p>
           <a:p>
@@ -10837,11 +11406,7 @@
             </a:pPr>
             <a:r>
               <a:rPr lang="en-US" dirty="0"/>
-              <a:t>3008 out of 76020 customers are dissatisfied, or only 4%</a:t>
-            </a:r>
-            <a:r>
-              <a:rPr lang="en-US" dirty="0"/>
-              <a:t> </a:t>
+              <a:t>3008 out of 76020 customers are dissatisfied, or only 4% </a:t>
             </a:r>
             <a:endParaRPr lang="en-US" dirty="0" smtClean="0"/>
           </a:p>
@@ -10902,7 +11467,12 @@
             <p:ph type="title"/>
           </p:nvPr>
         </p:nvSpPr>
-        <p:spPr/>
+        <p:spPr>
+          <a:xfrm>
+            <a:off x="549275" y="-243683"/>
+            <a:ext cx="8042276" cy="1336956"/>
+          </a:xfrm>
+        </p:spPr>
         <p:txBody>
           <a:bodyPr/>
           <a:lstStyle/>
@@ -10925,13 +11495,13 @@
             <p:ph idx="1"/>
             <p:extLst>
               <p:ext uri="{D42A27DB-BD31-4B8C-83A1-F6EECF244321}">
-                <p14:modId xmlns:p14="http://schemas.microsoft.com/office/powerpoint/2010/main" val="76695585"/>
+                <p14:modId xmlns:p14="http://schemas.microsoft.com/office/powerpoint/2010/main" val="1294763501"/>
               </p:ext>
             </p:extLst>
           </p:nvPr>
         </p:nvGraphicFramePr>
         <p:xfrm>
-          <a:off x="457200" y="1600200"/>
+          <a:off x="457200" y="1194901"/>
           <a:ext cx="8229600" cy="5114257"/>
         </p:xfrm>
         <a:graphic>
@@ -11026,7 +11596,6 @@
               <a:rPr lang="en-US" dirty="0" smtClean="0"/>
               <a:t>Principal Component Analysis (PCA) and cross-validate to optimize the number of components</a:t>
             </a:r>
-            <a:endParaRPr lang="en-US" dirty="0" smtClean="0"/>
           </a:p>
           <a:p>
             <a:pPr>
@@ -11180,20 +11749,21 @@
             <p:ph type="title"/>
           </p:nvPr>
         </p:nvSpPr>
-        <p:spPr/>
+        <p:spPr>
+          <a:xfrm>
+            <a:off x="312984" y="107576"/>
+            <a:ext cx="8579222" cy="865142"/>
+          </a:xfrm>
+        </p:spPr>
         <p:txBody>
           <a:bodyPr/>
           <a:lstStyle/>
           <a:p>
             <a:r>
-              <a:rPr lang="en-US" dirty="0" smtClean="0"/>
-              <a:t>Key findings </a:t>
-            </a:r>
-            <a:r>
-              <a:rPr lang="en-US" dirty="0" smtClean="0"/>
-              <a:t>from Model Selection</a:t>
-            </a:r>
-            <a:endParaRPr lang="en-US" dirty="0"/>
+              <a:rPr lang="en-US" sz="4000" dirty="0" smtClean="0"/>
+              <a:t>Key findings from Model Selection</a:t>
+            </a:r>
+            <a:endParaRPr lang="en-US" sz="4000" dirty="0"/>
           </a:p>
         </p:txBody>
       </p:sp>
@@ -11215,7 +11785,7 @@
         </p:spPr>
         <p:txBody>
           <a:bodyPr>
-            <a:normAutofit fontScale="70000" lnSpcReduction="20000"/>
+            <a:normAutofit fontScale="92500" lnSpcReduction="10000"/>
           </a:bodyPr>
           <a:lstStyle/>
           <a:p>
@@ -11224,11 +11794,7 @@
             </a:pPr>
             <a:r>
               <a:rPr lang="en-US" dirty="0"/>
-              <a:t>Area under the ROC curve for the testing set of various model and feature selection combinations</a:t>
-            </a:r>
-            <a:r>
-              <a:rPr lang="en-US" dirty="0"/>
-              <a:t> </a:t>
+              <a:t>Area under the ROC curve for the testing set of various model and feature selection combinations </a:t>
             </a:r>
           </a:p>
         </p:txBody>
@@ -11255,12 +11821,12 @@
           <a:graphicData uri="http://schemas.openxmlformats.org/presentationml/2006/ole">
             <mc:AlternateContent xmlns:mc="http://schemas.openxmlformats.org/markup-compatibility/2006">
               <mc:Choice xmlns:v="urn:schemas-microsoft-com:vml" Requires="v">
-                <p:oleObj spid="_x0000_s1026" name="Document" r:id="rId4" imgW="5638800" imgH="2717800" progId="Word.Document.12">
+                <p:oleObj spid="_x0000_s1028" name="Document" r:id="rId5" imgW="5638800" imgH="2717800" progId="Word.Document.12">
                   <p:embed/>
                 </p:oleObj>
               </mc:Choice>
               <mc:Fallback>
-                <p:oleObj name="Document" r:id="rId4" imgW="5638800" imgH="2717800" progId="Word.Document.12">
+                <p:oleObj name="Document" r:id="rId5" imgW="5638800" imgH="2717800" progId="Word.Document.12">
                   <p:embed/>
                   <p:pic>
                     <p:nvPicPr>
@@ -11269,7 +11835,7 @@
                       <p:nvPr/>
                     </p:nvPicPr>
                     <p:blipFill>
-                      <a:blip r:embed="rId5"/>
+                      <a:blip r:embed="rId6"/>
                       <a:stretch>
                         <a:fillRect/>
                       </a:stretch>
@@ -11374,25 +11940,21 @@
         <p:spPr/>
         <p:txBody>
           <a:bodyPr>
-            <a:normAutofit fontScale="90000"/>
+            <a:noAutofit/>
           </a:bodyPr>
           <a:lstStyle/>
           <a:p>
             <a:r>
-              <a:rPr lang="en-US" dirty="0"/>
+              <a:rPr lang="en-US" sz="3600" dirty="0"/>
               <a:t>ROC curves computed from 5-fold cross validation of </a:t>
             </a:r>
             <a:r>
-              <a:rPr lang="en-US" dirty="0" err="1"/>
+              <a:rPr lang="en-US" sz="3600" dirty="0" err="1"/>
               <a:t>XGBoost</a:t>
             </a:r>
             <a:r>
-              <a:rPr lang="en-US" dirty="0"/>
-              <a:t> model</a:t>
-            </a:r>
-            <a:r>
-              <a:rPr lang="en-US" dirty="0"/>
-              <a:t> </a:t>
+              <a:rPr lang="en-US" sz="3600" dirty="0"/>
+              <a:t> model </a:t>
             </a:r>
           </a:p>
         </p:txBody>
@@ -11530,8 +12092,8 @@
         </p:nvSpPr>
         <p:spPr>
           <a:xfrm>
-            <a:off x="362618" y="26111"/>
-            <a:ext cx="8686800" cy="1309558"/>
+            <a:off x="-189163" y="26111"/>
+            <a:ext cx="9238581" cy="1041177"/>
           </a:xfrm>
         </p:spPr>
         <p:txBody>
@@ -11550,11 +12112,7 @@
             </a:r>
             <a:r>
               <a:rPr lang="en-US" sz="3200" dirty="0"/>
-              <a:t> classifier at a range of probability thresholds</a:t>
-            </a:r>
-            <a:r>
-              <a:rPr lang="en-US" sz="3200" dirty="0"/>
-              <a:t> </a:t>
+              <a:t> classifier at a range of probability thresholds </a:t>
             </a:r>
           </a:p>
         </p:txBody>
@@ -11573,9 +12131,9 @@
 </file>
 
 <file path=ppt/theme/theme1.xml><?xml version="1.0" encoding="utf-8"?>
-<a:theme xmlns:a="http://schemas.openxmlformats.org/drawingml/2006/main" name="Office Theme">
+<a:theme xmlns:a="http://schemas.openxmlformats.org/drawingml/2006/main" name="Breeze">
   <a:themeElements>
-    <a:clrScheme name="Office">
+    <a:clrScheme name="Breeze">
       <a:dk1>
         <a:sysClr val="windowText" lastClr="000000"/>
       </a:dk1>
@@ -11583,158 +12141,107 @@
         <a:sysClr val="window" lastClr="FFFFFF"/>
       </a:lt1>
       <a:dk2>
-        <a:srgbClr val="1F497D"/>
+        <a:srgbClr val="09213B"/>
       </a:dk2>
       <a:lt2>
-        <a:srgbClr val="EEECE1"/>
+        <a:srgbClr val="D5EDF4"/>
       </a:lt2>
       <a:accent1>
-        <a:srgbClr val="4F81BD"/>
+        <a:srgbClr val="2C7C9F"/>
       </a:accent1>
       <a:accent2>
-        <a:srgbClr val="C0504D"/>
+        <a:srgbClr val="244A58"/>
       </a:accent2>
       <a:accent3>
-        <a:srgbClr val="9BBB59"/>
+        <a:srgbClr val="E2751D"/>
       </a:accent3>
       <a:accent4>
-        <a:srgbClr val="8064A2"/>
+        <a:srgbClr val="FFB400"/>
       </a:accent4>
       <a:accent5>
-        <a:srgbClr val="4BACC6"/>
+        <a:srgbClr val="7EB606"/>
       </a:accent5>
       <a:accent6>
-        <a:srgbClr val="F79646"/>
+        <a:srgbClr val="C00000"/>
       </a:accent6>
       <a:hlink>
-        <a:srgbClr val="0000FF"/>
+        <a:srgbClr val="7030A0"/>
       </a:hlink>
       <a:folHlink>
-        <a:srgbClr val="800080"/>
+        <a:srgbClr val="00B0F0"/>
       </a:folHlink>
     </a:clrScheme>
-    <a:fontScheme name="Office">
+    <a:fontScheme name="Breeze">
       <a:majorFont>
-        <a:latin typeface="Calibri"/>
+        <a:latin typeface="News Gothic MT"/>
         <a:ea typeface=""/>
         <a:cs typeface=""/>
         <a:font script="Jpan" typeface="ＭＳ Ｐゴシック"/>
-        <a:font script="Hang" typeface="맑은 고딕"/>
         <a:font script="Hans" typeface="宋体"/>
         <a:font script="Hant" typeface="新細明體"/>
-        <a:font script="Arab" typeface="Times New Roman"/>
-        <a:font script="Hebr" typeface="Times New Roman"/>
-        <a:font script="Thai" typeface="Angsana New"/>
-        <a:font script="Ethi" typeface="Nyala"/>
-        <a:font script="Beng" typeface="Vrinda"/>
-        <a:font script="Gujr" typeface="Shruti"/>
-        <a:font script="Khmr" typeface="MoolBoran"/>
-        <a:font script="Knda" typeface="Tunga"/>
-        <a:font script="Guru" typeface="Raavi"/>
-        <a:font script="Cans" typeface="Euphemia"/>
-        <a:font script="Cher" typeface="Plantagenet Cherokee"/>
-        <a:font script="Yiii" typeface="Microsoft Yi Baiti"/>
-        <a:font script="Tibt" typeface="Microsoft Himalaya"/>
-        <a:font script="Thaa" typeface="MV Boli"/>
-        <a:font script="Deva" typeface="Mangal"/>
-        <a:font script="Telu" typeface="Gautami"/>
-        <a:font script="Taml" typeface="Latha"/>
-        <a:font script="Syrc" typeface="Estrangelo Edessa"/>
-        <a:font script="Orya" typeface="Kalinga"/>
-        <a:font script="Mlym" typeface="Kartika"/>
-        <a:font script="Laoo" typeface="DokChampa"/>
-        <a:font script="Sinh" typeface="Iskoola Pota"/>
-        <a:font script="Mong" typeface="Mongolian Baiti"/>
-        <a:font script="Viet" typeface="Times New Roman"/>
-        <a:font script="Uigh" typeface="Microsoft Uighur"/>
-        <a:font script="Geor" typeface="Sylfaen"/>
       </a:majorFont>
       <a:minorFont>
-        <a:latin typeface="Calibri"/>
+        <a:latin typeface="News Gothic MT"/>
         <a:ea typeface=""/>
         <a:cs typeface=""/>
         <a:font script="Jpan" typeface="ＭＳ Ｐゴシック"/>
-        <a:font script="Hang" typeface="맑은 고딕"/>
         <a:font script="Hans" typeface="宋体"/>
         <a:font script="Hant" typeface="新細明體"/>
-        <a:font script="Arab" typeface="Arial"/>
-        <a:font script="Hebr" typeface="Arial"/>
-        <a:font script="Thai" typeface="Cordia New"/>
-        <a:font script="Ethi" typeface="Nyala"/>
-        <a:font script="Beng" typeface="Vrinda"/>
-        <a:font script="Gujr" typeface="Shruti"/>
-        <a:font script="Khmr" typeface="DaunPenh"/>
-        <a:font script="Knda" typeface="Tunga"/>
-        <a:font script="Guru" typeface="Raavi"/>
-        <a:font script="Cans" typeface="Euphemia"/>
-        <a:font script="Cher" typeface="Plantagenet Cherokee"/>
-        <a:font script="Yiii" typeface="Microsoft Yi Baiti"/>
-        <a:font script="Tibt" typeface="Microsoft Himalaya"/>
-        <a:font script="Thaa" typeface="MV Boli"/>
-        <a:font script="Deva" typeface="Mangal"/>
-        <a:font script="Telu" typeface="Gautami"/>
-        <a:font script="Taml" typeface="Latha"/>
-        <a:font script="Syrc" typeface="Estrangelo Edessa"/>
-        <a:font script="Orya" typeface="Kalinga"/>
-        <a:font script="Mlym" typeface="Kartika"/>
-        <a:font script="Laoo" typeface="DokChampa"/>
-        <a:font script="Sinh" typeface="Iskoola Pota"/>
-        <a:font script="Mong" typeface="Mongolian Baiti"/>
-        <a:font script="Viet" typeface="Arial"/>
-        <a:font script="Uigh" typeface="Microsoft Uighur"/>
-        <a:font script="Geor" typeface="Sylfaen"/>
       </a:minorFont>
     </a:fontScheme>
-    <a:fmtScheme name="Office">
+    <a:fmtScheme name="Breeze">
       <a:fillStyleLst>
         <a:solidFill>
           <a:schemeClr val="phClr"/>
         </a:solidFill>
         <a:gradFill rotWithShape="1">
           <a:gsLst>
-            <a:gs pos="0">
+            <a:gs pos="31000">
               <a:schemeClr val="phClr">
-                <a:tint val="50000"/>
-                <a:satMod val="300000"/>
-              </a:schemeClr>
-            </a:gs>
-            <a:gs pos="35000">
-              <a:schemeClr val="phClr">
-                <a:tint val="37000"/>
-                <a:satMod val="300000"/>
+                <a:tint val="100000"/>
+                <a:shade val="100000"/>
+                <a:satMod val="120000"/>
               </a:schemeClr>
             </a:gs>
             <a:gs pos="100000">
               <a:schemeClr val="phClr">
-                <a:tint val="15000"/>
-                <a:satMod val="350000"/>
+                <a:tint val="50000"/>
+                <a:satMod val="150000"/>
               </a:schemeClr>
             </a:gs>
           </a:gsLst>
-          <a:lin ang="16200000" scaled="1"/>
+          <a:lin ang="5400000" scaled="1"/>
         </a:gradFill>
         <a:gradFill rotWithShape="1">
           <a:gsLst>
             <a:gs pos="0">
               <a:schemeClr val="phClr">
-                <a:tint val="100000"/>
                 <a:shade val="100000"/>
-                <a:satMod val="130000"/>
+                <a:satMod val="120000"/>
+              </a:schemeClr>
+            </a:gs>
+            <a:gs pos="69000">
+              <a:schemeClr val="phClr">
+                <a:tint val="80000"/>
+                <a:shade val="100000"/>
+                <a:satMod val="150000"/>
               </a:schemeClr>
             </a:gs>
             <a:gs pos="100000">
               <a:schemeClr val="phClr">
                 <a:tint val="50000"/>
                 <a:shade val="100000"/>
-                <a:satMod val="350000"/>
+                <a:satMod val="150000"/>
               </a:schemeClr>
             </a:gs>
           </a:gsLst>
-          <a:lin ang="16200000" scaled="0"/>
+          <a:path path="circle">
+            <a:fillToRect l="100000" t="100000" r="100000" b="100000"/>
+          </a:path>
         </a:gradFill>
       </a:fillStyleLst>
       <a:lnStyleLst>
-        <a:ln w="9525" cap="flat" cmpd="sng" algn="ctr">
+        <a:ln w="12700" cap="flat" cmpd="sng" algn="ctr">
           <a:solidFill>
             <a:schemeClr val="phClr">
               <a:shade val="95000"/>
@@ -11743,13 +12250,13 @@
           </a:solidFill>
           <a:prstDash val="solid"/>
         </a:ln>
-        <a:ln w="25400" cap="flat" cmpd="sng" algn="ctr">
+        <a:ln w="25400" cap="flat" cmpd="dbl" algn="ctr">
           <a:solidFill>
             <a:schemeClr val="phClr"/>
           </a:solidFill>
           <a:prstDash val="solid"/>
         </a:ln>
-        <a:ln w="38100" cap="flat" cmpd="sng" algn="ctr">
+        <a:ln w="31750" cap="flat" cmpd="dbl" algn="ctr">
           <a:solidFill>
             <a:schemeClr val="phClr"/>
           </a:solidFill>
@@ -11758,41 +12265,38 @@
       </a:lnStyleLst>
       <a:effectStyleLst>
         <a:effectStyle>
+          <a:effectLst/>
+        </a:effectStyle>
+        <a:effectStyle>
           <a:effectLst>
-            <a:outerShdw blurRad="40000" dist="20000" dir="5400000" rotWithShape="0">
+            <a:outerShdw blurRad="63500" dist="25400" dir="5400000" sx="101000" sy="101000" rotWithShape="0">
               <a:srgbClr val="000000">
-                <a:alpha val="38000"/>
+                <a:alpha val="40000"/>
               </a:srgbClr>
             </a:outerShdw>
           </a:effectLst>
         </a:effectStyle>
         <a:effectStyle>
           <a:effectLst>
-            <a:outerShdw blurRad="40000" dist="23000" dir="5400000" rotWithShape="0">
-              <a:srgbClr val="000000">
-                <a:alpha val="35000"/>
+            <a:innerShdw blurRad="127000" dist="25400" dir="13500000">
+              <a:srgbClr val="C0C0C0">
+                <a:alpha val="75000"/>
               </a:srgbClr>
-            </a:outerShdw>
-          </a:effectLst>
-        </a:effectStyle>
-        <a:effectStyle>
-          <a:effectLst>
-            <a:outerShdw blurRad="40000" dist="23000" dir="5400000" rotWithShape="0">
-              <a:srgbClr val="000000">
-                <a:alpha val="35000"/>
+            </a:innerShdw>
+            <a:outerShdw blurRad="88900" dist="25400" dir="5400000" sx="102000" sy="102000" algn="ctr" rotWithShape="0">
+              <a:srgbClr val="C0C0C0">
+                <a:alpha val="40000"/>
               </a:srgbClr>
             </a:outerShdw>
           </a:effectLst>
           <a:scene3d>
-            <a:camera prst="orthographicFront">
-              <a:rot lat="0" lon="0" rev="0"/>
-            </a:camera>
-            <a:lightRig rig="threePt" dir="t">
-              <a:rot lat="0" lon="0" rev="1200000"/>
+            <a:camera prst="perspectiveLeft" fov="300000"/>
+            <a:lightRig rig="soft" dir="l">
+              <a:rot lat="0" lon="0" rev="4200000"/>
             </a:lightRig>
           </a:scene3d>
-          <a:sp3d>
-            <a:bevelT w="63500" h="25400"/>
+          <a:sp3d extrusionH="38100" prstMaterial="powder">
+            <a:bevelT w="50800" h="88900" prst="convex"/>
           </a:sp3d>
         </a:effectStyle>
       </a:effectStyleLst>
@@ -11826,33 +12330,33 @@
             <a:fillToRect l="50000" t="-80000" r="50000" b="180000"/>
           </a:path>
         </a:gradFill>
-        <a:gradFill rotWithShape="1">
-          <a:gsLst>
-            <a:gs pos="0">
+        <a:blipFill rotWithShape="1">
+          <a:blip xmlns:r="http://schemas.openxmlformats.org/officeDocument/2006/relationships" r:embed="rId1">
+            <a:duotone>
               <a:schemeClr val="phClr">
-                <a:tint val="80000"/>
-                <a:satMod val="300000"/>
+                <a:shade val="40000"/>
+                <a:satMod val="400000"/>
               </a:schemeClr>
-            </a:gs>
-            <a:gs pos="100000">
               <a:schemeClr val="phClr">
-                <a:shade val="30000"/>
+                <a:tint val="10000"/>
                 <a:satMod val="200000"/>
               </a:schemeClr>
-            </a:gs>
-          </a:gsLst>
-          <a:path path="circle">
-            <a:fillToRect l="50000" t="50000" r="50000" b="50000"/>
-          </a:path>
-        </a:gradFill>
+            </a:duotone>
+          </a:blip>
+          <a:stretch/>
+        </a:blipFill>
       </a:bgFillStyleLst>
     </a:fmtScheme>
   </a:themeElements>
   <a:objectDefaults>
     <a:spDef>
       <a:spPr/>
-      <a:bodyPr/>
-      <a:lstStyle/>
+      <a:bodyPr rtlCol="0" anchor="ctr"/>
+      <a:lstStyle>
+        <a:defPPr algn="ctr">
+          <a:defRPr/>
+        </a:defPPr>
+      </a:lstStyle>
       <a:style>
         <a:lnRef idx="1">
           <a:schemeClr val="accent1"/>
